--- a/sentiment_classification_of_chess_annotations.pptx
+++ b/sentiment_classification_of_chess_annotations.pptx
@@ -5,10 +5,10 @@
     <p:sldMasterId id="2147483648" r:id="rId1"/>
   </p:sldMasterIdLst>
   <p:notesMasterIdLst>
-    <p:notesMasterId r:id="rId22"/>
+    <p:notesMasterId r:id="rId28"/>
   </p:notesMasterIdLst>
   <p:handoutMasterIdLst>
-    <p:handoutMasterId r:id="rId23"/>
+    <p:handoutMasterId r:id="rId29"/>
   </p:handoutMasterIdLst>
   <p:sldIdLst>
     <p:sldId id="256" r:id="rId2"/>
@@ -18,19 +18,25 @@
     <p:sldId id="258" r:id="rId6"/>
     <p:sldId id="259" r:id="rId7"/>
     <p:sldId id="260" r:id="rId8"/>
-    <p:sldId id="276" r:id="rId9"/>
-    <p:sldId id="264" r:id="rId10"/>
-    <p:sldId id="268" r:id="rId11"/>
-    <p:sldId id="267" r:id="rId12"/>
-    <p:sldId id="277" r:id="rId13"/>
-    <p:sldId id="266" r:id="rId14"/>
-    <p:sldId id="269" r:id="rId15"/>
-    <p:sldId id="270" r:id="rId16"/>
-    <p:sldId id="271" r:id="rId17"/>
-    <p:sldId id="272" r:id="rId18"/>
-    <p:sldId id="273" r:id="rId19"/>
-    <p:sldId id="275" r:id="rId20"/>
-    <p:sldId id="274" r:id="rId21"/>
+    <p:sldId id="279" r:id="rId9"/>
+    <p:sldId id="282" r:id="rId10"/>
+    <p:sldId id="276" r:id="rId11"/>
+    <p:sldId id="268" r:id="rId12"/>
+    <p:sldId id="267" r:id="rId13"/>
+    <p:sldId id="277" r:id="rId14"/>
+    <p:sldId id="281" r:id="rId15"/>
+    <p:sldId id="280" r:id="rId16"/>
+    <p:sldId id="266" r:id="rId17"/>
+    <p:sldId id="269" r:id="rId18"/>
+    <p:sldId id="270" r:id="rId19"/>
+    <p:sldId id="271" r:id="rId20"/>
+    <p:sldId id="272" r:id="rId21"/>
+    <p:sldId id="273" r:id="rId22"/>
+    <p:sldId id="275" r:id="rId23"/>
+    <p:sldId id="283" r:id="rId24"/>
+    <p:sldId id="285" r:id="rId25"/>
+    <p:sldId id="284" r:id="rId26"/>
+    <p:sldId id="274" r:id="rId27"/>
   </p:sldIdLst>
   <p:sldSz cx="9144000" cy="6858000" type="screen4x3"/>
   <p:notesSz cx="6858000" cy="9144000"/>
@@ -1027,12 +1033,8 @@
         <a:lstStyle/>
         <a:p>
           <a:r>
-            <a:rPr lang="de-DE" dirty="0"/>
-            <a:t>Data </a:t>
-          </a:r>
-          <a:r>
             <a:rPr lang="de-DE" dirty="0" err="1"/>
-            <a:t>Cleansing</a:t>
+            <a:t>Tokenization</a:t>
           </a:r>
           <a:endParaRPr lang="de-DE" dirty="0"/>
         </a:p>
@@ -1191,10 +1193,6 @@
         <a:lstStyle/>
         <a:p>
           <a:r>
-            <a:rPr lang="de-DE" dirty="0"/>
-            <a:t>Text </a:t>
-          </a:r>
-          <a:r>
             <a:rPr lang="de-DE" dirty="0" err="1"/>
             <a:t>Normalization</a:t>
           </a:r>
@@ -1346,59 +1344,6 @@
         </a:p>
       </dgm:t>
     </dgm:pt>
-    <dgm:pt modelId="{63E9E4DE-71AF-438C-9F14-8946D3F78FF7}">
-      <dgm:prSet phldrT="[Text]"/>
-      <dgm:spPr/>
-      <dgm:t>
-        <a:bodyPr/>
-        <a:lstStyle/>
-        <a:p>
-          <a:r>
-            <a:rPr lang="de-DE" dirty="0" err="1"/>
-            <a:t>Conversion</a:t>
-          </a:r>
-          <a:r>
-            <a:rPr lang="de-DE" dirty="0"/>
-            <a:t> </a:t>
-          </a:r>
-          <a:r>
-            <a:rPr lang="de-DE" dirty="0" err="1"/>
-            <a:t>to</a:t>
-          </a:r>
-          <a:r>
-            <a:rPr lang="de-DE" dirty="0"/>
-            <a:t> ARFF </a:t>
-          </a:r>
-          <a:r>
-            <a:rPr lang="de-DE" dirty="0" err="1"/>
-            <a:t>format</a:t>
-          </a:r>
-          <a:endParaRPr lang="de-DE" dirty="0"/>
-        </a:p>
-      </dgm:t>
-    </dgm:pt>
-    <dgm:pt modelId="{4FF7804C-6622-453E-82EB-0570AFC9F90D}" type="parTrans" cxnId="{6D6021D0-0C8C-496E-9714-F82A2CEB5156}">
-      <dgm:prSet/>
-      <dgm:spPr/>
-      <dgm:t>
-        <a:bodyPr/>
-        <a:lstStyle/>
-        <a:p>
-          <a:endParaRPr lang="de-DE"/>
-        </a:p>
-      </dgm:t>
-    </dgm:pt>
-    <dgm:pt modelId="{3FAB23DE-9689-409D-B560-AE6CB93FD385}" type="sibTrans" cxnId="{6D6021D0-0C8C-496E-9714-F82A2CEB5156}">
-      <dgm:prSet/>
-      <dgm:spPr/>
-      <dgm:t>
-        <a:bodyPr/>
-        <a:lstStyle/>
-        <a:p>
-          <a:endParaRPr lang="de-DE"/>
-        </a:p>
-      </dgm:t>
-    </dgm:pt>
     <dgm:pt modelId="{B2303295-97D0-4E97-844C-61AC40E2D499}">
       <dgm:prSet/>
       <dgm:spPr/>
@@ -1440,45 +1385,8 @@
         </a:p>
       </dgm:t>
     </dgm:pt>
-    <dgm:pt modelId="{54A3851F-20AA-497B-AB7B-A5619375A89D}">
+    <dgm:pt modelId="{152A16D9-4261-4DBF-AB4F-61C80B42F2E9}">
       <dgm:prSet phldrT="[Text]"/>
-      <dgm:spPr/>
-      <dgm:t>
-        <a:bodyPr/>
-        <a:lstStyle/>
-        <a:p>
-          <a:r>
-            <a:rPr lang="de-DE" dirty="0" err="1"/>
-            <a:t>Tokenization</a:t>
-          </a:r>
-          <a:endParaRPr lang="de-DE" dirty="0"/>
-        </a:p>
-      </dgm:t>
-    </dgm:pt>
-    <dgm:pt modelId="{E9D7E0E7-8766-455E-AC4A-DDF3408CD5F3}" type="parTrans" cxnId="{8B4654FC-E61F-4AE4-A3C6-8D82BF3A4820}">
-      <dgm:prSet/>
-      <dgm:spPr/>
-      <dgm:t>
-        <a:bodyPr/>
-        <a:lstStyle/>
-        <a:p>
-          <a:endParaRPr lang="de-DE"/>
-        </a:p>
-      </dgm:t>
-    </dgm:pt>
-    <dgm:pt modelId="{B8AC40AA-4B5F-4852-A57A-07DB91FF1DCD}" type="sibTrans" cxnId="{8B4654FC-E61F-4AE4-A3C6-8D82BF3A4820}">
-      <dgm:prSet/>
-      <dgm:spPr/>
-      <dgm:t>
-        <a:bodyPr/>
-        <a:lstStyle/>
-        <a:p>
-          <a:endParaRPr lang="de-DE"/>
-        </a:p>
-      </dgm:t>
-    </dgm:pt>
-    <dgm:pt modelId="{152A16D9-4261-4DBF-AB4F-61C80B42F2E9}">
-      <dgm:prSet phldrT="[Text]" phldr="1"/>
       <dgm:spPr>
         <a:noFill/>
       </dgm:spPr>
@@ -1486,6 +1394,26 @@
         <a:bodyPr/>
         <a:lstStyle/>
         <a:p>
+          <a:r>
+            <a:rPr lang="de-DE" dirty="0" err="1"/>
+            <a:t>ChessBase</a:t>
+          </a:r>
+          <a:r>
+            <a:rPr lang="de-DE" dirty="0"/>
+            <a:t> DB / </a:t>
+          </a:r>
+          <a:r>
+            <a:rPr lang="de-DE" dirty="0" err="1"/>
+            <a:t>other</a:t>
+          </a:r>
+          <a:r>
+            <a:rPr lang="de-DE" dirty="0"/>
+            <a:t> </a:t>
+          </a:r>
+          <a:r>
+            <a:rPr lang="de-DE" dirty="0" err="1"/>
+            <a:t>sources</a:t>
+          </a:r>
           <a:endParaRPr lang="de-DE" dirty="0"/>
         </a:p>
       </dgm:t>
@@ -1555,6 +1483,86 @@
           <a:endParaRPr lang="de-DE"/>
         </a:p>
       </dgm:t>
+    </dgm:pt>
+    <dgm:pt modelId="{21C87E4B-0EDD-477A-884F-9ACFA4049690}">
+      <dgm:prSet/>
+      <dgm:spPr/>
+      <dgm:t>
+        <a:bodyPr/>
+        <a:lstStyle/>
+        <a:p>
+          <a:r>
+            <a:rPr lang="de-DE" dirty="0" err="1"/>
+            <a:t>Conversion</a:t>
+          </a:r>
+          <a:r>
+            <a:rPr lang="de-DE" dirty="0"/>
+            <a:t> </a:t>
+          </a:r>
+          <a:r>
+            <a:rPr lang="de-DE" dirty="0" err="1"/>
+            <a:t>to</a:t>
+          </a:r>
+          <a:r>
+            <a:rPr lang="de-DE" dirty="0"/>
+            <a:t> ARFF </a:t>
+          </a:r>
+          <a:r>
+            <a:rPr lang="de-DE" dirty="0" err="1"/>
+            <a:t>format</a:t>
+          </a:r>
+          <a:endParaRPr lang="de-DE" dirty="0"/>
+        </a:p>
+      </dgm:t>
+    </dgm:pt>
+    <dgm:pt modelId="{7CB13652-5AF8-46FF-BC15-17C9128648CB}" type="parTrans" cxnId="{8E6CF61A-E1DE-4FAF-B4A0-AE278220ABF4}">
+      <dgm:prSet/>
+      <dgm:spPr/>
+      <dgm:t>
+        <a:bodyPr/>
+        <a:lstStyle/>
+        <a:p>
+          <a:endParaRPr lang="de-DE"/>
+        </a:p>
+      </dgm:t>
+    </dgm:pt>
+    <dgm:pt modelId="{E0B61B10-2682-454A-AB4D-319A08A884F3}" type="sibTrans" cxnId="{8E6CF61A-E1DE-4FAF-B4A0-AE278220ABF4}">
+      <dgm:prSet/>
+      <dgm:spPr/>
+      <dgm:t>
+        <a:bodyPr/>
+        <a:lstStyle/>
+        <a:p>
+          <a:endParaRPr lang="de-DE"/>
+        </a:p>
+      </dgm:t>
+    </dgm:pt>
+    <dgm:pt modelId="{325ADAAE-4560-4521-8F14-636575B28191}">
+      <dgm:prSet phldrT="[Text]"/>
+      <dgm:spPr/>
+      <dgm:t>
+        <a:bodyPr/>
+        <a:lstStyle/>
+        <a:p>
+          <a:r>
+            <a:rPr lang="de-DE" dirty="0"/>
+            <a:t>Data </a:t>
+          </a:r>
+          <a:r>
+            <a:rPr lang="de-DE" dirty="0" err="1"/>
+            <a:t>Cleansing</a:t>
+          </a:r>
+          <a:endParaRPr lang="de-DE" dirty="0"/>
+        </a:p>
+      </dgm:t>
+    </dgm:pt>
+    <dgm:pt modelId="{EBFD13DD-31D3-4CFC-A529-5EC4EAF5BCA2}" type="parTrans" cxnId="{AEE44959-90B5-4E7B-8116-304D01F269D6}">
+      <dgm:prSet/>
+      <dgm:spPr/>
+    </dgm:pt>
+    <dgm:pt modelId="{19B7FD00-84F3-4868-8FD6-AFC6FC90C642}" type="sibTrans" cxnId="{AEE44959-90B5-4E7B-8116-304D01F269D6}">
+      <dgm:prSet/>
+      <dgm:spPr/>
     </dgm:pt>
     <dgm:pt modelId="{1C144A15-202F-4329-BE7D-C5A2E91DA053}" type="pres">
       <dgm:prSet presAssocID="{F5FCA2F2-3CCD-42D3-8011-B04DA5FB3367}" presName="Name0" presStyleCnt="0">
@@ -1670,34 +1678,34 @@
     <dgm:cxn modelId="{397E5A03-5DEC-4A7E-9BC7-4934EF8C5291}" srcId="{152A16D9-4261-4DBF-AB4F-61C80B42F2E9}" destId="{5421CFEB-99F9-438D-A817-BF5017C8E20F}" srcOrd="0" destOrd="0" parTransId="{428189D9-CBF7-4809-80AB-2EFA56D643B2}" sibTransId="{0DC608CD-7657-435F-8B63-AE22F949DED2}"/>
     <dgm:cxn modelId="{5561C003-8CDB-4B20-8DE0-62E02CC17F7E}" type="presOf" srcId="{757624C9-6B34-4DDB-BC3F-DB827D932F01}" destId="{EE6A12C8-D3BB-4F37-AA78-6D11CADCD2E9}" srcOrd="0" destOrd="1" presId="urn:microsoft.com/office/officeart/2005/8/layout/hProcess11"/>
     <dgm:cxn modelId="{D020070D-71D6-4754-B327-72EBD13D4148}" srcId="{21879627-554C-498D-BE82-20B2CDE15E1C}" destId="{757624C9-6B34-4DDB-BC3F-DB827D932F01}" srcOrd="0" destOrd="0" parTransId="{DA39077F-9220-45A2-82EF-9AD225D80A03}" sibTransId="{F76C01EF-8F8B-4576-B598-605CC3F0B4E0}"/>
-    <dgm:cxn modelId="{008BE70D-F65D-44D0-A051-0B49CA7ADBE6}" type="presOf" srcId="{63E9E4DE-71AF-438C-9F14-8946D3F78FF7}" destId="{25BF14C3-D0F1-4C12-9E39-717ECA4B2070}" srcOrd="0" destOrd="1" presId="urn:microsoft.com/office/officeart/2005/8/layout/hProcess11"/>
-    <dgm:cxn modelId="{9336C50E-622B-4CF4-A0CD-4BFE78E6823A}" srcId="{7DCB3EF5-8F50-446E-941E-63FE4B99B4C1}" destId="{755BB109-7858-4A59-8F60-091F780BC1C4}" srcOrd="3" destOrd="0" parTransId="{249483C0-D195-4A3D-B386-41285129224F}" sibTransId="{85702B04-C202-4A4A-AC94-F303F0E81403}"/>
+    <dgm:cxn modelId="{9336C50E-622B-4CF4-A0CD-4BFE78E6823A}" srcId="{7DCB3EF5-8F50-446E-941E-63FE4B99B4C1}" destId="{755BB109-7858-4A59-8F60-091F780BC1C4}" srcOrd="2" destOrd="0" parTransId="{249483C0-D195-4A3D-B386-41285129224F}" sibTransId="{85702B04-C202-4A4A-AC94-F303F0E81403}"/>
     <dgm:cxn modelId="{19F7F618-9C70-4901-95C0-CD08FD8F095B}" srcId="{F5FCA2F2-3CCD-42D3-8011-B04DA5FB3367}" destId="{7DCB3EF5-8F50-446E-941E-63FE4B99B4C1}" srcOrd="3" destOrd="0" parTransId="{805E528F-AC36-4DD0-8E98-3A4AC46FBD83}" sibTransId="{79709299-0D51-42A5-94DD-CBD48F7AAA35}"/>
     <dgm:cxn modelId="{E15FC11A-1D77-4022-8139-CAB12BEDC1F4}" type="presOf" srcId="{5EE66ACF-47CE-4AFE-8BC1-C51F050BBC5D}" destId="{88CDDC8B-7562-4A78-A56B-E336A230BD7A}" srcOrd="0" destOrd="1" presId="urn:microsoft.com/office/officeart/2005/8/layout/hProcess11"/>
-    <dgm:cxn modelId="{B677E91A-665E-4BD1-9FB1-A2BEF0775B61}" srcId="{21879627-554C-498D-BE82-20B2CDE15E1C}" destId="{2695A4B5-2477-4AE8-974B-DC637D342CE8}" srcOrd="3" destOrd="0" parTransId="{AD07A9E6-1195-4A28-9F62-41905A7D2C4E}" sibTransId="{68A90FEA-4525-435D-923B-FE4F9798B9D1}"/>
+    <dgm:cxn modelId="{B677E91A-665E-4BD1-9FB1-A2BEF0775B61}" srcId="{21879627-554C-498D-BE82-20B2CDE15E1C}" destId="{2695A4B5-2477-4AE8-974B-DC637D342CE8}" srcOrd="2" destOrd="0" parTransId="{AD07A9E6-1195-4A28-9F62-41905A7D2C4E}" sibTransId="{68A90FEA-4525-435D-923B-FE4F9798B9D1}"/>
+    <dgm:cxn modelId="{8E6CF61A-E1DE-4FAF-B4A0-AE278220ABF4}" srcId="{51EA4F1F-A69F-4E3D-AA72-DDEF22DDF669}" destId="{21C87E4B-0EDD-477A-884F-9ACFA4049690}" srcOrd="2" destOrd="0" parTransId="{7CB13652-5AF8-46FF-BC15-17C9128648CB}" sibTransId="{E0B61B10-2682-454A-AB4D-319A08A884F3}"/>
     <dgm:cxn modelId="{6BCD4125-BBDE-45A2-8102-4C1C4DB23AE3}" type="presOf" srcId="{11976F5B-1164-43B0-A216-065C5C0750B2}" destId="{EE6A12C8-D3BB-4F37-AA78-6D11CADCD2E9}" srcOrd="0" destOrd="2" presId="urn:microsoft.com/office/officeart/2005/8/layout/hProcess11"/>
-    <dgm:cxn modelId="{94ABF935-BEEA-4863-ACC5-94D522A28790}" type="presOf" srcId="{2695A4B5-2477-4AE8-974B-DC637D342CE8}" destId="{EE6A12C8-D3BB-4F37-AA78-6D11CADCD2E9}" srcOrd="0" destOrd="4" presId="urn:microsoft.com/office/officeart/2005/8/layout/hProcess11"/>
+    <dgm:cxn modelId="{94ABF935-BEEA-4863-ACC5-94D522A28790}" type="presOf" srcId="{2695A4B5-2477-4AE8-974B-DC637D342CE8}" destId="{EE6A12C8-D3BB-4F37-AA78-6D11CADCD2E9}" srcOrd="0" destOrd="3" presId="urn:microsoft.com/office/officeart/2005/8/layout/hProcess11"/>
     <dgm:cxn modelId="{3AEF5866-C845-40A2-B97B-529A28A6E297}" srcId="{F5FCA2F2-3CCD-42D3-8011-B04DA5FB3367}" destId="{152A16D9-4261-4DBF-AB4F-61C80B42F2E9}" srcOrd="0" destOrd="0" parTransId="{C83416D5-FFE8-4DBD-AB04-B091C0505BB3}" sibTransId="{6A62026D-BE49-4E25-B082-F6F55450BC70}"/>
-    <dgm:cxn modelId="{231CEF66-D35E-4C85-9998-2FBB8FB1F669}" type="presOf" srcId="{755BB109-7858-4A59-8F60-091F780BC1C4}" destId="{25BF14C3-D0F1-4C12-9E39-717ECA4B2070}" srcOrd="0" destOrd="4" presId="urn:microsoft.com/office/officeart/2005/8/layout/hProcess11"/>
+    <dgm:cxn modelId="{231CEF66-D35E-4C85-9998-2FBB8FB1F669}" type="presOf" srcId="{755BB109-7858-4A59-8F60-091F780BC1C4}" destId="{25BF14C3-D0F1-4C12-9E39-717ECA4B2070}" srcOrd="0" destOrd="3" presId="urn:microsoft.com/office/officeart/2005/8/layout/hProcess11"/>
     <dgm:cxn modelId="{0E6A5367-23B2-431F-8022-703DCAF275E1}" type="presOf" srcId="{21879627-554C-498D-BE82-20B2CDE15E1C}" destId="{EE6A12C8-D3BB-4F37-AA78-6D11CADCD2E9}" srcOrd="0" destOrd="0" presId="urn:microsoft.com/office/officeart/2005/8/layout/hProcess11"/>
-    <dgm:cxn modelId="{0DC8AB48-ADA2-4670-91D5-F99A845BD272}" type="presOf" srcId="{EA361B73-2C2A-459F-AA93-672FE5871538}" destId="{25BF14C3-D0F1-4C12-9E39-717ECA4B2070}" srcOrd="0" destOrd="2" presId="urn:microsoft.com/office/officeart/2005/8/layout/hProcess11"/>
+    <dgm:cxn modelId="{0DC8AB48-ADA2-4670-91D5-F99A845BD272}" type="presOf" srcId="{EA361B73-2C2A-459F-AA93-672FE5871538}" destId="{25BF14C3-D0F1-4C12-9E39-717ECA4B2070}" srcOrd="0" destOrd="1" presId="urn:microsoft.com/office/officeart/2005/8/layout/hProcess11"/>
     <dgm:cxn modelId="{509A284F-E0E5-4092-BCAF-899122E928C8}" type="presOf" srcId="{7DCB3EF5-8F50-446E-941E-63FE4B99B4C1}" destId="{25BF14C3-D0F1-4C12-9E39-717ECA4B2070}" srcOrd="0" destOrd="0" presId="urn:microsoft.com/office/officeart/2005/8/layout/hProcess11"/>
     <dgm:cxn modelId="{BB335D56-50C1-4F71-8934-DF2C79D169A5}" type="presOf" srcId="{51EA4F1F-A69F-4E3D-AA72-DDEF22DDF669}" destId="{88CDDC8B-7562-4A78-A56B-E336A230BD7A}" srcOrd="0" destOrd="0" presId="urn:microsoft.com/office/officeart/2005/8/layout/hProcess11"/>
+    <dgm:cxn modelId="{AEE44959-90B5-4E7B-8116-304D01F269D6}" srcId="{21879627-554C-498D-BE82-20B2CDE15E1C}" destId="{325ADAAE-4560-4521-8F14-636575B28191}" srcOrd="3" destOrd="0" parTransId="{EBFD13DD-31D3-4CFC-A529-5EC4EAF5BCA2}" sibTransId="{19B7FD00-84F3-4868-8FD6-AFC6FC90C642}"/>
+    <dgm:cxn modelId="{8BF13180-953C-4B8C-AABD-4B457BF7E1DC}" type="presOf" srcId="{21C87E4B-0EDD-477A-884F-9ACFA4049690}" destId="{88CDDC8B-7562-4A78-A56B-E336A230BD7A}" srcOrd="0" destOrd="3" presId="urn:microsoft.com/office/officeart/2005/8/layout/hProcess11"/>
     <dgm:cxn modelId="{903C3795-9993-4230-8775-74A016115B34}" type="presOf" srcId="{F5FCA2F2-3CCD-42D3-8011-B04DA5FB3367}" destId="{1C144A15-202F-4329-BE7D-C5A2E91DA053}" srcOrd="0" destOrd="0" presId="urn:microsoft.com/office/officeart/2005/8/layout/hProcess11"/>
     <dgm:cxn modelId="{45D4329F-22D7-41EC-927E-4878671C4AE3}" srcId="{F5FCA2F2-3CCD-42D3-8011-B04DA5FB3367}" destId="{51EA4F1F-A69F-4E3D-AA72-DDEF22DDF669}" srcOrd="2" destOrd="0" parTransId="{AFCEF9EC-AF8D-489B-B447-BA81B5281DF9}" sibTransId="{FE6DCD74-D8B8-4060-B04F-E72B5AD12034}"/>
-    <dgm:cxn modelId="{362439A6-EA1F-4B9B-875E-B0AAE34B9FB7}" srcId="{7DCB3EF5-8F50-446E-941E-63FE4B99B4C1}" destId="{EA361B73-2C2A-459F-AA93-672FE5871538}" srcOrd="1" destOrd="0" parTransId="{DF487658-F58A-4C1D-8C86-FFA47A30FC8B}" sibTransId="{34CA1C8D-7E6A-422B-958C-5C0BB6392942}"/>
+    <dgm:cxn modelId="{362439A6-EA1F-4B9B-875E-B0AAE34B9FB7}" srcId="{7DCB3EF5-8F50-446E-941E-63FE4B99B4C1}" destId="{EA361B73-2C2A-459F-AA93-672FE5871538}" srcOrd="0" destOrd="0" parTransId="{DF487658-F58A-4C1D-8C86-FFA47A30FC8B}" sibTransId="{34CA1C8D-7E6A-422B-958C-5C0BB6392942}"/>
     <dgm:cxn modelId="{B76557A6-EF31-4F9B-AF0B-831FC6FD9787}" srcId="{F5FCA2F2-3CCD-42D3-8011-B04DA5FB3367}" destId="{21879627-554C-498D-BE82-20B2CDE15E1C}" srcOrd="1" destOrd="0" parTransId="{FFBC3EBB-A29D-4E8F-BCFB-E8F51271CDD0}" sibTransId="{CBA9F00C-E5EE-42FB-AAE9-3763D22CD72D}"/>
     <dgm:cxn modelId="{A3F3D3B3-DC86-46A8-BB9F-E612F5DCCDC5}" srcId="{51EA4F1F-A69F-4E3D-AA72-DDEF22DDF669}" destId="{5EE66ACF-47CE-4AFE-8BC1-C51F050BBC5D}" srcOrd="0" destOrd="0" parTransId="{1D7EFABA-DBBE-46FA-8273-956ED6302C0B}" sibTransId="{B1DA1725-327E-4AD2-812E-3B6283280C16}"/>
     <dgm:cxn modelId="{A28DE3CE-EF67-4D88-9969-769BCD941A3F}" srcId="{21879627-554C-498D-BE82-20B2CDE15E1C}" destId="{11976F5B-1164-43B0-A216-065C5C0750B2}" srcOrd="1" destOrd="0" parTransId="{FF35DE15-041E-4B9B-86BA-11F92A0BC87E}" sibTransId="{9917272D-2630-461F-9E2A-90244B35C5B2}"/>
-    <dgm:cxn modelId="{6D6021D0-0C8C-496E-9714-F82A2CEB5156}" srcId="{7DCB3EF5-8F50-446E-941E-63FE4B99B4C1}" destId="{63E9E4DE-71AF-438C-9F14-8946D3F78FF7}" srcOrd="0" destOrd="0" parTransId="{4FF7804C-6622-453E-82EB-0570AFC9F90D}" sibTransId="{3FAB23DE-9689-409D-B560-AE6CB93FD385}"/>
-    <dgm:cxn modelId="{32DA8CD8-2389-4E46-987C-26347D079800}" type="presOf" srcId="{54A3851F-20AA-497B-AB7B-A5619375A89D}" destId="{EE6A12C8-D3BB-4F37-AA78-6D11CADCD2E9}" srcOrd="0" destOrd="3" presId="urn:microsoft.com/office/officeart/2005/8/layout/hProcess11"/>
     <dgm:cxn modelId="{91740CDC-D429-4329-AE77-2879A84DD2F4}" type="presOf" srcId="{152A16D9-4261-4DBF-AB4F-61C80B42F2E9}" destId="{34A94DA6-2206-416D-9D72-CE05EF5BD2ED}" srcOrd="0" destOrd="0" presId="urn:microsoft.com/office/officeart/2005/8/layout/hProcess11"/>
     <dgm:cxn modelId="{5AE87BE4-3E15-4265-BE6A-067FFB072F70}" srcId="{51EA4F1F-A69F-4E3D-AA72-DDEF22DDF669}" destId="{B2303295-97D0-4E97-844C-61AC40E2D499}" srcOrd="1" destOrd="0" parTransId="{CEB3222B-7168-4808-9060-1BE78063E88B}" sibTransId="{DEC7A240-4D53-44B1-A5A7-5080E0109EB6}"/>
-    <dgm:cxn modelId="{9FB509E5-BBC0-4ADE-AF32-CEC9403B5884}" srcId="{7DCB3EF5-8F50-446E-941E-63FE4B99B4C1}" destId="{357B7C7D-CBDD-43EF-A062-09DBACDA7130}" srcOrd="2" destOrd="0" parTransId="{E2078628-BE98-4C1D-AE05-65CC71BE9862}" sibTransId="{D0255988-38DB-4082-9CAB-128CA27D2F1B}"/>
-    <dgm:cxn modelId="{78A53CF2-9951-4C5C-A894-116239BC25F7}" type="presOf" srcId="{357B7C7D-CBDD-43EF-A062-09DBACDA7130}" destId="{25BF14C3-D0F1-4C12-9E39-717ECA4B2070}" srcOrd="0" destOrd="3" presId="urn:microsoft.com/office/officeart/2005/8/layout/hProcess11"/>
+    <dgm:cxn modelId="{9FB509E5-BBC0-4ADE-AF32-CEC9403B5884}" srcId="{7DCB3EF5-8F50-446E-941E-63FE4B99B4C1}" destId="{357B7C7D-CBDD-43EF-A062-09DBACDA7130}" srcOrd="1" destOrd="0" parTransId="{E2078628-BE98-4C1D-AE05-65CC71BE9862}" sibTransId="{D0255988-38DB-4082-9CAB-128CA27D2F1B}"/>
+    <dgm:cxn modelId="{30D32BE9-1B3D-452C-A5C9-7120D88B8A88}" type="presOf" srcId="{325ADAAE-4560-4521-8F14-636575B28191}" destId="{EE6A12C8-D3BB-4F37-AA78-6D11CADCD2E9}" srcOrd="0" destOrd="4" presId="urn:microsoft.com/office/officeart/2005/8/layout/hProcess11"/>
+    <dgm:cxn modelId="{78A53CF2-9951-4C5C-A894-116239BC25F7}" type="presOf" srcId="{357B7C7D-CBDD-43EF-A062-09DBACDA7130}" destId="{25BF14C3-D0F1-4C12-9E39-717ECA4B2070}" srcOrd="0" destOrd="2" presId="urn:microsoft.com/office/officeart/2005/8/layout/hProcess11"/>
     <dgm:cxn modelId="{4E49CFF7-22FF-45BB-8047-9A9CA1716DF2}" type="presOf" srcId="{B2303295-97D0-4E97-844C-61AC40E2D499}" destId="{88CDDC8B-7562-4A78-A56B-E336A230BD7A}" srcOrd="0" destOrd="2" presId="urn:microsoft.com/office/officeart/2005/8/layout/hProcess11"/>
     <dgm:cxn modelId="{6DDD61FA-D799-4619-BB02-851AA8F7E66A}" type="presOf" srcId="{5421CFEB-99F9-438D-A817-BF5017C8E20F}" destId="{34A94DA6-2206-416D-9D72-CE05EF5BD2ED}" srcOrd="0" destOrd="1" presId="urn:microsoft.com/office/officeart/2005/8/layout/hProcess11"/>
-    <dgm:cxn modelId="{8B4654FC-E61F-4AE4-A3C6-8D82BF3A4820}" srcId="{21879627-554C-498D-BE82-20B2CDE15E1C}" destId="{54A3851F-20AA-497B-AB7B-A5619375A89D}" srcOrd="2" destOrd="0" parTransId="{E9D7E0E7-8766-455E-AC4A-DDF3408CD5F3}" sibTransId="{B8AC40AA-4B5F-4852-A57A-07DB91FF1DCD}"/>
     <dgm:cxn modelId="{C6A0DEEF-8B03-4B91-A3C8-B6D072F887D7}" type="presParOf" srcId="{1C144A15-202F-4329-BE7D-C5A2E91DA053}" destId="{333A73F6-75F4-4B5B-ACF1-61B7125B5317}" srcOrd="0" destOrd="0" presId="urn:microsoft.com/office/officeart/2005/8/layout/hProcess11"/>
     <dgm:cxn modelId="{32137D08-C5B7-49C3-B48E-97B99562DD7C}" type="presParOf" srcId="{1C144A15-202F-4329-BE7D-C5A2E91DA053}" destId="{E5F3E07B-D4B2-4DE9-9F4D-18BBF3449460}" srcOrd="1" destOrd="0" presId="urn:microsoft.com/office/officeart/2005/8/layout/hProcess11"/>
     <dgm:cxn modelId="{E72A1B8C-4F69-4503-873E-A8E5D5AC1376}" type="presParOf" srcId="{E5F3E07B-D4B2-4DE9-9F4D-18BBF3449460}" destId="{329C041F-B2FF-4917-9616-613CE7AE1587}" srcOrd="0" destOrd="0" presId="urn:microsoft.com/office/officeart/2005/8/layout/hProcess11"/>
@@ -1827,6 +1835,26 @@
             </a:spcAft>
             <a:buNone/>
           </a:pPr>
+          <a:r>
+            <a:rPr lang="de-DE" sz="1800" kern="1200" dirty="0" err="1"/>
+            <a:t>ChessBase</a:t>
+          </a:r>
+          <a:r>
+            <a:rPr lang="de-DE" sz="1800" kern="1200" dirty="0"/>
+            <a:t> DB / </a:t>
+          </a:r>
+          <a:r>
+            <a:rPr lang="de-DE" sz="1800" kern="1200" dirty="0" err="1"/>
+            <a:t>other</a:t>
+          </a:r>
+          <a:r>
+            <a:rPr lang="de-DE" sz="1800" kern="1200" dirty="0"/>
+            <a:t> </a:t>
+          </a:r>
+          <a:r>
+            <a:rPr lang="de-DE" sz="1800" kern="1200" dirty="0" err="1"/>
+            <a:t>sources</a:t>
+          </a:r>
           <a:endParaRPr lang="de-DE" sz="1800" kern="1200" dirty="0"/>
         </a:p>
         <a:p>
@@ -2001,29 +2029,6 @@
             <a:buChar char="•"/>
           </a:pPr>
           <a:r>
-            <a:rPr lang="de-DE" sz="1400" kern="1200" dirty="0"/>
-            <a:t>Data </a:t>
-          </a:r>
-          <a:r>
-            <a:rPr lang="de-DE" sz="1400" kern="1200" dirty="0" err="1"/>
-            <a:t>Cleansing</a:t>
-          </a:r>
-          <a:endParaRPr lang="de-DE" sz="1400" kern="1200" dirty="0"/>
-        </a:p>
-        <a:p>
-          <a:pPr marL="114300" lvl="1" indent="-114300" algn="l" defTabSz="622300">
-            <a:lnSpc>
-              <a:spcPct val="90000"/>
-            </a:lnSpc>
-            <a:spcBef>
-              <a:spcPct val="0"/>
-            </a:spcBef>
-            <a:spcAft>
-              <a:spcPct val="15000"/>
-            </a:spcAft>
-            <a:buChar char="•"/>
-          </a:pPr>
-          <a:r>
             <a:rPr lang="de-DE" sz="1400" kern="1200" dirty="0" err="1"/>
             <a:t>Tokenization</a:t>
           </a:r>
@@ -2043,12 +2048,31 @@
             <a:buChar char="•"/>
           </a:pPr>
           <a:r>
+            <a:rPr lang="de-DE" sz="1400" kern="1200" dirty="0" err="1"/>
+            <a:t>Normalization</a:t>
+          </a:r>
+          <a:endParaRPr lang="de-DE" sz="1400" kern="1200" dirty="0"/>
+        </a:p>
+        <a:p>
+          <a:pPr marL="114300" lvl="1" indent="-114300" algn="l" defTabSz="622300">
+            <a:lnSpc>
+              <a:spcPct val="90000"/>
+            </a:lnSpc>
+            <a:spcBef>
+              <a:spcPct val="0"/>
+            </a:spcBef>
+            <a:spcAft>
+              <a:spcPct val="15000"/>
+            </a:spcAft>
+            <a:buChar char="•"/>
+          </a:pPr>
+          <a:r>
             <a:rPr lang="de-DE" sz="1400" kern="1200" dirty="0"/>
-            <a:t>Text </a:t>
+            <a:t>Data </a:t>
           </a:r>
           <a:r>
             <a:rPr lang="de-DE" sz="1400" kern="1200" dirty="0" err="1"/>
-            <a:t>Normalization</a:t>
+            <a:t>Cleansing</a:t>
           </a:r>
           <a:endParaRPr lang="de-DE" sz="1400" kern="1200" dirty="0"/>
         </a:p>
@@ -2216,6 +2240,41 @@
           </a:r>
           <a:endParaRPr lang="de-DE" sz="1400" kern="1200" dirty="0"/>
         </a:p>
+        <a:p>
+          <a:pPr marL="114300" lvl="1" indent="-114300" algn="l" defTabSz="622300">
+            <a:lnSpc>
+              <a:spcPct val="90000"/>
+            </a:lnSpc>
+            <a:spcBef>
+              <a:spcPct val="0"/>
+            </a:spcBef>
+            <a:spcAft>
+              <a:spcPct val="15000"/>
+            </a:spcAft>
+            <a:buChar char="•"/>
+          </a:pPr>
+          <a:r>
+            <a:rPr lang="de-DE" sz="1400" kern="1200" dirty="0" err="1"/>
+            <a:t>Conversion</a:t>
+          </a:r>
+          <a:r>
+            <a:rPr lang="de-DE" sz="1400" kern="1200" dirty="0"/>
+            <a:t> </a:t>
+          </a:r>
+          <a:r>
+            <a:rPr lang="de-DE" sz="1400" kern="1200" dirty="0" err="1"/>
+            <a:t>to</a:t>
+          </a:r>
+          <a:r>
+            <a:rPr lang="de-DE" sz="1400" kern="1200" dirty="0"/>
+            <a:t> ARFF </a:t>
+          </a:r>
+          <a:r>
+            <a:rPr lang="de-DE" sz="1400" kern="1200" dirty="0" err="1"/>
+            <a:t>format</a:t>
+          </a:r>
+          <a:endParaRPr lang="de-DE" sz="1400" kern="1200" dirty="0"/>
+        </a:p>
       </dsp:txBody>
       <dsp:txXfrm>
         <a:off x="3885981" y="0"/>
@@ -2325,41 +2384,6 @@
             <a:t>Weka</a:t>
           </a:r>
           <a:endParaRPr lang="de-DE" sz="1800" kern="1200" dirty="0"/>
-        </a:p>
-        <a:p>
-          <a:pPr marL="114300" lvl="1" indent="-114300" algn="l" defTabSz="622300">
-            <a:lnSpc>
-              <a:spcPct val="90000"/>
-            </a:lnSpc>
-            <a:spcBef>
-              <a:spcPct val="0"/>
-            </a:spcBef>
-            <a:spcAft>
-              <a:spcPct val="15000"/>
-            </a:spcAft>
-            <a:buChar char="•"/>
-          </a:pPr>
-          <a:r>
-            <a:rPr lang="de-DE" sz="1400" kern="1200" dirty="0" err="1"/>
-            <a:t>Conversion</a:t>
-          </a:r>
-          <a:r>
-            <a:rPr lang="de-DE" sz="1400" kern="1200" dirty="0"/>
-            <a:t> </a:t>
-          </a:r>
-          <a:r>
-            <a:rPr lang="de-DE" sz="1400" kern="1200" dirty="0" err="1"/>
-            <a:t>to</a:t>
-          </a:r>
-          <a:r>
-            <a:rPr lang="de-DE" sz="1400" kern="1200" dirty="0"/>
-            <a:t> ARFF </a:t>
-          </a:r>
-          <a:r>
-            <a:rPr lang="de-DE" sz="1400" kern="1200" dirty="0" err="1"/>
-            <a:t>format</a:t>
-          </a:r>
-          <a:endParaRPr lang="de-DE" sz="1400" kern="1200" dirty="0"/>
         </a:p>
         <a:p>
           <a:pPr marL="114300" lvl="1" indent="-114300" algn="l" defTabSz="622300">
@@ -3911,7 +3935,7 @@
             <a:fld id="{A32DC80D-291A-4ABB-A78B-0417274A267C}" type="datetime4">
               <a:rPr lang="de-DE"/>
               <a:pPr/>
-              <a:t>30. April 2019</a:t>
+              <a:t>2. Mai 2019</a:t>
             </a:fld>
             <a:endParaRPr lang="de-DE"/>
           </a:p>
@@ -4294,7 +4318,7 @@
             <a:fld id="{065B079B-E513-489A-8A1B-D7C78493EA86}" type="datetime4">
               <a:rPr lang="de-DE"/>
               <a:pPr/>
-              <a:t>30. April 2019</a:t>
+              <a:t>2. Mai 2019</a:t>
             </a:fld>
             <a:endParaRPr lang="de-DE"/>
           </a:p>
@@ -5225,7 +5249,7 @@
                 <a:tabLst/>
                 <a:defRPr/>
               </a:pPr>
-              <a:t>30.04.2019</a:t>
+              <a:t>02.05.2019</a:t>
             </a:fld>
             <a:r>
               <a:rPr kumimoji="0" lang="de-DE" sz="1000" b="0" i="0" u="none" strike="noStrike" kern="1200" cap="none" spc="0" normalizeH="0" baseline="0" noProof="0" dirty="0">
@@ -6663,7 +6687,7 @@
                 <a:tabLst/>
                 <a:defRPr/>
               </a:pPr>
-              <a:t>30.04.2019</a:t>
+              <a:t>02.05.2019</a:t>
             </a:fld>
             <a:r>
               <a:rPr kumimoji="0" lang="de-DE" sz="1000" b="0" i="0" u="none" strike="noStrike" kern="1200" cap="none" spc="0" normalizeH="0" baseline="0" noProof="0" dirty="0">
@@ -7299,51 +7323,310 @@
           <a:p>
             <a:r>
               <a:rPr lang="de-DE" dirty="0"/>
-              <a:t>Text Mining </a:t>
-            </a:r>
-            <a:r>
-              <a:rPr lang="de-DE" dirty="0" err="1"/>
-              <a:t>Process</a:t>
+              <a:t>Word </a:t>
+            </a:r>
+            <a:r>
+              <a:rPr lang="de-DE" dirty="0" err="1"/>
+              <a:t>Embeddings</a:t>
             </a:r>
             <a:endParaRPr lang="de-DE" dirty="0"/>
           </a:p>
         </p:txBody>
       </p:sp>
-      <p:graphicFrame>
-        <p:nvGraphicFramePr>
-          <p:cNvPr id="4" name="Inhaltsplatzhalter 3">
+      <p:pic>
+        <p:nvPicPr>
+          <p:cNvPr id="5" name="Inhaltsplatzhalter 4">
             <a:extLst>
               <a:ext uri="{FF2B5EF4-FFF2-40B4-BE49-F238E27FC236}">
-                <a16:creationId xmlns:a16="http://schemas.microsoft.com/office/drawing/2014/main" id="{728DD733-B42D-41D5-8288-8F147A3990D7}"/>
+                <a16:creationId xmlns:a16="http://schemas.microsoft.com/office/drawing/2014/main" id="{734B5D30-6293-43B4-AF83-8AD05C0261FF}"/>
               </a:ext>
             </a:extLst>
           </p:cNvPr>
-          <p:cNvGraphicFramePr>
-            <a:graphicFrameLocks noGrp="1"/>
-          </p:cNvGraphicFramePr>
+          <p:cNvPicPr>
+            <a:picLocks noGrp="1" noChangeAspect="1"/>
+          </p:cNvPicPr>
           <p:nvPr>
-            <p:ph idx="1"/>
-            <p:extLst>
-              <p:ext uri="{D42A27DB-BD31-4B8C-83A1-F6EECF244321}">
-                <p14:modId xmlns:p14="http://schemas.microsoft.com/office/powerpoint/2010/main" val="1913939485"/>
-              </p:ext>
-            </p:extLst>
+            <p:ph sz="half" idx="2"/>
           </p:nvPr>
-        </p:nvGraphicFramePr>
-        <p:xfrm>
-          <a:off x="360363" y="1619250"/>
-          <a:ext cx="8532812" cy="4479925"/>
-        </p:xfrm>
-        <a:graphic>
-          <a:graphicData uri="http://schemas.openxmlformats.org/drawingml/2006/diagram">
-            <dgm:relIds xmlns:dgm="http://schemas.openxmlformats.org/drawingml/2006/diagram" xmlns:r="http://schemas.openxmlformats.org/officeDocument/2006/relationships" r:dm="rId2" r:lo="rId3" r:qs="rId4" r:cs="rId5"/>
-          </a:graphicData>
-        </a:graphic>
-      </p:graphicFrame>
+        </p:nvPicPr>
+        <p:blipFill>
+          <a:blip r:embed="rId2"/>
+          <a:stretch>
+            <a:fillRect/>
+          </a:stretch>
+        </p:blipFill>
+        <p:spPr>
+          <a:xfrm>
+            <a:off x="5292080" y="1592263"/>
+            <a:ext cx="3151613" cy="4068985"/>
+          </a:xfrm>
+          <a:prstGeom prst="rect">
+            <a:avLst/>
+          </a:prstGeom>
+        </p:spPr>
+      </p:pic>
+      <p:pic>
+        <p:nvPicPr>
+          <p:cNvPr id="3" name="Grafik 2">
+            <a:extLst>
+              <a:ext uri="{FF2B5EF4-FFF2-40B4-BE49-F238E27FC236}">
+                <a16:creationId xmlns:a16="http://schemas.microsoft.com/office/drawing/2014/main" id="{B25BF9C2-B165-4EC3-90F0-BBB9B6088BFE}"/>
+              </a:ext>
+            </a:extLst>
+          </p:cNvPr>
+          <p:cNvPicPr>
+            <a:picLocks noChangeAspect="1"/>
+          </p:cNvPicPr>
+          <p:nvPr/>
+        </p:nvPicPr>
+        <p:blipFill>
+          <a:blip r:embed="rId3"/>
+          <a:stretch>
+            <a:fillRect/>
+          </a:stretch>
+        </p:blipFill>
+        <p:spPr>
+          <a:xfrm>
+            <a:off x="4783404" y="5917453"/>
+            <a:ext cx="4135437" cy="247851"/>
+          </a:xfrm>
+          <a:prstGeom prst="rect">
+            <a:avLst/>
+          </a:prstGeom>
+        </p:spPr>
+      </p:pic>
+      <p:sp>
+        <p:nvSpPr>
+          <p:cNvPr id="6" name="Inhaltsplatzhalter 2">
+            <a:extLst>
+              <a:ext uri="{FF2B5EF4-FFF2-40B4-BE49-F238E27FC236}">
+                <a16:creationId xmlns:a16="http://schemas.microsoft.com/office/drawing/2014/main" id="{DDFB16B9-4EDF-4DBA-A062-D7F340E7298E}"/>
+              </a:ext>
+            </a:extLst>
+          </p:cNvPr>
+          <p:cNvSpPr>
+            <a:spLocks noGrp="1"/>
+          </p:cNvSpPr>
+          <p:nvPr>
+            <p:ph sz="half" idx="1"/>
+          </p:nvPr>
+        </p:nvSpPr>
+        <p:spPr>
+          <a:xfrm>
+            <a:off x="358775" y="1592263"/>
+            <a:ext cx="4135438" cy="4551362"/>
+          </a:xfrm>
+        </p:spPr>
+        <p:txBody>
+          <a:bodyPr>
+            <a:normAutofit/>
+          </a:bodyPr>
+          <a:lstStyle/>
+          <a:p>
+            <a:r>
+              <a:rPr lang="de-DE" dirty="0" err="1"/>
+              <a:t>Idea</a:t>
+            </a:r>
+            <a:r>
+              <a:rPr lang="de-DE" dirty="0"/>
+              <a:t>:</a:t>
+            </a:r>
+          </a:p>
+          <a:p>
+            <a:r>
+              <a:rPr lang="de-DE" dirty="0" err="1"/>
+              <a:t>Map</a:t>
+            </a:r>
+            <a:r>
+              <a:rPr lang="de-DE" dirty="0"/>
+              <a:t> </a:t>
+            </a:r>
+            <a:r>
+              <a:rPr lang="de-DE" dirty="0" err="1"/>
+              <a:t>words</a:t>
+            </a:r>
+            <a:r>
+              <a:rPr lang="de-DE" dirty="0"/>
+              <a:t> </a:t>
+            </a:r>
+            <a:r>
+              <a:rPr lang="de-DE" dirty="0" err="1"/>
+              <a:t>to</a:t>
+            </a:r>
+            <a:r>
+              <a:rPr lang="de-DE" dirty="0"/>
+              <a:t> a </a:t>
+            </a:r>
+            <a:r>
+              <a:rPr lang="de-DE" dirty="0" err="1"/>
+              <a:t>vector</a:t>
+            </a:r>
+            <a:r>
+              <a:rPr lang="de-DE" dirty="0"/>
+              <a:t> </a:t>
+            </a:r>
+            <a:r>
+              <a:rPr lang="de-DE" dirty="0" err="1"/>
+              <a:t>space</a:t>
+            </a:r>
+            <a:r>
+              <a:rPr lang="de-DE" dirty="0"/>
+              <a:t> </a:t>
+            </a:r>
+            <a:r>
+              <a:rPr lang="de-DE" dirty="0" err="1"/>
+              <a:t>of</a:t>
+            </a:r>
+            <a:r>
+              <a:rPr lang="de-DE" dirty="0"/>
+              <a:t> a </a:t>
+            </a:r>
+            <a:r>
+              <a:rPr lang="de-DE" dirty="0" err="1"/>
+              <a:t>fixed</a:t>
+            </a:r>
+            <a:r>
+              <a:rPr lang="de-DE" dirty="0"/>
+              <a:t> </a:t>
+            </a:r>
+            <a:r>
+              <a:rPr lang="de-DE" dirty="0" err="1"/>
+              <a:t>size</a:t>
+            </a:r>
+            <a:r>
+              <a:rPr lang="de-DE" dirty="0"/>
+              <a:t> </a:t>
+            </a:r>
+            <a:r>
+              <a:rPr lang="de-DE" dirty="0" err="1"/>
+              <a:t>by</a:t>
+            </a:r>
+            <a:r>
+              <a:rPr lang="de-DE" dirty="0"/>
+              <a:t> </a:t>
+            </a:r>
+            <a:r>
+              <a:rPr lang="de-DE" dirty="0" err="1"/>
+              <a:t>learning</a:t>
+            </a:r>
+            <a:r>
+              <a:rPr lang="de-DE" dirty="0"/>
+              <a:t> </a:t>
+            </a:r>
+            <a:r>
+              <a:rPr lang="de-DE" dirty="0" err="1"/>
+              <a:t>the</a:t>
+            </a:r>
+            <a:r>
+              <a:rPr lang="de-DE" dirty="0"/>
+              <a:t> </a:t>
+            </a:r>
+            <a:r>
+              <a:rPr lang="de-DE" dirty="0" err="1"/>
+              <a:t>context</a:t>
+            </a:r>
+            <a:r>
+              <a:rPr lang="de-DE" dirty="0"/>
+              <a:t> in a </a:t>
+            </a:r>
+            <a:r>
+              <a:rPr lang="de-DE" dirty="0" err="1"/>
+              <a:t>two-layer</a:t>
+            </a:r>
+            <a:r>
+              <a:rPr lang="de-DE" dirty="0"/>
+              <a:t> </a:t>
+            </a:r>
+            <a:r>
+              <a:rPr lang="de-DE" dirty="0" err="1"/>
+              <a:t>neural</a:t>
+            </a:r>
+            <a:r>
+              <a:rPr lang="de-DE" dirty="0"/>
+              <a:t> network</a:t>
+            </a:r>
+          </a:p>
+          <a:p>
+            <a:endParaRPr lang="de-DE" dirty="0"/>
+          </a:p>
+          <a:p>
+            <a:r>
+              <a:rPr lang="de-DE" dirty="0"/>
+              <a:t>Output:</a:t>
+            </a:r>
+          </a:p>
+          <a:p>
+            <a:pPr marL="1588" lvl="1" indent="0">
+              <a:buNone/>
+            </a:pPr>
+            <a:r>
+              <a:rPr lang="de-DE" dirty="0" err="1"/>
+              <a:t>Vectors</a:t>
+            </a:r>
+            <a:r>
+              <a:rPr lang="de-DE" dirty="0"/>
+              <a:t> </a:t>
+            </a:r>
+            <a:r>
+              <a:rPr lang="de-DE" dirty="0" err="1"/>
+              <a:t>that</a:t>
+            </a:r>
+            <a:r>
+              <a:rPr lang="de-DE" dirty="0"/>
+              <a:t> </a:t>
+            </a:r>
+            <a:r>
+              <a:rPr lang="de-DE" dirty="0" err="1"/>
+              <a:t>can</a:t>
+            </a:r>
+            <a:r>
+              <a:rPr lang="de-DE" dirty="0"/>
+              <a:t> </a:t>
+            </a:r>
+            <a:r>
+              <a:rPr lang="de-DE" dirty="0" err="1"/>
+              <a:t>be</a:t>
+            </a:r>
+            <a:r>
+              <a:rPr lang="de-DE" dirty="0"/>
+              <a:t> </a:t>
+            </a:r>
+            <a:r>
+              <a:rPr lang="de-DE" dirty="0" err="1"/>
+              <a:t>compared</a:t>
+            </a:r>
+            <a:r>
+              <a:rPr lang="de-DE" dirty="0"/>
+              <a:t> </a:t>
+            </a:r>
+            <a:r>
+              <a:rPr lang="de-DE" dirty="0" err="1"/>
+              <a:t>by</a:t>
+            </a:r>
+            <a:r>
+              <a:rPr lang="de-DE" dirty="0"/>
+              <a:t> </a:t>
+            </a:r>
+            <a:r>
+              <a:rPr lang="de-DE" dirty="0" err="1"/>
+              <a:t>cosine</a:t>
+            </a:r>
+            <a:r>
+              <a:rPr lang="de-DE" dirty="0"/>
+              <a:t> </a:t>
+            </a:r>
+            <a:r>
+              <a:rPr lang="de-DE" dirty="0" err="1"/>
+              <a:t>similarity</a:t>
+            </a:r>
+            <a:endParaRPr lang="de-DE" dirty="0"/>
+          </a:p>
+        </p:txBody>
+      </p:sp>
     </p:spTree>
     <p:extLst>
       <p:ext uri="{BB962C8B-B14F-4D97-AF65-F5344CB8AC3E}">
-        <p14:creationId xmlns:p14="http://schemas.microsoft.com/office/powerpoint/2010/main" val="1559234732"/>
+        <p14:creationId xmlns:p14="http://schemas.microsoft.com/office/powerpoint/2010/main" val="2506149614"/>
       </p:ext>
     </p:extLst>
   </p:cSld>
@@ -7392,42 +7675,52 @@
           <a:lstStyle/>
           <a:p>
             <a:r>
-              <a:rPr lang="de-DE" dirty="0" err="1"/>
-              <a:t>Tokenization</a:t>
+              <a:rPr lang="de-DE" dirty="0"/>
+              <a:t>Text Mining </a:t>
+            </a:r>
+            <a:r>
+              <a:rPr lang="de-DE" dirty="0" err="1"/>
+              <a:t>Process</a:t>
             </a:r>
             <a:endParaRPr lang="de-DE" dirty="0"/>
           </a:p>
         </p:txBody>
       </p:sp>
-      <p:sp>
-        <p:nvSpPr>
-          <p:cNvPr id="8" name="Inhaltsplatzhalter 7">
+      <p:graphicFrame>
+        <p:nvGraphicFramePr>
+          <p:cNvPr id="4" name="Inhaltsplatzhalter 3">
             <a:extLst>
               <a:ext uri="{FF2B5EF4-FFF2-40B4-BE49-F238E27FC236}">
-                <a16:creationId xmlns:a16="http://schemas.microsoft.com/office/drawing/2014/main" id="{EB3DACD9-A4CB-4CA4-8ADF-95995E86B655}"/>
+                <a16:creationId xmlns:a16="http://schemas.microsoft.com/office/drawing/2014/main" id="{728DD733-B42D-41D5-8288-8F147A3990D7}"/>
               </a:ext>
             </a:extLst>
           </p:cNvPr>
-          <p:cNvSpPr>
-            <a:spLocks noGrp="1"/>
-          </p:cNvSpPr>
+          <p:cNvGraphicFramePr>
+            <a:graphicFrameLocks noGrp="1"/>
+          </p:cNvGraphicFramePr>
           <p:nvPr>
             <p:ph idx="1"/>
+            <p:extLst>
+              <p:ext uri="{D42A27DB-BD31-4B8C-83A1-F6EECF244321}">
+                <p14:modId xmlns:p14="http://schemas.microsoft.com/office/powerpoint/2010/main" val="3223828207"/>
+              </p:ext>
+            </p:extLst>
           </p:nvPr>
-        </p:nvSpPr>
-        <p:spPr/>
-        <p:txBody>
-          <a:bodyPr/>
-          <a:lstStyle/>
-          <a:p>
-            <a:endParaRPr lang="de-DE" dirty="0"/>
-          </a:p>
-        </p:txBody>
-      </p:sp>
+        </p:nvGraphicFramePr>
+        <p:xfrm>
+          <a:off x="360363" y="1619250"/>
+          <a:ext cx="8532812" cy="4479925"/>
+        </p:xfrm>
+        <a:graphic>
+          <a:graphicData uri="http://schemas.openxmlformats.org/drawingml/2006/diagram">
+            <dgm:relIds xmlns:dgm="http://schemas.openxmlformats.org/drawingml/2006/diagram" xmlns:r="http://schemas.openxmlformats.org/officeDocument/2006/relationships" r:dm="rId2" r:lo="rId3" r:qs="rId4" r:cs="rId5"/>
+          </a:graphicData>
+        </a:graphic>
+      </p:graphicFrame>
     </p:spTree>
     <p:extLst>
       <p:ext uri="{BB962C8B-B14F-4D97-AF65-F5344CB8AC3E}">
-        <p14:creationId xmlns:p14="http://schemas.microsoft.com/office/powerpoint/2010/main" val="1140036635"/>
+        <p14:creationId xmlns:p14="http://schemas.microsoft.com/office/powerpoint/2010/main" val="1559234732"/>
       </p:ext>
     </p:extLst>
   </p:cSld>
@@ -7477,11 +7770,11 @@
           <a:p>
             <a:r>
               <a:rPr lang="de-DE" dirty="0"/>
-              <a:t>Feature </a:t>
-            </a:r>
-            <a:r>
-              <a:rPr lang="de-DE" dirty="0" err="1"/>
-              <a:t>Extraction</a:t>
+              <a:t>NLTK </a:t>
+            </a:r>
+            <a:r>
+              <a:rPr lang="de-DE" dirty="0" err="1"/>
+              <a:t>Preprocessing</a:t>
             </a:r>
             <a:endParaRPr lang="de-DE" dirty="0"/>
           </a:p>
@@ -7489,10 +7782,10 @@
       </p:sp>
       <p:sp>
         <p:nvSpPr>
-          <p:cNvPr id="3" name="Inhaltsplatzhalter 2">
+          <p:cNvPr id="5" name="Inhaltsplatzhalter 2">
             <a:extLst>
               <a:ext uri="{FF2B5EF4-FFF2-40B4-BE49-F238E27FC236}">
-                <a16:creationId xmlns:a16="http://schemas.microsoft.com/office/drawing/2014/main" id="{B7A33E4F-2D6D-41FB-8317-E13D4F5D9FCC}"/>
+                <a16:creationId xmlns:a16="http://schemas.microsoft.com/office/drawing/2014/main" id="{BED10CC2-E853-460D-ABF5-BA83DD9C5174}"/>
               </a:ext>
             </a:extLst>
           </p:cNvPr>
@@ -7506,25 +7799,25 @@
         <p:spPr>
           <a:xfrm>
             <a:off x="360000" y="1569829"/>
-            <a:ext cx="8532480" cy="4479943"/>
+            <a:ext cx="4139992" cy="4479943"/>
           </a:xfrm>
         </p:spPr>
         <p:txBody>
-          <a:bodyPr/>
+          <a:bodyPr>
+            <a:normAutofit lnSpcReduction="10000"/>
+          </a:bodyPr>
           <a:lstStyle/>
           <a:p>
             <a:pPr lvl="1"/>
             <a:r>
               <a:rPr lang="de-DE" dirty="0"/>
-              <a:t>Count (TF)</a:t>
-            </a:r>
-          </a:p>
-          <a:p>
-            <a:pPr lvl="1"/>
-            <a:r>
-              <a:rPr lang="de-DE" dirty="0"/>
-              <a:t>TF-IDF</a:t>
-            </a:r>
+              <a:t>Comment and NAG </a:t>
+            </a:r>
+            <a:r>
+              <a:rPr lang="de-DE" dirty="0" err="1"/>
+              <a:t>Extraction</a:t>
+            </a:r>
+            <a:endParaRPr lang="de-DE" dirty="0"/>
           </a:p>
           <a:p>
             <a:pPr lvl="1"/>
@@ -7532,6 +7825,10 @@
           </a:p>
           <a:p>
             <a:pPr lvl="1"/>
+            <a:r>
+              <a:rPr lang="de-DE" dirty="0" err="1"/>
+              <a:t>Tokenization</a:t>
+            </a:r>
             <a:endParaRPr lang="de-DE" dirty="0"/>
           </a:p>
           <a:p>
@@ -7540,163 +7837,437 @@
           </a:p>
           <a:p>
             <a:pPr lvl="1"/>
+            <a:r>
+              <a:rPr lang="de-DE" dirty="0" err="1"/>
+              <a:t>Normalization</a:t>
+            </a:r>
             <a:endParaRPr lang="de-DE" dirty="0"/>
           </a:p>
           <a:p>
+            <a:pPr lvl="2"/>
+            <a:r>
+              <a:rPr lang="de-DE" dirty="0" err="1"/>
+              <a:t>Lowercase</a:t>
+            </a:r>
+            <a:endParaRPr lang="de-DE" dirty="0"/>
+          </a:p>
+          <a:p>
+            <a:pPr lvl="2"/>
+            <a:r>
+              <a:rPr lang="de-DE" dirty="0" err="1"/>
+              <a:t>Lemmatization</a:t>
+            </a:r>
+            <a:endParaRPr lang="de-DE" dirty="0"/>
+          </a:p>
+          <a:p>
+            <a:pPr lvl="2"/>
+            <a:endParaRPr lang="de-DE" dirty="0"/>
+          </a:p>
+          <a:p>
             <a:pPr lvl="1"/>
             <a:r>
               <a:rPr lang="de-DE" dirty="0"/>
-              <a:t>Word2Vec </a:t>
-            </a:r>
-            <a:r>
-              <a:rPr lang="de-DE" dirty="0" err="1"/>
-              <a:t>model</a:t>
-            </a:r>
-            <a:r>
-              <a:rPr lang="de-DE" dirty="0"/>
-              <a:t> </a:t>
-            </a:r>
-            <a:r>
-              <a:rPr lang="de-DE" dirty="0" err="1"/>
-              <a:t>based</a:t>
-            </a:r>
-            <a:r>
-              <a:rPr lang="de-DE" dirty="0"/>
-              <a:t> on </a:t>
-            </a:r>
-            <a:r>
-              <a:rPr lang="de-DE" dirty="0" err="1"/>
-              <a:t>chess</a:t>
-            </a:r>
-            <a:r>
-              <a:rPr lang="de-DE" dirty="0"/>
-              <a:t> </a:t>
-            </a:r>
-            <a:r>
-              <a:rPr lang="de-DE" dirty="0" err="1"/>
-              <a:t>vocabulary</a:t>
+              <a:t>Data </a:t>
+            </a:r>
+            <a:r>
+              <a:rPr lang="de-DE" dirty="0" err="1"/>
+              <a:t>Cleansing</a:t>
             </a:r>
             <a:endParaRPr lang="de-DE" dirty="0"/>
           </a:p>
           <a:p>
-            <a:pPr lvl="1"/>
-            <a:r>
-              <a:rPr lang="de-DE" dirty="0"/>
-              <a:t>Word2Vec </a:t>
-            </a:r>
-            <a:r>
-              <a:rPr lang="de-DE" dirty="0" err="1"/>
-              <a:t>model</a:t>
-            </a:r>
-            <a:r>
-              <a:rPr lang="de-DE" dirty="0"/>
-              <a:t> </a:t>
-            </a:r>
-            <a:r>
-              <a:rPr lang="de-DE" dirty="0" err="1"/>
-              <a:t>based</a:t>
-            </a:r>
-            <a:r>
-              <a:rPr lang="de-DE" dirty="0"/>
-              <a:t> on Google News </a:t>
+            <a:pPr lvl="2"/>
+            <a:r>
+              <a:rPr lang="de-DE" dirty="0"/>
+              <a:t>Minimum </a:t>
+            </a:r>
+            <a:r>
+              <a:rPr lang="de-DE" dirty="0" err="1"/>
+              <a:t>length</a:t>
+            </a:r>
+            <a:r>
+              <a:rPr lang="de-DE" dirty="0"/>
+              <a:t>: 3 </a:t>
+            </a:r>
+            <a:r>
+              <a:rPr lang="de-DE" dirty="0" err="1"/>
+              <a:t>tokens</a:t>
+            </a:r>
+            <a:endParaRPr lang="de-DE" dirty="0"/>
+          </a:p>
+          <a:p>
+            <a:pPr lvl="2"/>
+            <a:r>
+              <a:rPr lang="de-DE" dirty="0"/>
+              <a:t>Minimum 3 </a:t>
+            </a:r>
+            <a:r>
+              <a:rPr lang="de-DE" dirty="0" err="1"/>
+              <a:t>tokens</a:t>
+            </a:r>
+            <a:r>
+              <a:rPr lang="de-DE" dirty="0"/>
+              <a:t> in English</a:t>
             </a:r>
           </a:p>
         </p:txBody>
       </p:sp>
-      <p:pic>
-        <p:nvPicPr>
-          <p:cNvPr id="5" name="Grafik 4">
+      <p:sp>
+        <p:nvSpPr>
+          <p:cNvPr id="6" name="Inhaltsplatzhalter 2">
             <a:extLst>
               <a:ext uri="{FF2B5EF4-FFF2-40B4-BE49-F238E27FC236}">
-                <a16:creationId xmlns:a16="http://schemas.microsoft.com/office/drawing/2014/main" id="{BBB01F51-D3B6-44D3-AF63-27A66023CCF6}"/>
+                <a16:creationId xmlns:a16="http://schemas.microsoft.com/office/drawing/2014/main" id="{4BDF86CD-1281-480E-A3AE-F8184EF7B603}"/>
               </a:ext>
             </a:extLst>
           </p:cNvPr>
-          <p:cNvPicPr>
-            <a:picLocks noChangeAspect="1"/>
-          </p:cNvPicPr>
+          <p:cNvSpPr txBox="1">
+            <a:spLocks/>
+          </p:cNvSpPr>
           <p:nvPr/>
-        </p:nvPicPr>
-        <p:blipFill>
-          <a:blip r:embed="rId2"/>
-          <a:stretch>
-            <a:fillRect/>
-          </a:stretch>
-        </p:blipFill>
-        <p:spPr>
+        </p:nvSpPr>
+        <p:spPr bwMode="auto">
           <a:xfrm>
-            <a:off x="5375697" y="2597133"/>
-            <a:ext cx="2438400" cy="895350"/>
+            <a:off x="4644008" y="1569829"/>
+            <a:ext cx="4139992" cy="4479943"/>
           </a:xfrm>
           <a:prstGeom prst="rect">
             <a:avLst/>
           </a:prstGeom>
+          <a:noFill/>
+          <a:ln w="9525">
+            <a:noFill/>
+            <a:miter lim="800000"/>
+            <a:headEnd/>
+            <a:tailEnd/>
+          </a:ln>
+          <a:effectLst/>
         </p:spPr>
-      </p:pic>
-      <p:pic>
-        <p:nvPicPr>
-          <p:cNvPr id="6" name="Grafik 5">
+        <p:txBody>
+          <a:bodyPr vert="horz" wrap="square" lIns="0" tIns="45720" rIns="0" bIns="45720" numCol="1" anchor="t" anchorCtr="0" compatLnSpc="1">
+            <a:prstTxWarp prst="textNoShape">
+              <a:avLst/>
+            </a:prstTxWarp>
+          </a:bodyPr>
+          <a:lstStyle>
+            <a:lvl1pPr marL="179388" indent="-179388" algn="l" rtl="0" eaLnBrk="1" fontAlgn="base" hangingPunct="1">
+              <a:lnSpc>
+                <a:spcPct val="130000"/>
+              </a:lnSpc>
+              <a:spcBef>
+                <a:spcPts val="200"/>
+              </a:spcBef>
+              <a:spcAft>
+                <a:spcPts val="230"/>
+              </a:spcAft>
+              <a:buFont typeface="Wingdings" pitchFamily="2" charset="2"/>
+              <a:buNone/>
+              <a:defRPr sz="2000">
+                <a:solidFill>
+                  <a:schemeClr val="tx1"/>
+                </a:solidFill>
+                <a:latin typeface="+mn-lt"/>
+                <a:ea typeface="+mn-ea"/>
+                <a:cs typeface="Tahoma" pitchFamily="34" charset="0"/>
+              </a:defRPr>
+            </a:lvl1pPr>
+            <a:lvl2pPr marL="179388" indent="-177800" algn="l" rtl="0" eaLnBrk="1" fontAlgn="base" hangingPunct="1">
+              <a:lnSpc>
+                <a:spcPct val="130000"/>
+              </a:lnSpc>
+              <a:spcBef>
+                <a:spcPts val="200"/>
+              </a:spcBef>
+              <a:spcAft>
+                <a:spcPts val="230"/>
+              </a:spcAft>
+              <a:buFont typeface="Wingdings" pitchFamily="2" charset="2"/>
+              <a:buChar char="§"/>
+              <a:defRPr sz="2000">
+                <a:solidFill>
+                  <a:schemeClr val="tx1"/>
+                </a:solidFill>
+                <a:latin typeface="+mn-lt"/>
+                <a:cs typeface="Tahoma" pitchFamily="34" charset="0"/>
+              </a:defRPr>
+            </a:lvl2pPr>
+            <a:lvl3pPr marL="538163" indent="-187325" algn="l" rtl="0" eaLnBrk="1" fontAlgn="base" hangingPunct="1">
+              <a:lnSpc>
+                <a:spcPct val="130000"/>
+              </a:lnSpc>
+              <a:spcBef>
+                <a:spcPts val="200"/>
+              </a:spcBef>
+              <a:spcAft>
+                <a:spcPts val="230"/>
+              </a:spcAft>
+              <a:buFont typeface="Wingdings" pitchFamily="2" charset="2"/>
+              <a:buChar char="§"/>
+              <a:defRPr>
+                <a:solidFill>
+                  <a:schemeClr val="tx1"/>
+                </a:solidFill>
+                <a:latin typeface="+mn-lt"/>
+                <a:cs typeface="Tahoma" pitchFamily="34" charset="0"/>
+              </a:defRPr>
+            </a:lvl3pPr>
+            <a:lvl4pPr marL="717550" indent="-173038" algn="l" rtl="0" eaLnBrk="1" fontAlgn="base" hangingPunct="1">
+              <a:lnSpc>
+                <a:spcPct val="130000"/>
+              </a:lnSpc>
+              <a:spcBef>
+                <a:spcPts val="200"/>
+              </a:spcBef>
+              <a:spcAft>
+                <a:spcPts val="230"/>
+              </a:spcAft>
+              <a:buFont typeface="Wingdings" pitchFamily="2" charset="2"/>
+              <a:buChar char="§"/>
+              <a:defRPr sz="1600">
+                <a:solidFill>
+                  <a:schemeClr val="tx1"/>
+                </a:solidFill>
+                <a:latin typeface="+mn-lt"/>
+                <a:cs typeface="Tahoma" pitchFamily="34" charset="0"/>
+              </a:defRPr>
+            </a:lvl4pPr>
+            <a:lvl5pPr marL="908050" indent="-188913" algn="l" rtl="0" eaLnBrk="1" fontAlgn="base" hangingPunct="1">
+              <a:lnSpc>
+                <a:spcPct val="130000"/>
+              </a:lnSpc>
+              <a:spcBef>
+                <a:spcPts val="200"/>
+              </a:spcBef>
+              <a:spcAft>
+                <a:spcPts val="230"/>
+              </a:spcAft>
+              <a:buFont typeface="Wingdings" pitchFamily="2" charset="2"/>
+              <a:buChar char="§"/>
+              <a:defRPr sz="1600">
+                <a:solidFill>
+                  <a:schemeClr val="tx1"/>
+                </a:solidFill>
+                <a:latin typeface="+mn-lt"/>
+                <a:cs typeface="Tahoma" pitchFamily="34" charset="0"/>
+              </a:defRPr>
+            </a:lvl5pPr>
+            <a:lvl6pPr marL="1365250" indent="-188913" algn="l" rtl="0" eaLnBrk="1" fontAlgn="base" hangingPunct="1">
+              <a:spcBef>
+                <a:spcPct val="20000"/>
+              </a:spcBef>
+              <a:spcAft>
+                <a:spcPct val="0"/>
+              </a:spcAft>
+              <a:buFont typeface="Wingdings" pitchFamily="2" charset="2"/>
+              <a:buChar char="§"/>
+              <a:defRPr sz="1600">
+                <a:solidFill>
+                  <a:schemeClr val="tx1"/>
+                </a:solidFill>
+                <a:latin typeface="+mn-lt"/>
+              </a:defRPr>
+            </a:lvl6pPr>
+            <a:lvl7pPr marL="1822450" indent="-188913" algn="l" rtl="0" eaLnBrk="1" fontAlgn="base" hangingPunct="1">
+              <a:spcBef>
+                <a:spcPct val="20000"/>
+              </a:spcBef>
+              <a:spcAft>
+                <a:spcPct val="0"/>
+              </a:spcAft>
+              <a:buFont typeface="Wingdings" pitchFamily="2" charset="2"/>
+              <a:buChar char="§"/>
+              <a:defRPr sz="1600">
+                <a:solidFill>
+                  <a:schemeClr val="tx1"/>
+                </a:solidFill>
+                <a:latin typeface="+mn-lt"/>
+              </a:defRPr>
+            </a:lvl7pPr>
+            <a:lvl8pPr marL="2279650" indent="-188913" algn="l" rtl="0" eaLnBrk="1" fontAlgn="base" hangingPunct="1">
+              <a:spcBef>
+                <a:spcPct val="20000"/>
+              </a:spcBef>
+              <a:spcAft>
+                <a:spcPct val="0"/>
+              </a:spcAft>
+              <a:buFont typeface="Wingdings" pitchFamily="2" charset="2"/>
+              <a:buChar char="§"/>
+              <a:defRPr sz="1600">
+                <a:solidFill>
+                  <a:schemeClr val="tx1"/>
+                </a:solidFill>
+                <a:latin typeface="+mn-lt"/>
+              </a:defRPr>
+            </a:lvl8pPr>
+            <a:lvl9pPr marL="2736850" indent="-188913" algn="l" rtl="0" eaLnBrk="1" fontAlgn="base" hangingPunct="1">
+              <a:spcBef>
+                <a:spcPct val="20000"/>
+              </a:spcBef>
+              <a:spcAft>
+                <a:spcPct val="0"/>
+              </a:spcAft>
+              <a:buFont typeface="Wingdings" pitchFamily="2" charset="2"/>
+              <a:buChar char="§"/>
+              <a:defRPr sz="1600">
+                <a:solidFill>
+                  <a:schemeClr val="tx1"/>
+                </a:solidFill>
+                <a:latin typeface="+mn-lt"/>
+              </a:defRPr>
+            </a:lvl9pPr>
+          </a:lstStyle>
+          <a:p>
+            <a:pPr lvl="1"/>
+            <a:r>
+              <a:rPr lang="de-DE" kern="0" dirty="0"/>
+              <a:t>(„</a:t>
+            </a:r>
+            <a:r>
+              <a:rPr lang="de-DE" kern="0" dirty="0" err="1"/>
+              <a:t>No</a:t>
+            </a:r>
+            <a:r>
+              <a:rPr lang="de-DE" kern="0" dirty="0"/>
+              <a:t>! White </a:t>
+            </a:r>
+            <a:r>
+              <a:rPr lang="de-DE" kern="0" dirty="0" err="1"/>
+              <a:t>makes</a:t>
+            </a:r>
+            <a:r>
+              <a:rPr lang="de-DE" kern="0" dirty="0"/>
+              <a:t> a </a:t>
+            </a:r>
+            <a:r>
+              <a:rPr lang="de-DE" kern="0" dirty="0" err="1"/>
+              <a:t>mistake</a:t>
+            </a:r>
+            <a:r>
+              <a:rPr lang="de-DE" kern="0" dirty="0"/>
+              <a:t>“, $4)</a:t>
+            </a:r>
+          </a:p>
+          <a:p>
+            <a:pPr lvl="1"/>
+            <a:endParaRPr lang="de-DE" kern="0" dirty="0"/>
+          </a:p>
+          <a:p>
+            <a:pPr lvl="1"/>
+            <a:endParaRPr lang="de-DE" kern="0" dirty="0"/>
+          </a:p>
+          <a:p>
+            <a:pPr lvl="1"/>
+            <a:endParaRPr lang="de-DE" kern="0" dirty="0"/>
+          </a:p>
+          <a:p>
+            <a:pPr lvl="1"/>
+            <a:endParaRPr lang="de-DE" kern="0" dirty="0"/>
+          </a:p>
+          <a:p>
+            <a:pPr lvl="1"/>
+            <a:endParaRPr lang="de-DE" kern="0" dirty="0"/>
+          </a:p>
+          <a:p>
+            <a:pPr lvl="1"/>
+            <a:endParaRPr lang="de-DE" kern="0" dirty="0"/>
+          </a:p>
+          <a:p>
+            <a:pPr lvl="1"/>
+            <a:endParaRPr lang="de-DE" kern="0" dirty="0"/>
+          </a:p>
+          <a:p>
+            <a:pPr lvl="1"/>
+            <a:r>
+              <a:rPr lang="de-DE" kern="0" dirty="0"/>
+              <a:t>([„</a:t>
+            </a:r>
+            <a:r>
+              <a:rPr lang="de-DE" kern="0" dirty="0" err="1"/>
+              <a:t>no</a:t>
+            </a:r>
+            <a:r>
+              <a:rPr lang="de-DE" kern="0" dirty="0"/>
+              <a:t>“, „!“, „</a:t>
+            </a:r>
+            <a:r>
+              <a:rPr lang="de-DE" kern="0" dirty="0" err="1"/>
+              <a:t>white</a:t>
+            </a:r>
+            <a:r>
+              <a:rPr lang="de-DE" kern="0" dirty="0"/>
+              <a:t>“, „</a:t>
+            </a:r>
+            <a:r>
+              <a:rPr lang="de-DE" kern="0" dirty="0" err="1"/>
+              <a:t>make</a:t>
+            </a:r>
+            <a:r>
+              <a:rPr lang="de-DE" kern="0" dirty="0"/>
+              <a:t>“, „a“, „</a:t>
+            </a:r>
+            <a:r>
+              <a:rPr lang="de-DE" kern="0" dirty="0" err="1"/>
+              <a:t>mistake</a:t>
+            </a:r>
+            <a:r>
+              <a:rPr lang="de-DE" kern="0" dirty="0"/>
+              <a:t>“], 2)</a:t>
+            </a:r>
+          </a:p>
+          <a:p>
+            <a:pPr lvl="1"/>
+            <a:endParaRPr lang="de-DE" kern="0" dirty="0"/>
+          </a:p>
+        </p:txBody>
+      </p:sp>
+      <p:sp>
+        <p:nvSpPr>
+          <p:cNvPr id="7" name="Pfeil: nach unten 6">
             <a:extLst>
               <a:ext uri="{FF2B5EF4-FFF2-40B4-BE49-F238E27FC236}">
-                <a16:creationId xmlns:a16="http://schemas.microsoft.com/office/drawing/2014/main" id="{F99F0BBB-0820-4741-92E8-6F911687E09D}"/>
+                <a16:creationId xmlns:a16="http://schemas.microsoft.com/office/drawing/2014/main" id="{2F4D299B-7ABC-4D23-BCAB-C3716F141BE6}"/>
               </a:ext>
             </a:extLst>
           </p:cNvPr>
-          <p:cNvPicPr>
-            <a:picLocks noChangeAspect="1"/>
-          </p:cNvPicPr>
+          <p:cNvSpPr/>
           <p:nvPr/>
-        </p:nvPicPr>
-        <p:blipFill>
-          <a:blip r:embed="rId3"/>
-          <a:stretch>
-            <a:fillRect/>
-          </a:stretch>
-        </p:blipFill>
+        </p:nvSpPr>
         <p:spPr>
           <a:xfrm>
-            <a:off x="5364088" y="3614539"/>
-            <a:ext cx="3038475" cy="390525"/>
+            <a:off x="6461976" y="2564904"/>
+            <a:ext cx="504056" cy="2088232"/>
           </a:xfrm>
-          <a:prstGeom prst="rect">
+          <a:prstGeom prst="downArrow">
             <a:avLst/>
           </a:prstGeom>
         </p:spPr>
-      </p:pic>
-      <p:pic>
-        <p:nvPicPr>
-          <p:cNvPr id="7" name="Grafik 6">
-            <a:extLst>
-              <a:ext uri="{FF2B5EF4-FFF2-40B4-BE49-F238E27FC236}">
-                <a16:creationId xmlns:a16="http://schemas.microsoft.com/office/drawing/2014/main" id="{2360DB2A-ECEE-45E9-B4A7-84ED8B950407}"/>
-              </a:ext>
-            </a:extLst>
-          </p:cNvPr>
-          <p:cNvPicPr>
-            <a:picLocks noChangeAspect="1"/>
-          </p:cNvPicPr>
-          <p:nvPr/>
-        </p:nvPicPr>
-        <p:blipFill>
-          <a:blip r:embed="rId4"/>
-          <a:stretch>
-            <a:fillRect/>
-          </a:stretch>
-        </p:blipFill>
-        <p:spPr>
-          <a:xfrm>
-            <a:off x="5375895" y="1549921"/>
-            <a:ext cx="2990850" cy="942975"/>
-          </a:xfrm>
-          <a:prstGeom prst="rect">
-            <a:avLst/>
-          </a:prstGeom>
-        </p:spPr>
-      </p:pic>
+        <p:style>
+          <a:lnRef idx="2">
+            <a:schemeClr val="accent6"/>
+          </a:lnRef>
+          <a:fillRef idx="1">
+            <a:schemeClr val="lt1"/>
+          </a:fillRef>
+          <a:effectRef idx="0">
+            <a:schemeClr val="accent6"/>
+          </a:effectRef>
+          <a:fontRef idx="minor">
+            <a:schemeClr val="dk1"/>
+          </a:fontRef>
+        </p:style>
+        <p:txBody>
+          <a:bodyPr rtlCol="0" anchor="ctr"/>
+          <a:lstStyle/>
+          <a:p>
+            <a:pPr algn="ctr"/>
+            <a:endParaRPr lang="de-DE"/>
+          </a:p>
+        </p:txBody>
+      </p:sp>
     </p:spTree>
     <p:extLst>
       <p:ext uri="{BB962C8B-B14F-4D97-AF65-F5344CB8AC3E}">
-        <p14:creationId xmlns:p14="http://schemas.microsoft.com/office/powerpoint/2010/main" val="677278095"/>
+        <p14:creationId xmlns:p14="http://schemas.microsoft.com/office/powerpoint/2010/main" val="1140036635"/>
       </p:ext>
     </p:extLst>
   </p:cSld>
@@ -7728,7 +8299,7 @@
           <p:cNvPr id="2" name="Titel 1">
             <a:extLst>
               <a:ext uri="{FF2B5EF4-FFF2-40B4-BE49-F238E27FC236}">
-                <a16:creationId xmlns:a16="http://schemas.microsoft.com/office/drawing/2014/main" id="{7F26842D-907B-4305-94EF-4AD1818B6689}"/>
+                <a16:creationId xmlns:a16="http://schemas.microsoft.com/office/drawing/2014/main" id="{27E7F44A-9CA7-4473-B8B2-575587306C66}"/>
               </a:ext>
             </a:extLst>
           </p:cNvPr>
@@ -7745,58 +8316,346 @@
           <a:lstStyle/>
           <a:p>
             <a:r>
-              <a:rPr lang="de-DE" dirty="0" err="1"/>
-              <a:t>Results</a:t>
-            </a:r>
-            <a:r>
-              <a:rPr lang="de-DE" dirty="0"/>
-              <a:t> - Move vs. Position </a:t>
-            </a:r>
-            <a:r>
-              <a:rPr lang="de-DE" dirty="0" err="1"/>
-              <a:t>Annotations</a:t>
-            </a:r>
-            <a:r>
-              <a:rPr lang="de-DE" dirty="0"/>
-              <a:t> </a:t>
-            </a:r>
+              <a:rPr lang="de-DE" dirty="0"/>
+              <a:t>Feature </a:t>
+            </a:r>
+            <a:r>
+              <a:rPr lang="de-DE" dirty="0" err="1"/>
+              <a:t>Extraction</a:t>
+            </a:r>
+            <a:endParaRPr lang="de-DE" dirty="0"/>
           </a:p>
         </p:txBody>
       </p:sp>
-      <p:pic>
-        <p:nvPicPr>
-          <p:cNvPr id="3" name="Grafik 2">
+      <p:sp>
+        <p:nvSpPr>
+          <p:cNvPr id="3" name="Inhaltsplatzhalter 2">
             <a:extLst>
               <a:ext uri="{FF2B5EF4-FFF2-40B4-BE49-F238E27FC236}">
-                <a16:creationId xmlns:a16="http://schemas.microsoft.com/office/drawing/2014/main" id="{4A71AEBA-C045-4D19-8B75-CAE9F9F2F4E4}"/>
+                <a16:creationId xmlns:a16="http://schemas.microsoft.com/office/drawing/2014/main" id="{B7A33E4F-2D6D-41FB-8317-E13D4F5D9FCC}"/>
               </a:ext>
             </a:extLst>
           </p:cNvPr>
-          <p:cNvPicPr>
-            <a:picLocks noChangeAspect="1"/>
-          </p:cNvPicPr>
-          <p:nvPr/>
-        </p:nvPicPr>
-        <p:blipFill>
-          <a:blip r:embed="rId2"/>
-          <a:stretch>
-            <a:fillRect/>
-          </a:stretch>
-        </p:blipFill>
+          <p:cNvSpPr>
+            <a:spLocks noGrp="1"/>
+          </p:cNvSpPr>
+          <p:nvPr>
+            <p:ph idx="1"/>
+          </p:nvPr>
+        </p:nvSpPr>
         <p:spPr>
           <a:xfrm>
-            <a:off x="1233487" y="1972022"/>
-            <a:ext cx="6677025" cy="3905250"/>
+            <a:off x="360000" y="1569829"/>
+            <a:ext cx="8532480" cy="4479943"/>
           </a:xfrm>
-          <a:prstGeom prst="rect">
-            <a:avLst/>
-          </a:prstGeom>
         </p:spPr>
-      </p:pic>
+        <p:txBody>
+          <a:bodyPr>
+            <a:normAutofit lnSpcReduction="10000"/>
+          </a:bodyPr>
+          <a:lstStyle/>
+          <a:p>
+            <a:pPr lvl="1"/>
+            <a:r>
+              <a:rPr lang="de-DE" dirty="0"/>
+              <a:t>Absolute </a:t>
+            </a:r>
+            <a:r>
+              <a:rPr lang="de-DE" dirty="0" err="1"/>
+              <a:t>count</a:t>
+            </a:r>
+            <a:r>
+              <a:rPr lang="de-DE" dirty="0"/>
+              <a:t> </a:t>
+            </a:r>
+            <a:r>
+              <a:rPr lang="de-DE" dirty="0" err="1"/>
+              <a:t>of</a:t>
+            </a:r>
+            <a:r>
+              <a:rPr lang="de-DE" dirty="0"/>
+              <a:t> top 2000 </a:t>
+            </a:r>
+            <a:r>
+              <a:rPr lang="de-DE" dirty="0" err="1"/>
+              <a:t>terms</a:t>
+            </a:r>
+            <a:r>
+              <a:rPr lang="de-DE" dirty="0"/>
+              <a:t>/</a:t>
+            </a:r>
+            <a:r>
+              <a:rPr lang="de-DE" dirty="0" err="1"/>
+              <a:t>bigrams</a:t>
+            </a:r>
+            <a:r>
+              <a:rPr lang="de-DE" dirty="0"/>
+              <a:t>/</a:t>
+            </a:r>
+            <a:r>
+              <a:rPr lang="de-DE" dirty="0" err="1"/>
+              <a:t>trigrams</a:t>
+            </a:r>
+            <a:r>
+              <a:rPr lang="de-DE" dirty="0"/>
+              <a:t> (</a:t>
+            </a:r>
+            <a:r>
+              <a:rPr lang="de-DE" dirty="0" err="1"/>
+              <a:t>count</a:t>
+            </a:r>
+            <a:r>
+              <a:rPr lang="de-DE" dirty="0"/>
+              <a:t>)</a:t>
+            </a:r>
+          </a:p>
+          <a:p>
+            <a:pPr lvl="2"/>
+            <a:r>
+              <a:rPr lang="de-DE" dirty="0"/>
+              <a:t>2000 </a:t>
+            </a:r>
+            <a:r>
+              <a:rPr lang="de-DE" dirty="0" err="1"/>
+              <a:t>attributes</a:t>
+            </a:r>
+            <a:r>
+              <a:rPr lang="de-DE" dirty="0"/>
+              <a:t>, </a:t>
+            </a:r>
+            <a:r>
+              <a:rPr lang="de-DE" dirty="0" err="1"/>
+              <a:t>sparse</a:t>
+            </a:r>
+            <a:r>
+              <a:rPr lang="de-DE" dirty="0"/>
+              <a:t> </a:t>
+            </a:r>
+            <a:r>
+              <a:rPr lang="de-DE" dirty="0" err="1"/>
+              <a:t>data</a:t>
+            </a:r>
+            <a:endParaRPr lang="de-DE" dirty="0"/>
+          </a:p>
+          <a:p>
+            <a:pPr lvl="2"/>
+            <a:endParaRPr lang="de-DE" dirty="0"/>
+          </a:p>
+          <a:p>
+            <a:pPr lvl="1"/>
+            <a:r>
+              <a:rPr lang="de-DE" dirty="0"/>
+              <a:t>Relative TF-IDF </a:t>
+            </a:r>
+            <a:r>
+              <a:rPr lang="de-DE" dirty="0" err="1"/>
+              <a:t>value</a:t>
+            </a:r>
+            <a:r>
+              <a:rPr lang="de-DE" dirty="0"/>
+              <a:t> </a:t>
+            </a:r>
+            <a:r>
+              <a:rPr lang="de-DE" dirty="0" err="1"/>
+              <a:t>of</a:t>
+            </a:r>
+            <a:r>
+              <a:rPr lang="de-DE" dirty="0"/>
+              <a:t> top 2000 </a:t>
+            </a:r>
+            <a:r>
+              <a:rPr lang="de-DE" dirty="0" err="1"/>
+              <a:t>terms</a:t>
+            </a:r>
+            <a:r>
+              <a:rPr lang="de-DE" dirty="0"/>
+              <a:t>/</a:t>
+            </a:r>
+            <a:r>
+              <a:rPr lang="de-DE" dirty="0" err="1"/>
+              <a:t>bigrams</a:t>
+            </a:r>
+            <a:r>
+              <a:rPr lang="de-DE" dirty="0"/>
+              <a:t>/</a:t>
+            </a:r>
+            <a:r>
+              <a:rPr lang="de-DE" dirty="0" err="1"/>
+              <a:t>trigrams</a:t>
+            </a:r>
+            <a:r>
+              <a:rPr lang="de-DE" dirty="0"/>
+              <a:t> (</a:t>
+            </a:r>
+            <a:r>
+              <a:rPr lang="de-DE" dirty="0" err="1"/>
+              <a:t>tfidf</a:t>
+            </a:r>
+            <a:r>
+              <a:rPr lang="de-DE" dirty="0"/>
+              <a:t>)</a:t>
+            </a:r>
+          </a:p>
+          <a:p>
+            <a:pPr lvl="2"/>
+            <a:r>
+              <a:rPr lang="de-DE" dirty="0"/>
+              <a:t>2000 </a:t>
+            </a:r>
+            <a:r>
+              <a:rPr lang="de-DE" dirty="0" err="1"/>
+              <a:t>attributes</a:t>
+            </a:r>
+            <a:r>
+              <a:rPr lang="de-DE" dirty="0"/>
+              <a:t>, </a:t>
+            </a:r>
+            <a:r>
+              <a:rPr lang="de-DE" dirty="0" err="1"/>
+              <a:t>sparse</a:t>
+            </a:r>
+            <a:r>
+              <a:rPr lang="de-DE" dirty="0"/>
+              <a:t> </a:t>
+            </a:r>
+            <a:r>
+              <a:rPr lang="de-DE" dirty="0" err="1"/>
+              <a:t>data</a:t>
+            </a:r>
+            <a:endParaRPr lang="de-DE" dirty="0"/>
+          </a:p>
+          <a:p>
+            <a:pPr lvl="2"/>
+            <a:endParaRPr lang="de-DE" dirty="0"/>
+          </a:p>
+          <a:p>
+            <a:pPr lvl="1"/>
+            <a:r>
+              <a:rPr lang="de-DE" dirty="0"/>
+              <a:t>Word2Vec </a:t>
+            </a:r>
+            <a:r>
+              <a:rPr lang="de-DE" dirty="0" err="1"/>
+              <a:t>model</a:t>
+            </a:r>
+            <a:r>
+              <a:rPr lang="de-DE" dirty="0"/>
+              <a:t> </a:t>
+            </a:r>
+            <a:r>
+              <a:rPr lang="de-DE" dirty="0" err="1"/>
+              <a:t>based</a:t>
+            </a:r>
+            <a:r>
+              <a:rPr lang="de-DE" dirty="0"/>
+              <a:t> on </a:t>
+            </a:r>
+            <a:r>
+              <a:rPr lang="de-DE" dirty="0" err="1"/>
+              <a:t>chess</a:t>
+            </a:r>
+            <a:r>
+              <a:rPr lang="de-DE" dirty="0"/>
+              <a:t> </a:t>
+            </a:r>
+            <a:r>
+              <a:rPr lang="de-DE" dirty="0" err="1"/>
+              <a:t>vocabulary</a:t>
+            </a:r>
+            <a:r>
+              <a:rPr lang="de-DE" dirty="0"/>
+              <a:t> (w2v-own)</a:t>
+            </a:r>
+          </a:p>
+          <a:p>
+            <a:pPr lvl="2"/>
+            <a:r>
+              <a:rPr lang="de-DE" dirty="0"/>
+              <a:t>100 </a:t>
+            </a:r>
+            <a:r>
+              <a:rPr lang="de-DE" dirty="0" err="1"/>
+              <a:t>attributes</a:t>
+            </a:r>
+            <a:r>
+              <a:rPr lang="de-DE" dirty="0"/>
+              <a:t>, </a:t>
+            </a:r>
+            <a:r>
+              <a:rPr lang="de-DE" dirty="0" err="1"/>
+              <a:t>dense</a:t>
+            </a:r>
+            <a:r>
+              <a:rPr lang="de-DE" dirty="0"/>
+              <a:t> </a:t>
+            </a:r>
+            <a:r>
+              <a:rPr lang="de-DE" dirty="0" err="1"/>
+              <a:t>data</a:t>
+            </a:r>
+            <a:endParaRPr lang="de-DE" dirty="0"/>
+          </a:p>
+          <a:p>
+            <a:pPr lvl="2"/>
+            <a:endParaRPr lang="de-DE" dirty="0"/>
+          </a:p>
+          <a:p>
+            <a:pPr lvl="1"/>
+            <a:r>
+              <a:rPr lang="de-DE" dirty="0"/>
+              <a:t>Word2Vec </a:t>
+            </a:r>
+            <a:r>
+              <a:rPr lang="de-DE" dirty="0" err="1"/>
+              <a:t>model</a:t>
+            </a:r>
+            <a:r>
+              <a:rPr lang="de-DE" dirty="0"/>
+              <a:t> </a:t>
+            </a:r>
+            <a:r>
+              <a:rPr lang="de-DE" dirty="0" err="1"/>
+              <a:t>based</a:t>
+            </a:r>
+            <a:r>
+              <a:rPr lang="de-DE" dirty="0"/>
+              <a:t> on Google News (w2v-pretrained)</a:t>
+            </a:r>
+          </a:p>
+          <a:p>
+            <a:pPr lvl="2"/>
+            <a:r>
+              <a:rPr lang="de-DE" dirty="0"/>
+              <a:t>300 </a:t>
+            </a:r>
+            <a:r>
+              <a:rPr lang="de-DE" dirty="0" err="1"/>
+              <a:t>attributes</a:t>
+            </a:r>
+            <a:r>
+              <a:rPr lang="de-DE" dirty="0"/>
+              <a:t>, </a:t>
+            </a:r>
+            <a:r>
+              <a:rPr lang="de-DE" dirty="0" err="1"/>
+              <a:t>dense</a:t>
+            </a:r>
+            <a:r>
+              <a:rPr lang="de-DE" dirty="0"/>
+              <a:t> </a:t>
+            </a:r>
+            <a:r>
+              <a:rPr lang="de-DE" dirty="0" err="1"/>
+              <a:t>data</a:t>
+            </a:r>
+            <a:endParaRPr lang="de-DE" dirty="0"/>
+          </a:p>
+        </p:txBody>
+      </p:sp>
     </p:spTree>
     <p:extLst>
       <p:ext uri="{BB962C8B-B14F-4D97-AF65-F5344CB8AC3E}">
-        <p14:creationId xmlns:p14="http://schemas.microsoft.com/office/powerpoint/2010/main" val="3825839099"/>
+        <p14:creationId xmlns:p14="http://schemas.microsoft.com/office/powerpoint/2010/main" val="677278095"/>
       </p:ext>
     </p:extLst>
   </p:cSld>
@@ -7828,7 +8687,7 @@
           <p:cNvPr id="2" name="Titel 1">
             <a:extLst>
               <a:ext uri="{FF2B5EF4-FFF2-40B4-BE49-F238E27FC236}">
-                <a16:creationId xmlns:a16="http://schemas.microsoft.com/office/drawing/2014/main" id="{7F26842D-907B-4305-94EF-4AD1818B6689}"/>
+                <a16:creationId xmlns:a16="http://schemas.microsoft.com/office/drawing/2014/main" id="{27E7F44A-9CA7-4473-B8B2-575587306C66}"/>
               </a:ext>
             </a:extLst>
           </p:cNvPr>
@@ -7846,15 +8705,82 @@
           <a:p>
             <a:r>
               <a:rPr lang="de-DE" dirty="0" err="1"/>
-              <a:t>Results</a:t>
-            </a:r>
-            <a:r>
-              <a:rPr lang="de-DE" dirty="0"/>
-              <a:t> - Move </a:t>
-            </a:r>
-            <a:r>
-              <a:rPr lang="de-DE" dirty="0" err="1"/>
-              <a:t>Annotations</a:t>
+              <a:t>Conversion</a:t>
+            </a:r>
+            <a:r>
+              <a:rPr lang="de-DE" dirty="0"/>
+              <a:t> </a:t>
+            </a:r>
+            <a:r>
+              <a:rPr lang="de-DE" dirty="0" err="1"/>
+              <a:t>to</a:t>
+            </a:r>
+            <a:r>
+              <a:rPr lang="de-DE" dirty="0"/>
+              <a:t> ARFF </a:t>
+            </a:r>
+            <a:r>
+              <a:rPr lang="de-DE" dirty="0" err="1"/>
+              <a:t>format</a:t>
+            </a:r>
+            <a:endParaRPr lang="de-DE" dirty="0"/>
+          </a:p>
+        </p:txBody>
+      </p:sp>
+      <p:sp>
+        <p:nvSpPr>
+          <p:cNvPr id="3" name="Inhaltsplatzhalter 2">
+            <a:extLst>
+              <a:ext uri="{FF2B5EF4-FFF2-40B4-BE49-F238E27FC236}">
+                <a16:creationId xmlns:a16="http://schemas.microsoft.com/office/drawing/2014/main" id="{B7A33E4F-2D6D-41FB-8317-E13D4F5D9FCC}"/>
+              </a:ext>
+            </a:extLst>
+          </p:cNvPr>
+          <p:cNvSpPr>
+            <a:spLocks noGrp="1"/>
+          </p:cNvSpPr>
+          <p:nvPr>
+            <p:ph idx="1"/>
+          </p:nvPr>
+        </p:nvSpPr>
+        <p:spPr>
+          <a:xfrm>
+            <a:off x="360000" y="1569829"/>
+            <a:ext cx="8532480" cy="4479943"/>
+          </a:xfrm>
+        </p:spPr>
+        <p:txBody>
+          <a:bodyPr/>
+          <a:lstStyle/>
+          <a:p>
+            <a:pPr lvl="1"/>
+            <a:r>
+              <a:rPr lang="de-DE" dirty="0" err="1"/>
+              <a:t>Example</a:t>
+            </a:r>
+            <a:r>
+              <a:rPr lang="de-DE" dirty="0"/>
+              <a:t> </a:t>
+            </a:r>
+            <a:r>
+              <a:rPr lang="de-DE" dirty="0" err="1"/>
+              <a:t>for</a:t>
+            </a:r>
+            <a:r>
+              <a:rPr lang="de-DE" dirty="0"/>
+              <a:t> </a:t>
+            </a:r>
+            <a:r>
+              <a:rPr lang="de-DE" dirty="0" err="1"/>
+              <a:t>move</a:t>
+            </a:r>
+            <a:r>
+              <a:rPr lang="de-DE" dirty="0"/>
+              <a:t> </a:t>
+            </a:r>
+            <a:r>
+              <a:rPr lang="de-DE" dirty="0" err="1"/>
+              <a:t>annotations</a:t>
             </a:r>
             <a:r>
               <a:rPr lang="de-DE" dirty="0"/>
@@ -7862,12 +8788,92 @@
             </a:r>
             <a:r>
               <a:rPr lang="de-DE" dirty="0" err="1"/>
-              <a:t>Classes</a:t>
+              <a:t>classes</a:t>
             </a:r>
             <a:r>
               <a:rPr lang="de-DE" dirty="0"/>
               <a:t>)</a:t>
             </a:r>
+          </a:p>
+          <a:p>
+            <a:pPr lvl="2"/>
+            <a:r>
+              <a:rPr lang="de-DE" dirty="0"/>
+              <a:t>Comment 1:   </a:t>
+            </a:r>
+            <a:r>
+              <a:rPr lang="en-US" dirty="0"/>
+              <a:t>“a brilliant counterattack of white”	</a:t>
+            </a:r>
+            <a:r>
+              <a:rPr lang="en-US" dirty="0">
+                <a:sym typeface="Wingdings" panose="05000000000000000000" pitchFamily="2" charset="2"/>
+              </a:rPr>
+              <a:t> class 1 (good move)</a:t>
+            </a:r>
+            <a:endParaRPr lang="en-US" dirty="0"/>
+          </a:p>
+          <a:p>
+            <a:pPr lvl="2"/>
+            <a:r>
+              <a:rPr lang="en-US" dirty="0"/>
+              <a:t>Comment 2:   “a big mistake of black”		</a:t>
+            </a:r>
+            <a:r>
+              <a:rPr lang="en-US" dirty="0">
+                <a:sym typeface="Wingdings" panose="05000000000000000000" pitchFamily="2" charset="2"/>
+              </a:rPr>
+              <a:t> class 2 (poor move)</a:t>
+            </a:r>
+            <a:r>
+              <a:rPr lang="en-US" dirty="0"/>
+              <a:t>	 </a:t>
+            </a:r>
+            <a:endParaRPr lang="de-DE" dirty="0"/>
+          </a:p>
+        </p:txBody>
+      </p:sp>
+      <p:sp>
+        <p:nvSpPr>
+          <p:cNvPr id="6" name="Pfeil: nach unten 5">
+            <a:extLst>
+              <a:ext uri="{FF2B5EF4-FFF2-40B4-BE49-F238E27FC236}">
+                <a16:creationId xmlns:a16="http://schemas.microsoft.com/office/drawing/2014/main" id="{21D66F9B-FC41-40CE-B24E-C7EEEE8CCCF8}"/>
+              </a:ext>
+            </a:extLst>
+          </p:cNvPr>
+          <p:cNvSpPr/>
+          <p:nvPr/>
+        </p:nvSpPr>
+        <p:spPr>
+          <a:xfrm>
+            <a:off x="4283968" y="2950840"/>
+            <a:ext cx="504056" cy="838200"/>
+          </a:xfrm>
+          <a:prstGeom prst="downArrow">
+            <a:avLst/>
+          </a:prstGeom>
+        </p:spPr>
+        <p:style>
+          <a:lnRef idx="2">
+            <a:schemeClr val="accent6"/>
+          </a:lnRef>
+          <a:fillRef idx="1">
+            <a:schemeClr val="lt1"/>
+          </a:fillRef>
+          <a:effectRef idx="0">
+            <a:schemeClr val="accent6"/>
+          </a:effectRef>
+          <a:fontRef idx="minor">
+            <a:schemeClr val="dk1"/>
+          </a:fontRef>
+        </p:style>
+        <p:txBody>
+          <a:bodyPr rtlCol="0" anchor="ctr"/>
+          <a:lstStyle/>
+          <a:p>
+            <a:pPr algn="ctr"/>
+            <a:endParaRPr lang="de-DE"/>
           </a:p>
         </p:txBody>
       </p:sp>
@@ -7876,7 +8882,7 @@
           <p:cNvPr id="4" name="Grafik 3">
             <a:extLst>
               <a:ext uri="{FF2B5EF4-FFF2-40B4-BE49-F238E27FC236}">
-                <a16:creationId xmlns:a16="http://schemas.microsoft.com/office/drawing/2014/main" id="{72A53C83-663E-4CB4-8B8A-D8374E9B658A}"/>
+                <a16:creationId xmlns:a16="http://schemas.microsoft.com/office/drawing/2014/main" id="{54E3224D-A372-4AC3-AF13-2D5C5850EEDB}"/>
               </a:ext>
             </a:extLst>
           </p:cNvPr>
@@ -7893,8 +8899,8 @@
         </p:blipFill>
         <p:spPr>
           <a:xfrm>
-            <a:off x="1262062" y="1988840"/>
-            <a:ext cx="6619875" cy="3867150"/>
+            <a:off x="2295525" y="4014564"/>
+            <a:ext cx="4552950" cy="1790700"/>
           </a:xfrm>
           <a:prstGeom prst="rect">
             <a:avLst/>
@@ -7904,7 +8910,7 @@
     </p:spTree>
     <p:extLst>
       <p:ext uri="{BB962C8B-B14F-4D97-AF65-F5344CB8AC3E}">
-        <p14:creationId xmlns:p14="http://schemas.microsoft.com/office/powerpoint/2010/main" val="346114869"/>
+        <p14:creationId xmlns:p14="http://schemas.microsoft.com/office/powerpoint/2010/main" val="1150636241"/>
       </p:ext>
     </p:extLst>
   </p:cSld>
@@ -7936,7 +8942,7 @@
           <p:cNvPr id="2" name="Titel 1">
             <a:extLst>
               <a:ext uri="{FF2B5EF4-FFF2-40B4-BE49-F238E27FC236}">
-                <a16:creationId xmlns:a16="http://schemas.microsoft.com/office/drawing/2014/main" id="{7F26842D-907B-4305-94EF-4AD1818B6689}"/>
+                <a16:creationId xmlns:a16="http://schemas.microsoft.com/office/drawing/2014/main" id="{27E7F44A-9CA7-4473-B8B2-575587306C66}"/>
               </a:ext>
             </a:extLst>
           </p:cNvPr>
@@ -7954,65 +8960,735 @@
           <a:p>
             <a:r>
               <a:rPr lang="de-DE" dirty="0" err="1"/>
-              <a:t>Results</a:t>
-            </a:r>
-            <a:r>
-              <a:rPr lang="de-DE" dirty="0"/>
-              <a:t> - Move </a:t>
-            </a:r>
-            <a:r>
-              <a:rPr lang="de-DE" dirty="0" err="1"/>
-              <a:t>Annotations</a:t>
-            </a:r>
-            <a:r>
-              <a:rPr lang="de-DE" dirty="0"/>
-              <a:t> (6 </a:t>
-            </a:r>
-            <a:r>
-              <a:rPr lang="de-DE" dirty="0" err="1"/>
-              <a:t>Classes</a:t>
-            </a:r>
-            <a:r>
-              <a:rPr lang="de-DE" dirty="0"/>
-              <a:t>)</a:t>
-            </a:r>
+              <a:t>Weka</a:t>
+            </a:r>
+            <a:endParaRPr lang="de-DE" dirty="0"/>
           </a:p>
         </p:txBody>
       </p:sp>
-      <p:pic>
-        <p:nvPicPr>
-          <p:cNvPr id="3" name="Grafik 2">
+      <p:sp>
+        <p:nvSpPr>
+          <p:cNvPr id="3" name="Inhaltsplatzhalter 2">
             <a:extLst>
               <a:ext uri="{FF2B5EF4-FFF2-40B4-BE49-F238E27FC236}">
-                <a16:creationId xmlns:a16="http://schemas.microsoft.com/office/drawing/2014/main" id="{D3DDCE2E-4E72-45BD-A646-8570FF91CA1C}"/>
+                <a16:creationId xmlns:a16="http://schemas.microsoft.com/office/drawing/2014/main" id="{B7A33E4F-2D6D-41FB-8317-E13D4F5D9FCC}"/>
               </a:ext>
             </a:extLst>
           </p:cNvPr>
-          <p:cNvPicPr>
-            <a:picLocks noChangeAspect="1"/>
-          </p:cNvPicPr>
-          <p:nvPr/>
-        </p:nvPicPr>
-        <p:blipFill>
-          <a:blip r:embed="rId2"/>
-          <a:stretch>
-            <a:fillRect/>
-          </a:stretch>
-        </p:blipFill>
+          <p:cNvSpPr>
+            <a:spLocks noGrp="1"/>
+          </p:cNvSpPr>
+          <p:nvPr>
+            <p:ph idx="1"/>
+          </p:nvPr>
+        </p:nvSpPr>
         <p:spPr>
           <a:xfrm>
-            <a:off x="1247775" y="1914872"/>
-            <a:ext cx="6648450" cy="3962400"/>
+            <a:off x="360000" y="1569829"/>
+            <a:ext cx="8532480" cy="4479943"/>
+          </a:xfrm>
+        </p:spPr>
+        <p:txBody>
+          <a:bodyPr/>
+          <a:lstStyle/>
+          <a:p>
+            <a:pPr lvl="1"/>
+            <a:r>
+              <a:rPr lang="de-DE" dirty="0"/>
+              <a:t>Evaluation </a:t>
+            </a:r>
+            <a:r>
+              <a:rPr lang="de-DE" dirty="0" err="1"/>
+              <a:t>method</a:t>
+            </a:r>
+            <a:r>
+              <a:rPr lang="de-DE" dirty="0"/>
+              <a:t>:	</a:t>
+            </a:r>
+            <a:r>
+              <a:rPr lang="de-DE" dirty="0" err="1"/>
+              <a:t>accuracy</a:t>
+            </a:r>
+            <a:endParaRPr lang="de-DE" dirty="0"/>
+          </a:p>
+          <a:p>
+            <a:pPr lvl="1"/>
+            <a:r>
+              <a:rPr lang="de-DE" dirty="0"/>
+              <a:t>Validation </a:t>
+            </a:r>
+            <a:r>
+              <a:rPr lang="de-DE" dirty="0" err="1"/>
+              <a:t>method</a:t>
+            </a:r>
+            <a:r>
+              <a:rPr lang="de-DE" dirty="0"/>
+              <a:t>:	10-fold </a:t>
+            </a:r>
+            <a:r>
+              <a:rPr lang="de-DE" dirty="0" err="1"/>
+              <a:t>cross</a:t>
+            </a:r>
+            <a:r>
+              <a:rPr lang="de-DE" dirty="0"/>
+              <a:t>-validation</a:t>
+            </a:r>
+          </a:p>
+          <a:p>
+            <a:pPr lvl="1"/>
+            <a:r>
+              <a:rPr lang="de-DE" dirty="0" err="1"/>
+              <a:t>Classifiers</a:t>
+            </a:r>
+            <a:r>
+              <a:rPr lang="de-DE" dirty="0"/>
+              <a:t>:</a:t>
+            </a:r>
+          </a:p>
+          <a:p>
+            <a:pPr lvl="1"/>
+            <a:endParaRPr lang="de-DE" dirty="0"/>
+          </a:p>
+          <a:p>
+            <a:pPr lvl="1"/>
+            <a:endParaRPr lang="de-DE" dirty="0"/>
+          </a:p>
+          <a:p>
+            <a:pPr lvl="1"/>
+            <a:endParaRPr lang="de-DE" dirty="0"/>
+          </a:p>
+          <a:p>
+            <a:pPr lvl="1"/>
+            <a:endParaRPr lang="de-DE" dirty="0"/>
+          </a:p>
+          <a:p>
+            <a:pPr lvl="1"/>
+            <a:endParaRPr lang="de-DE" dirty="0"/>
+          </a:p>
+        </p:txBody>
+      </p:sp>
+      <p:sp>
+        <p:nvSpPr>
+          <p:cNvPr id="8" name="Inhaltsplatzhalter 2">
+            <a:extLst>
+              <a:ext uri="{FF2B5EF4-FFF2-40B4-BE49-F238E27FC236}">
+                <a16:creationId xmlns:a16="http://schemas.microsoft.com/office/drawing/2014/main" id="{39E38303-620F-4835-9FF3-DA91458BA83B}"/>
+              </a:ext>
+            </a:extLst>
+          </p:cNvPr>
+          <p:cNvSpPr txBox="1">
+            <a:spLocks/>
+          </p:cNvSpPr>
+          <p:nvPr/>
+        </p:nvSpPr>
+        <p:spPr bwMode="auto">
+          <a:xfrm>
+            <a:off x="256411" y="2896460"/>
+            <a:ext cx="3781511" cy="2391711"/>
           </a:xfrm>
           <a:prstGeom prst="rect">
             <a:avLst/>
           </a:prstGeom>
+          <a:noFill/>
+          <a:ln w="9525">
+            <a:noFill/>
+            <a:miter lim="800000"/>
+            <a:headEnd/>
+            <a:tailEnd/>
+          </a:ln>
+          <a:effectLst/>
         </p:spPr>
-      </p:pic>
+        <p:txBody>
+          <a:bodyPr vert="horz" wrap="square" lIns="0" tIns="45720" rIns="0" bIns="45720" numCol="1" anchor="t" anchorCtr="0" compatLnSpc="1">
+            <a:prstTxWarp prst="textNoShape">
+              <a:avLst/>
+            </a:prstTxWarp>
+          </a:bodyPr>
+          <a:lstStyle>
+            <a:lvl1pPr marL="179388" indent="-179388" algn="l" rtl="0" eaLnBrk="1" fontAlgn="base" hangingPunct="1">
+              <a:lnSpc>
+                <a:spcPct val="130000"/>
+              </a:lnSpc>
+              <a:spcBef>
+                <a:spcPts val="200"/>
+              </a:spcBef>
+              <a:spcAft>
+                <a:spcPts val="230"/>
+              </a:spcAft>
+              <a:buFont typeface="Wingdings" pitchFamily="2" charset="2"/>
+              <a:buNone/>
+              <a:defRPr sz="2000">
+                <a:solidFill>
+                  <a:schemeClr val="tx1"/>
+                </a:solidFill>
+                <a:latin typeface="+mn-lt"/>
+                <a:ea typeface="+mn-ea"/>
+                <a:cs typeface="Tahoma" pitchFamily="34" charset="0"/>
+              </a:defRPr>
+            </a:lvl1pPr>
+            <a:lvl2pPr marL="179388" indent="-177800" algn="l" rtl="0" eaLnBrk="1" fontAlgn="base" hangingPunct="1">
+              <a:lnSpc>
+                <a:spcPct val="130000"/>
+              </a:lnSpc>
+              <a:spcBef>
+                <a:spcPts val="200"/>
+              </a:spcBef>
+              <a:spcAft>
+                <a:spcPts val="230"/>
+              </a:spcAft>
+              <a:buFont typeface="Wingdings" pitchFamily="2" charset="2"/>
+              <a:buChar char="§"/>
+              <a:defRPr sz="2000">
+                <a:solidFill>
+                  <a:schemeClr val="tx1"/>
+                </a:solidFill>
+                <a:latin typeface="+mn-lt"/>
+                <a:cs typeface="Tahoma" pitchFamily="34" charset="0"/>
+              </a:defRPr>
+            </a:lvl2pPr>
+            <a:lvl3pPr marL="538163" indent="-187325" algn="l" rtl="0" eaLnBrk="1" fontAlgn="base" hangingPunct="1">
+              <a:lnSpc>
+                <a:spcPct val="130000"/>
+              </a:lnSpc>
+              <a:spcBef>
+                <a:spcPts val="200"/>
+              </a:spcBef>
+              <a:spcAft>
+                <a:spcPts val="230"/>
+              </a:spcAft>
+              <a:buFont typeface="Wingdings" pitchFamily="2" charset="2"/>
+              <a:buChar char="§"/>
+              <a:defRPr>
+                <a:solidFill>
+                  <a:schemeClr val="tx1"/>
+                </a:solidFill>
+                <a:latin typeface="+mn-lt"/>
+                <a:cs typeface="Tahoma" pitchFamily="34" charset="0"/>
+              </a:defRPr>
+            </a:lvl3pPr>
+            <a:lvl4pPr marL="717550" indent="-173038" algn="l" rtl="0" eaLnBrk="1" fontAlgn="base" hangingPunct="1">
+              <a:lnSpc>
+                <a:spcPct val="130000"/>
+              </a:lnSpc>
+              <a:spcBef>
+                <a:spcPts val="200"/>
+              </a:spcBef>
+              <a:spcAft>
+                <a:spcPts val="230"/>
+              </a:spcAft>
+              <a:buFont typeface="Wingdings" pitchFamily="2" charset="2"/>
+              <a:buChar char="§"/>
+              <a:defRPr sz="1600">
+                <a:solidFill>
+                  <a:schemeClr val="tx1"/>
+                </a:solidFill>
+                <a:latin typeface="+mn-lt"/>
+                <a:cs typeface="Tahoma" pitchFamily="34" charset="0"/>
+              </a:defRPr>
+            </a:lvl4pPr>
+            <a:lvl5pPr marL="908050" indent="-188913" algn="l" rtl="0" eaLnBrk="1" fontAlgn="base" hangingPunct="1">
+              <a:lnSpc>
+                <a:spcPct val="130000"/>
+              </a:lnSpc>
+              <a:spcBef>
+                <a:spcPts val="200"/>
+              </a:spcBef>
+              <a:spcAft>
+                <a:spcPts val="230"/>
+              </a:spcAft>
+              <a:buFont typeface="Wingdings" pitchFamily="2" charset="2"/>
+              <a:buChar char="§"/>
+              <a:defRPr sz="1600">
+                <a:solidFill>
+                  <a:schemeClr val="tx1"/>
+                </a:solidFill>
+                <a:latin typeface="+mn-lt"/>
+                <a:cs typeface="Tahoma" pitchFamily="34" charset="0"/>
+              </a:defRPr>
+            </a:lvl5pPr>
+            <a:lvl6pPr marL="1365250" indent="-188913" algn="l" rtl="0" eaLnBrk="1" fontAlgn="base" hangingPunct="1">
+              <a:spcBef>
+                <a:spcPct val="20000"/>
+              </a:spcBef>
+              <a:spcAft>
+                <a:spcPct val="0"/>
+              </a:spcAft>
+              <a:buFont typeface="Wingdings" pitchFamily="2" charset="2"/>
+              <a:buChar char="§"/>
+              <a:defRPr sz="1600">
+                <a:solidFill>
+                  <a:schemeClr val="tx1"/>
+                </a:solidFill>
+                <a:latin typeface="+mn-lt"/>
+              </a:defRPr>
+            </a:lvl6pPr>
+            <a:lvl7pPr marL="1822450" indent="-188913" algn="l" rtl="0" eaLnBrk="1" fontAlgn="base" hangingPunct="1">
+              <a:spcBef>
+                <a:spcPct val="20000"/>
+              </a:spcBef>
+              <a:spcAft>
+                <a:spcPct val="0"/>
+              </a:spcAft>
+              <a:buFont typeface="Wingdings" pitchFamily="2" charset="2"/>
+              <a:buChar char="§"/>
+              <a:defRPr sz="1600">
+                <a:solidFill>
+                  <a:schemeClr val="tx1"/>
+                </a:solidFill>
+                <a:latin typeface="+mn-lt"/>
+              </a:defRPr>
+            </a:lvl7pPr>
+            <a:lvl8pPr marL="2279650" indent="-188913" algn="l" rtl="0" eaLnBrk="1" fontAlgn="base" hangingPunct="1">
+              <a:spcBef>
+                <a:spcPct val="20000"/>
+              </a:spcBef>
+              <a:spcAft>
+                <a:spcPct val="0"/>
+              </a:spcAft>
+              <a:buFont typeface="Wingdings" pitchFamily="2" charset="2"/>
+              <a:buChar char="§"/>
+              <a:defRPr sz="1600">
+                <a:solidFill>
+                  <a:schemeClr val="tx1"/>
+                </a:solidFill>
+                <a:latin typeface="+mn-lt"/>
+              </a:defRPr>
+            </a:lvl8pPr>
+            <a:lvl9pPr marL="2736850" indent="-188913" algn="l" rtl="0" eaLnBrk="1" fontAlgn="base" hangingPunct="1">
+              <a:spcBef>
+                <a:spcPct val="20000"/>
+              </a:spcBef>
+              <a:spcAft>
+                <a:spcPct val="0"/>
+              </a:spcAft>
+              <a:buFont typeface="Wingdings" pitchFamily="2" charset="2"/>
+              <a:buChar char="§"/>
+              <a:defRPr sz="1600">
+                <a:solidFill>
+                  <a:schemeClr val="tx1"/>
+                </a:solidFill>
+                <a:latin typeface="+mn-lt"/>
+              </a:defRPr>
+            </a:lvl9pPr>
+          </a:lstStyle>
+          <a:p>
+            <a:pPr lvl="2"/>
+            <a:r>
+              <a:rPr lang="de-DE" kern="0" dirty="0" err="1"/>
+              <a:t>Multiclass</a:t>
+            </a:r>
+            <a:r>
+              <a:rPr lang="de-DE" kern="0" dirty="0"/>
+              <a:t> </a:t>
+            </a:r>
+            <a:r>
+              <a:rPr lang="de-DE" kern="0" dirty="0" err="1"/>
+              <a:t>Classifier</a:t>
+            </a:r>
+            <a:r>
+              <a:rPr lang="de-DE" kern="0" dirty="0"/>
+              <a:t> (MCC)</a:t>
+            </a:r>
+          </a:p>
+          <a:p>
+            <a:pPr lvl="3"/>
+            <a:r>
+              <a:rPr lang="de-DE" kern="0" dirty="0" err="1"/>
+              <a:t>One</a:t>
+            </a:r>
+            <a:r>
+              <a:rPr lang="de-DE" kern="0" dirty="0"/>
+              <a:t>-</a:t>
+            </a:r>
+            <a:r>
+              <a:rPr lang="de-DE" kern="0" dirty="0" err="1"/>
+              <a:t>against</a:t>
+            </a:r>
+            <a:r>
+              <a:rPr lang="de-DE" kern="0" dirty="0"/>
+              <a:t>-All (MCC0)</a:t>
+            </a:r>
+          </a:p>
+          <a:p>
+            <a:pPr lvl="3"/>
+            <a:r>
+              <a:rPr lang="de-DE" kern="0" dirty="0" err="1"/>
+              <a:t>One-against-One</a:t>
+            </a:r>
+            <a:r>
+              <a:rPr lang="de-DE" kern="0" dirty="0"/>
+              <a:t> (MCC3)</a:t>
+            </a:r>
+          </a:p>
+          <a:p>
+            <a:pPr lvl="3"/>
+            <a:r>
+              <a:rPr lang="de-DE" kern="0" dirty="0" err="1"/>
+              <a:t>One-against-One</a:t>
+            </a:r>
+            <a:r>
+              <a:rPr lang="de-DE" kern="0" dirty="0"/>
+              <a:t> </a:t>
+            </a:r>
+            <a:r>
+              <a:rPr lang="de-DE" kern="0" dirty="0" err="1"/>
+              <a:t>with</a:t>
+            </a:r>
+            <a:r>
+              <a:rPr lang="de-DE" kern="0" dirty="0"/>
+              <a:t> </a:t>
+            </a:r>
+            <a:r>
+              <a:rPr lang="de-DE" kern="0" dirty="0" err="1"/>
+              <a:t>Pairwise</a:t>
+            </a:r>
+            <a:r>
+              <a:rPr lang="de-DE" kern="0" dirty="0"/>
+              <a:t> </a:t>
+            </a:r>
+            <a:r>
+              <a:rPr lang="de-DE" kern="0" dirty="0" err="1"/>
+              <a:t>Coupling</a:t>
+            </a:r>
+            <a:r>
+              <a:rPr lang="de-DE" kern="0" dirty="0"/>
+              <a:t> (MCC3P)</a:t>
+            </a:r>
+          </a:p>
+          <a:p>
+            <a:pPr lvl="2"/>
+            <a:r>
+              <a:rPr lang="de-DE" kern="0" dirty="0"/>
+              <a:t>Ordinal Class </a:t>
+            </a:r>
+            <a:r>
+              <a:rPr lang="de-DE" kern="0" dirty="0" err="1"/>
+              <a:t>Classifier</a:t>
+            </a:r>
+            <a:r>
+              <a:rPr lang="de-DE" kern="0" dirty="0"/>
+              <a:t> (OCC)</a:t>
+            </a:r>
+          </a:p>
+          <a:p>
+            <a:pPr lvl="1"/>
+            <a:endParaRPr lang="de-DE" kern="0" dirty="0"/>
+          </a:p>
+          <a:p>
+            <a:pPr lvl="1"/>
+            <a:endParaRPr lang="de-DE" kern="0" dirty="0"/>
+          </a:p>
+          <a:p>
+            <a:pPr lvl="1"/>
+            <a:endParaRPr lang="de-DE" kern="0" dirty="0"/>
+          </a:p>
+          <a:p>
+            <a:pPr lvl="1"/>
+            <a:endParaRPr lang="de-DE" kern="0" dirty="0"/>
+          </a:p>
+          <a:p>
+            <a:pPr lvl="1"/>
+            <a:endParaRPr lang="de-DE" kern="0" dirty="0"/>
+          </a:p>
+        </p:txBody>
+      </p:sp>
+      <p:sp>
+        <p:nvSpPr>
+          <p:cNvPr id="9" name="Inhaltsplatzhalter 2">
+            <a:extLst>
+              <a:ext uri="{FF2B5EF4-FFF2-40B4-BE49-F238E27FC236}">
+                <a16:creationId xmlns:a16="http://schemas.microsoft.com/office/drawing/2014/main" id="{C6E3BD3F-A5D2-4B4C-89BA-EBECFA216B88}"/>
+              </a:ext>
+            </a:extLst>
+          </p:cNvPr>
+          <p:cNvSpPr txBox="1">
+            <a:spLocks/>
+          </p:cNvSpPr>
+          <p:nvPr/>
+        </p:nvSpPr>
+        <p:spPr bwMode="auto">
+          <a:xfrm>
+            <a:off x="4141511" y="2901093"/>
+            <a:ext cx="3907200" cy="2679743"/>
+          </a:xfrm>
+          <a:prstGeom prst="rect">
+            <a:avLst/>
+          </a:prstGeom>
+          <a:noFill/>
+          <a:ln w="9525">
+            <a:noFill/>
+            <a:miter lim="800000"/>
+            <a:headEnd/>
+            <a:tailEnd/>
+          </a:ln>
+          <a:effectLst/>
+        </p:spPr>
+        <p:txBody>
+          <a:bodyPr vert="horz" wrap="square" lIns="0" tIns="45720" rIns="0" bIns="45720" numCol="1" anchor="t" anchorCtr="0" compatLnSpc="1">
+            <a:prstTxWarp prst="textNoShape">
+              <a:avLst/>
+            </a:prstTxWarp>
+          </a:bodyPr>
+          <a:lstStyle>
+            <a:lvl1pPr marL="179388" indent="-179388" algn="l" rtl="0" eaLnBrk="1" fontAlgn="base" hangingPunct="1">
+              <a:lnSpc>
+                <a:spcPct val="130000"/>
+              </a:lnSpc>
+              <a:spcBef>
+                <a:spcPts val="200"/>
+              </a:spcBef>
+              <a:spcAft>
+                <a:spcPts val="230"/>
+              </a:spcAft>
+              <a:buFont typeface="Wingdings" pitchFamily="2" charset="2"/>
+              <a:buNone/>
+              <a:defRPr sz="2000">
+                <a:solidFill>
+                  <a:schemeClr val="tx1"/>
+                </a:solidFill>
+                <a:latin typeface="+mn-lt"/>
+                <a:ea typeface="+mn-ea"/>
+                <a:cs typeface="Tahoma" pitchFamily="34" charset="0"/>
+              </a:defRPr>
+            </a:lvl1pPr>
+            <a:lvl2pPr marL="179388" indent="-177800" algn="l" rtl="0" eaLnBrk="1" fontAlgn="base" hangingPunct="1">
+              <a:lnSpc>
+                <a:spcPct val="130000"/>
+              </a:lnSpc>
+              <a:spcBef>
+                <a:spcPts val="200"/>
+              </a:spcBef>
+              <a:spcAft>
+                <a:spcPts val="230"/>
+              </a:spcAft>
+              <a:buFont typeface="Wingdings" pitchFamily="2" charset="2"/>
+              <a:buChar char="§"/>
+              <a:defRPr sz="2000">
+                <a:solidFill>
+                  <a:schemeClr val="tx1"/>
+                </a:solidFill>
+                <a:latin typeface="+mn-lt"/>
+                <a:cs typeface="Tahoma" pitchFamily="34" charset="0"/>
+              </a:defRPr>
+            </a:lvl2pPr>
+            <a:lvl3pPr marL="538163" indent="-187325" algn="l" rtl="0" eaLnBrk="1" fontAlgn="base" hangingPunct="1">
+              <a:lnSpc>
+                <a:spcPct val="130000"/>
+              </a:lnSpc>
+              <a:spcBef>
+                <a:spcPts val="200"/>
+              </a:spcBef>
+              <a:spcAft>
+                <a:spcPts val="230"/>
+              </a:spcAft>
+              <a:buFont typeface="Wingdings" pitchFamily="2" charset="2"/>
+              <a:buChar char="§"/>
+              <a:defRPr>
+                <a:solidFill>
+                  <a:schemeClr val="tx1"/>
+                </a:solidFill>
+                <a:latin typeface="+mn-lt"/>
+                <a:cs typeface="Tahoma" pitchFamily="34" charset="0"/>
+              </a:defRPr>
+            </a:lvl3pPr>
+            <a:lvl4pPr marL="717550" indent="-173038" algn="l" rtl="0" eaLnBrk="1" fontAlgn="base" hangingPunct="1">
+              <a:lnSpc>
+                <a:spcPct val="130000"/>
+              </a:lnSpc>
+              <a:spcBef>
+                <a:spcPts val="200"/>
+              </a:spcBef>
+              <a:spcAft>
+                <a:spcPts val="230"/>
+              </a:spcAft>
+              <a:buFont typeface="Wingdings" pitchFamily="2" charset="2"/>
+              <a:buChar char="§"/>
+              <a:defRPr sz="1600">
+                <a:solidFill>
+                  <a:schemeClr val="tx1"/>
+                </a:solidFill>
+                <a:latin typeface="+mn-lt"/>
+                <a:cs typeface="Tahoma" pitchFamily="34" charset="0"/>
+              </a:defRPr>
+            </a:lvl4pPr>
+            <a:lvl5pPr marL="908050" indent="-188913" algn="l" rtl="0" eaLnBrk="1" fontAlgn="base" hangingPunct="1">
+              <a:lnSpc>
+                <a:spcPct val="130000"/>
+              </a:lnSpc>
+              <a:spcBef>
+                <a:spcPts val="200"/>
+              </a:spcBef>
+              <a:spcAft>
+                <a:spcPts val="230"/>
+              </a:spcAft>
+              <a:buFont typeface="Wingdings" pitchFamily="2" charset="2"/>
+              <a:buChar char="§"/>
+              <a:defRPr sz="1600">
+                <a:solidFill>
+                  <a:schemeClr val="tx1"/>
+                </a:solidFill>
+                <a:latin typeface="+mn-lt"/>
+                <a:cs typeface="Tahoma" pitchFamily="34" charset="0"/>
+              </a:defRPr>
+            </a:lvl5pPr>
+            <a:lvl6pPr marL="1365250" indent="-188913" algn="l" rtl="0" eaLnBrk="1" fontAlgn="base" hangingPunct="1">
+              <a:spcBef>
+                <a:spcPct val="20000"/>
+              </a:spcBef>
+              <a:spcAft>
+                <a:spcPct val="0"/>
+              </a:spcAft>
+              <a:buFont typeface="Wingdings" pitchFamily="2" charset="2"/>
+              <a:buChar char="§"/>
+              <a:defRPr sz="1600">
+                <a:solidFill>
+                  <a:schemeClr val="tx1"/>
+                </a:solidFill>
+                <a:latin typeface="+mn-lt"/>
+              </a:defRPr>
+            </a:lvl6pPr>
+            <a:lvl7pPr marL="1822450" indent="-188913" algn="l" rtl="0" eaLnBrk="1" fontAlgn="base" hangingPunct="1">
+              <a:spcBef>
+                <a:spcPct val="20000"/>
+              </a:spcBef>
+              <a:spcAft>
+                <a:spcPct val="0"/>
+              </a:spcAft>
+              <a:buFont typeface="Wingdings" pitchFamily="2" charset="2"/>
+              <a:buChar char="§"/>
+              <a:defRPr sz="1600">
+                <a:solidFill>
+                  <a:schemeClr val="tx1"/>
+                </a:solidFill>
+                <a:latin typeface="+mn-lt"/>
+              </a:defRPr>
+            </a:lvl7pPr>
+            <a:lvl8pPr marL="2279650" indent="-188913" algn="l" rtl="0" eaLnBrk="1" fontAlgn="base" hangingPunct="1">
+              <a:spcBef>
+                <a:spcPct val="20000"/>
+              </a:spcBef>
+              <a:spcAft>
+                <a:spcPct val="0"/>
+              </a:spcAft>
+              <a:buFont typeface="Wingdings" pitchFamily="2" charset="2"/>
+              <a:buChar char="§"/>
+              <a:defRPr sz="1600">
+                <a:solidFill>
+                  <a:schemeClr val="tx1"/>
+                </a:solidFill>
+                <a:latin typeface="+mn-lt"/>
+              </a:defRPr>
+            </a:lvl8pPr>
+            <a:lvl9pPr marL="2736850" indent="-188913" algn="l" rtl="0" eaLnBrk="1" fontAlgn="base" hangingPunct="1">
+              <a:spcBef>
+                <a:spcPct val="20000"/>
+              </a:spcBef>
+              <a:spcAft>
+                <a:spcPct val="0"/>
+              </a:spcAft>
+              <a:buFont typeface="Wingdings" pitchFamily="2" charset="2"/>
+              <a:buChar char="§"/>
+              <a:defRPr sz="1600">
+                <a:solidFill>
+                  <a:schemeClr val="tx1"/>
+                </a:solidFill>
+                <a:latin typeface="+mn-lt"/>
+              </a:defRPr>
+            </a:lvl9pPr>
+          </a:lstStyle>
+          <a:p>
+            <a:pPr lvl="2"/>
+            <a:r>
+              <a:rPr lang="de-DE" kern="0" dirty="0" err="1"/>
+              <a:t>Nested</a:t>
+            </a:r>
+            <a:r>
+              <a:rPr lang="de-DE" kern="0" dirty="0"/>
+              <a:t> </a:t>
+            </a:r>
+            <a:r>
+              <a:rPr lang="de-DE" kern="0" dirty="0" err="1"/>
+              <a:t>Dichotomies</a:t>
+            </a:r>
+            <a:r>
+              <a:rPr lang="de-DE" kern="0" dirty="0"/>
+              <a:t> (ND)</a:t>
+            </a:r>
+          </a:p>
+          <a:p>
+            <a:pPr lvl="3"/>
+            <a:r>
+              <a:rPr lang="de-DE" kern="0" dirty="0"/>
+              <a:t>Class-</a:t>
+            </a:r>
+            <a:r>
+              <a:rPr lang="de-DE" kern="0" dirty="0" err="1"/>
+              <a:t>Balanced</a:t>
+            </a:r>
+            <a:r>
+              <a:rPr lang="de-DE" kern="0" dirty="0"/>
+              <a:t> (NDC)</a:t>
+            </a:r>
+          </a:p>
+          <a:p>
+            <a:pPr lvl="3"/>
+            <a:r>
+              <a:rPr lang="de-DE" kern="0" dirty="0"/>
+              <a:t>Data-</a:t>
+            </a:r>
+            <a:r>
+              <a:rPr lang="de-DE" kern="0" dirty="0" err="1"/>
+              <a:t>Balanced</a:t>
+            </a:r>
+            <a:r>
+              <a:rPr lang="de-DE" kern="0" dirty="0"/>
+              <a:t> (NDD)</a:t>
+            </a:r>
+          </a:p>
+          <a:p>
+            <a:pPr lvl="2"/>
+            <a:r>
+              <a:rPr lang="de-DE" kern="0" dirty="0"/>
+              <a:t>Random Forest (RF)</a:t>
+            </a:r>
+          </a:p>
+          <a:p>
+            <a:pPr lvl="2"/>
+            <a:r>
+              <a:rPr lang="de-DE" kern="0" dirty="0" err="1"/>
+              <a:t>Naïve</a:t>
+            </a:r>
+            <a:r>
+              <a:rPr lang="de-DE" kern="0" dirty="0"/>
+              <a:t> Bayes (NB)</a:t>
+            </a:r>
+          </a:p>
+          <a:p>
+            <a:pPr lvl="1"/>
+            <a:endParaRPr lang="de-DE" kern="0" dirty="0"/>
+          </a:p>
+          <a:p>
+            <a:pPr lvl="1"/>
+            <a:endParaRPr lang="de-DE" kern="0" dirty="0"/>
+          </a:p>
+          <a:p>
+            <a:pPr lvl="1"/>
+            <a:endParaRPr lang="de-DE" kern="0" dirty="0"/>
+          </a:p>
+          <a:p>
+            <a:pPr lvl="1"/>
+            <a:endParaRPr lang="de-DE" kern="0" dirty="0"/>
+          </a:p>
+          <a:p>
+            <a:pPr lvl="1"/>
+            <a:endParaRPr lang="de-DE" kern="0" dirty="0"/>
+          </a:p>
+        </p:txBody>
+      </p:sp>
     </p:spTree>
     <p:extLst>
       <p:ext uri="{BB962C8B-B14F-4D97-AF65-F5344CB8AC3E}">
-        <p14:creationId xmlns:p14="http://schemas.microsoft.com/office/powerpoint/2010/main" val="1149962485"/>
+        <p14:creationId xmlns:p14="http://schemas.microsoft.com/office/powerpoint/2010/main" val="2324731263"/>
       </p:ext>
     </p:extLst>
   </p:cSld>
@@ -8066,7 +9742,7 @@
             </a:r>
             <a:r>
               <a:rPr lang="de-DE" dirty="0"/>
-              <a:t> - Position </a:t>
+              <a:t> - Move vs. Position </a:t>
             </a:r>
             <a:r>
               <a:rPr lang="de-DE" dirty="0" err="1"/>
@@ -8074,15 +9750,7 @@
             </a:r>
             <a:r>
               <a:rPr lang="de-DE" dirty="0"/>
-              <a:t> (3 </a:t>
-            </a:r>
-            <a:r>
-              <a:rPr lang="de-DE" dirty="0" err="1"/>
-              <a:t>Classes</a:t>
-            </a:r>
-            <a:r>
-              <a:rPr lang="de-DE" dirty="0"/>
-              <a:t>) </a:t>
+              <a:t> </a:t>
             </a:r>
           </a:p>
         </p:txBody>
@@ -8092,7 +9760,7 @@
           <p:cNvPr id="3" name="Grafik 2">
             <a:extLst>
               <a:ext uri="{FF2B5EF4-FFF2-40B4-BE49-F238E27FC236}">
-                <a16:creationId xmlns:a16="http://schemas.microsoft.com/office/drawing/2014/main" id="{56F5F317-8124-4CDE-B4BB-2F020BB5975A}"/>
+                <a16:creationId xmlns:a16="http://schemas.microsoft.com/office/drawing/2014/main" id="{4A71AEBA-C045-4D19-8B75-CAE9F9F2F4E4}"/>
               </a:ext>
             </a:extLst>
           </p:cNvPr>
@@ -8109,8 +9777,8 @@
         </p:blipFill>
         <p:spPr>
           <a:xfrm>
-            <a:off x="1252537" y="1943447"/>
-            <a:ext cx="6638925" cy="3933825"/>
+            <a:off x="1233487" y="1972022"/>
+            <a:ext cx="6677025" cy="3905250"/>
           </a:xfrm>
           <a:prstGeom prst="rect">
             <a:avLst/>
@@ -8120,7 +9788,7 @@
     </p:spTree>
     <p:extLst>
       <p:ext uri="{BB962C8B-B14F-4D97-AF65-F5344CB8AC3E}">
-        <p14:creationId xmlns:p14="http://schemas.microsoft.com/office/powerpoint/2010/main" val="3632021373"/>
+        <p14:creationId xmlns:p14="http://schemas.microsoft.com/office/powerpoint/2010/main" val="3825839099"/>
       </p:ext>
     </p:extLst>
   </p:cSld>
@@ -8174,6 +9842,456 @@
             </a:r>
             <a:r>
               <a:rPr lang="de-DE" dirty="0"/>
+              <a:t> - Move </a:t>
+            </a:r>
+            <a:r>
+              <a:rPr lang="de-DE" dirty="0" err="1"/>
+              <a:t>Annotations</a:t>
+            </a:r>
+            <a:r>
+              <a:rPr lang="de-DE" dirty="0"/>
+              <a:t> (2 </a:t>
+            </a:r>
+            <a:r>
+              <a:rPr lang="de-DE" dirty="0" err="1"/>
+              <a:t>Classes</a:t>
+            </a:r>
+            <a:r>
+              <a:rPr lang="de-DE" dirty="0"/>
+              <a:t>)</a:t>
+            </a:r>
+          </a:p>
+        </p:txBody>
+      </p:sp>
+      <p:pic>
+        <p:nvPicPr>
+          <p:cNvPr id="4" name="Grafik 3">
+            <a:extLst>
+              <a:ext uri="{FF2B5EF4-FFF2-40B4-BE49-F238E27FC236}">
+                <a16:creationId xmlns:a16="http://schemas.microsoft.com/office/drawing/2014/main" id="{72A53C83-663E-4CB4-8B8A-D8374E9B658A}"/>
+              </a:ext>
+            </a:extLst>
+          </p:cNvPr>
+          <p:cNvPicPr>
+            <a:picLocks noChangeAspect="1"/>
+          </p:cNvPicPr>
+          <p:nvPr/>
+        </p:nvPicPr>
+        <p:blipFill>
+          <a:blip r:embed="rId2"/>
+          <a:stretch>
+            <a:fillRect/>
+          </a:stretch>
+        </p:blipFill>
+        <p:spPr>
+          <a:xfrm>
+            <a:off x="1262062" y="1988840"/>
+            <a:ext cx="6619875" cy="3867150"/>
+          </a:xfrm>
+          <a:prstGeom prst="rect">
+            <a:avLst/>
+          </a:prstGeom>
+        </p:spPr>
+      </p:pic>
+    </p:spTree>
+    <p:extLst>
+      <p:ext uri="{BB962C8B-B14F-4D97-AF65-F5344CB8AC3E}">
+        <p14:creationId xmlns:p14="http://schemas.microsoft.com/office/powerpoint/2010/main" val="346114869"/>
+      </p:ext>
+    </p:extLst>
+  </p:cSld>
+  <p:clrMapOvr>
+    <a:masterClrMapping/>
+  </p:clrMapOvr>
+</p:sld>
+</file>
+
+<file path=ppt/slides/slide18.xml><?xml version="1.0" encoding="utf-8"?>
+<p:sld xmlns:a="http://schemas.openxmlformats.org/drawingml/2006/main" xmlns:r="http://schemas.openxmlformats.org/officeDocument/2006/relationships" xmlns:p="http://schemas.openxmlformats.org/presentationml/2006/main">
+  <p:cSld>
+    <p:spTree>
+      <p:nvGrpSpPr>
+        <p:cNvPr id="1" name=""/>
+        <p:cNvGrpSpPr/>
+        <p:nvPr/>
+      </p:nvGrpSpPr>
+      <p:grpSpPr>
+        <a:xfrm>
+          <a:off x="0" y="0"/>
+          <a:ext cx="0" cy="0"/>
+          <a:chOff x="0" y="0"/>
+          <a:chExt cx="0" cy="0"/>
+        </a:xfrm>
+      </p:grpSpPr>
+      <p:sp>
+        <p:nvSpPr>
+          <p:cNvPr id="2" name="Titel 1">
+            <a:extLst>
+              <a:ext uri="{FF2B5EF4-FFF2-40B4-BE49-F238E27FC236}">
+                <a16:creationId xmlns:a16="http://schemas.microsoft.com/office/drawing/2014/main" id="{7F26842D-907B-4305-94EF-4AD1818B6689}"/>
+              </a:ext>
+            </a:extLst>
+          </p:cNvPr>
+          <p:cNvSpPr>
+            <a:spLocks noGrp="1"/>
+          </p:cNvSpPr>
+          <p:nvPr>
+            <p:ph type="title"/>
+          </p:nvPr>
+        </p:nvSpPr>
+        <p:spPr/>
+        <p:txBody>
+          <a:bodyPr/>
+          <a:lstStyle/>
+          <a:p>
+            <a:r>
+              <a:rPr lang="de-DE" dirty="0" err="1"/>
+              <a:t>Results</a:t>
+            </a:r>
+            <a:r>
+              <a:rPr lang="de-DE" dirty="0"/>
+              <a:t> - Move </a:t>
+            </a:r>
+            <a:r>
+              <a:rPr lang="de-DE" dirty="0" err="1"/>
+              <a:t>Annotations</a:t>
+            </a:r>
+            <a:r>
+              <a:rPr lang="de-DE" dirty="0"/>
+              <a:t> (6 </a:t>
+            </a:r>
+            <a:r>
+              <a:rPr lang="de-DE" dirty="0" err="1"/>
+              <a:t>Classes</a:t>
+            </a:r>
+            <a:r>
+              <a:rPr lang="de-DE" dirty="0"/>
+              <a:t>)</a:t>
+            </a:r>
+          </a:p>
+        </p:txBody>
+      </p:sp>
+      <p:pic>
+        <p:nvPicPr>
+          <p:cNvPr id="3" name="Grafik 2">
+            <a:extLst>
+              <a:ext uri="{FF2B5EF4-FFF2-40B4-BE49-F238E27FC236}">
+                <a16:creationId xmlns:a16="http://schemas.microsoft.com/office/drawing/2014/main" id="{D3DDCE2E-4E72-45BD-A646-8570FF91CA1C}"/>
+              </a:ext>
+            </a:extLst>
+          </p:cNvPr>
+          <p:cNvPicPr>
+            <a:picLocks noChangeAspect="1"/>
+          </p:cNvPicPr>
+          <p:nvPr/>
+        </p:nvPicPr>
+        <p:blipFill>
+          <a:blip r:embed="rId2"/>
+          <a:stretch>
+            <a:fillRect/>
+          </a:stretch>
+        </p:blipFill>
+        <p:spPr>
+          <a:xfrm>
+            <a:off x="1247775" y="1914872"/>
+            <a:ext cx="6648450" cy="3962400"/>
+          </a:xfrm>
+          <a:prstGeom prst="rect">
+            <a:avLst/>
+          </a:prstGeom>
+        </p:spPr>
+      </p:pic>
+    </p:spTree>
+    <p:extLst>
+      <p:ext uri="{BB962C8B-B14F-4D97-AF65-F5344CB8AC3E}">
+        <p14:creationId xmlns:p14="http://schemas.microsoft.com/office/powerpoint/2010/main" val="1149962485"/>
+      </p:ext>
+    </p:extLst>
+  </p:cSld>
+  <p:clrMapOvr>
+    <a:masterClrMapping/>
+  </p:clrMapOvr>
+</p:sld>
+</file>
+
+<file path=ppt/slides/slide19.xml><?xml version="1.0" encoding="utf-8"?>
+<p:sld xmlns:a="http://schemas.openxmlformats.org/drawingml/2006/main" xmlns:r="http://schemas.openxmlformats.org/officeDocument/2006/relationships" xmlns:p="http://schemas.openxmlformats.org/presentationml/2006/main">
+  <p:cSld>
+    <p:spTree>
+      <p:nvGrpSpPr>
+        <p:cNvPr id="1" name=""/>
+        <p:cNvGrpSpPr/>
+        <p:nvPr/>
+      </p:nvGrpSpPr>
+      <p:grpSpPr>
+        <a:xfrm>
+          <a:off x="0" y="0"/>
+          <a:ext cx="0" cy="0"/>
+          <a:chOff x="0" y="0"/>
+          <a:chExt cx="0" cy="0"/>
+        </a:xfrm>
+      </p:grpSpPr>
+      <p:sp>
+        <p:nvSpPr>
+          <p:cNvPr id="2" name="Titel 1">
+            <a:extLst>
+              <a:ext uri="{FF2B5EF4-FFF2-40B4-BE49-F238E27FC236}">
+                <a16:creationId xmlns:a16="http://schemas.microsoft.com/office/drawing/2014/main" id="{7F26842D-907B-4305-94EF-4AD1818B6689}"/>
+              </a:ext>
+            </a:extLst>
+          </p:cNvPr>
+          <p:cNvSpPr>
+            <a:spLocks noGrp="1"/>
+          </p:cNvSpPr>
+          <p:nvPr>
+            <p:ph type="title"/>
+          </p:nvPr>
+        </p:nvSpPr>
+        <p:spPr/>
+        <p:txBody>
+          <a:bodyPr/>
+          <a:lstStyle/>
+          <a:p>
+            <a:r>
+              <a:rPr lang="de-DE" dirty="0" err="1"/>
+              <a:t>Results</a:t>
+            </a:r>
+            <a:r>
+              <a:rPr lang="de-DE" dirty="0"/>
+              <a:t> - Position </a:t>
+            </a:r>
+            <a:r>
+              <a:rPr lang="de-DE" dirty="0" err="1"/>
+              <a:t>Annotations</a:t>
+            </a:r>
+            <a:r>
+              <a:rPr lang="de-DE" dirty="0"/>
+              <a:t> (3 </a:t>
+            </a:r>
+            <a:r>
+              <a:rPr lang="de-DE" dirty="0" err="1"/>
+              <a:t>Classes</a:t>
+            </a:r>
+            <a:r>
+              <a:rPr lang="de-DE" dirty="0"/>
+              <a:t>) </a:t>
+            </a:r>
+          </a:p>
+        </p:txBody>
+      </p:sp>
+      <p:pic>
+        <p:nvPicPr>
+          <p:cNvPr id="3" name="Grafik 2">
+            <a:extLst>
+              <a:ext uri="{FF2B5EF4-FFF2-40B4-BE49-F238E27FC236}">
+                <a16:creationId xmlns:a16="http://schemas.microsoft.com/office/drawing/2014/main" id="{56F5F317-8124-4CDE-B4BB-2F020BB5975A}"/>
+              </a:ext>
+            </a:extLst>
+          </p:cNvPr>
+          <p:cNvPicPr>
+            <a:picLocks noChangeAspect="1"/>
+          </p:cNvPicPr>
+          <p:nvPr/>
+        </p:nvPicPr>
+        <p:blipFill>
+          <a:blip r:embed="rId2"/>
+          <a:stretch>
+            <a:fillRect/>
+          </a:stretch>
+        </p:blipFill>
+        <p:spPr>
+          <a:xfrm>
+            <a:off x="1252537" y="1943447"/>
+            <a:ext cx="6638925" cy="3933825"/>
+          </a:xfrm>
+          <a:prstGeom prst="rect">
+            <a:avLst/>
+          </a:prstGeom>
+        </p:spPr>
+      </p:pic>
+    </p:spTree>
+    <p:extLst>
+      <p:ext uri="{BB962C8B-B14F-4D97-AF65-F5344CB8AC3E}">
+        <p14:creationId xmlns:p14="http://schemas.microsoft.com/office/powerpoint/2010/main" val="3632021373"/>
+      </p:ext>
+    </p:extLst>
+  </p:cSld>
+  <p:clrMapOvr>
+    <a:masterClrMapping/>
+  </p:clrMapOvr>
+</p:sld>
+</file>
+
+<file path=ppt/slides/slide2.xml><?xml version="1.0" encoding="utf-8"?>
+<p:sld xmlns:a="http://schemas.openxmlformats.org/drawingml/2006/main" xmlns:r="http://schemas.openxmlformats.org/officeDocument/2006/relationships" xmlns:p="http://schemas.openxmlformats.org/presentationml/2006/main">
+  <p:cSld>
+    <p:spTree>
+      <p:nvGrpSpPr>
+        <p:cNvPr id="1" name=""/>
+        <p:cNvGrpSpPr/>
+        <p:nvPr/>
+      </p:nvGrpSpPr>
+      <p:grpSpPr>
+        <a:xfrm>
+          <a:off x="0" y="0"/>
+          <a:ext cx="0" cy="0"/>
+          <a:chOff x="0" y="0"/>
+          <a:chExt cx="0" cy="0"/>
+        </a:xfrm>
+      </p:grpSpPr>
+      <p:sp>
+        <p:nvSpPr>
+          <p:cNvPr id="2" name="Titel 1">
+            <a:extLst>
+              <a:ext uri="{FF2B5EF4-FFF2-40B4-BE49-F238E27FC236}">
+                <a16:creationId xmlns:a16="http://schemas.microsoft.com/office/drawing/2014/main" id="{F3C3CAFF-2171-49D2-8E21-3FF3ABA03109}"/>
+              </a:ext>
+            </a:extLst>
+          </p:cNvPr>
+          <p:cNvSpPr>
+            <a:spLocks noGrp="1"/>
+          </p:cNvSpPr>
+          <p:nvPr>
+            <p:ph type="title"/>
+          </p:nvPr>
+        </p:nvSpPr>
+        <p:spPr/>
+        <p:txBody>
+          <a:bodyPr/>
+          <a:lstStyle/>
+          <a:p>
+            <a:r>
+              <a:rPr lang="de-DE" dirty="0"/>
+              <a:t>Outline</a:t>
+            </a:r>
+          </a:p>
+        </p:txBody>
+      </p:sp>
+      <p:sp>
+        <p:nvSpPr>
+          <p:cNvPr id="3" name="Inhaltsplatzhalter 2">
+            <a:extLst>
+              <a:ext uri="{FF2B5EF4-FFF2-40B4-BE49-F238E27FC236}">
+                <a16:creationId xmlns:a16="http://schemas.microsoft.com/office/drawing/2014/main" id="{D5548C1C-8822-4E36-AAE6-7BEEFC665BAF}"/>
+              </a:ext>
+            </a:extLst>
+          </p:cNvPr>
+          <p:cNvSpPr>
+            <a:spLocks noGrp="1"/>
+          </p:cNvSpPr>
+          <p:nvPr>
+            <p:ph idx="1"/>
+          </p:nvPr>
+        </p:nvSpPr>
+        <p:spPr/>
+        <p:txBody>
+          <a:bodyPr/>
+          <a:lstStyle/>
+          <a:p>
+            <a:pPr lvl="1"/>
+            <a:r>
+              <a:rPr lang="de-DE" dirty="0"/>
+              <a:t>Problem Description</a:t>
+            </a:r>
+          </a:p>
+          <a:p>
+            <a:pPr lvl="1"/>
+            <a:endParaRPr lang="de-DE" dirty="0"/>
+          </a:p>
+          <a:p>
+            <a:pPr lvl="1"/>
+            <a:r>
+              <a:rPr lang="de-DE" dirty="0"/>
+              <a:t>Background</a:t>
+            </a:r>
+          </a:p>
+          <a:p>
+            <a:pPr lvl="1"/>
+            <a:endParaRPr lang="de-DE" dirty="0"/>
+          </a:p>
+          <a:p>
+            <a:pPr lvl="1"/>
+            <a:r>
+              <a:rPr lang="de-DE" dirty="0"/>
+              <a:t>Text Mining </a:t>
+            </a:r>
+            <a:r>
+              <a:rPr lang="de-DE" dirty="0" err="1"/>
+              <a:t>Process</a:t>
+            </a:r>
+            <a:endParaRPr lang="de-DE" dirty="0"/>
+          </a:p>
+          <a:p>
+            <a:pPr lvl="1"/>
+            <a:endParaRPr lang="de-DE" dirty="0"/>
+          </a:p>
+          <a:p>
+            <a:pPr lvl="1"/>
+            <a:r>
+              <a:rPr lang="de-DE" dirty="0" err="1"/>
+              <a:t>Results</a:t>
+            </a:r>
+            <a:endParaRPr lang="de-DE" dirty="0"/>
+          </a:p>
+        </p:txBody>
+      </p:sp>
+    </p:spTree>
+    <p:extLst>
+      <p:ext uri="{BB962C8B-B14F-4D97-AF65-F5344CB8AC3E}">
+        <p14:creationId xmlns:p14="http://schemas.microsoft.com/office/powerpoint/2010/main" val="2849847171"/>
+      </p:ext>
+    </p:extLst>
+  </p:cSld>
+  <p:clrMapOvr>
+    <a:masterClrMapping/>
+  </p:clrMapOvr>
+</p:sld>
+</file>
+
+<file path=ppt/slides/slide20.xml><?xml version="1.0" encoding="utf-8"?>
+<p:sld xmlns:a="http://schemas.openxmlformats.org/drawingml/2006/main" xmlns:r="http://schemas.openxmlformats.org/officeDocument/2006/relationships" xmlns:p="http://schemas.openxmlformats.org/presentationml/2006/main">
+  <p:cSld>
+    <p:spTree>
+      <p:nvGrpSpPr>
+        <p:cNvPr id="1" name=""/>
+        <p:cNvGrpSpPr/>
+        <p:nvPr/>
+      </p:nvGrpSpPr>
+      <p:grpSpPr>
+        <a:xfrm>
+          <a:off x="0" y="0"/>
+          <a:ext cx="0" cy="0"/>
+          <a:chOff x="0" y="0"/>
+          <a:chExt cx="0" cy="0"/>
+        </a:xfrm>
+      </p:grpSpPr>
+      <p:sp>
+        <p:nvSpPr>
+          <p:cNvPr id="2" name="Titel 1">
+            <a:extLst>
+              <a:ext uri="{FF2B5EF4-FFF2-40B4-BE49-F238E27FC236}">
+                <a16:creationId xmlns:a16="http://schemas.microsoft.com/office/drawing/2014/main" id="{7F26842D-907B-4305-94EF-4AD1818B6689}"/>
+              </a:ext>
+            </a:extLst>
+          </p:cNvPr>
+          <p:cNvSpPr>
+            <a:spLocks noGrp="1"/>
+          </p:cNvSpPr>
+          <p:nvPr>
+            <p:ph type="title"/>
+          </p:nvPr>
+        </p:nvSpPr>
+        <p:spPr/>
+        <p:txBody>
+          <a:bodyPr/>
+          <a:lstStyle/>
+          <a:p>
+            <a:r>
+              <a:rPr lang="de-DE" dirty="0" err="1"/>
+              <a:t>Results</a:t>
+            </a:r>
+            <a:r>
+              <a:rPr lang="de-DE" dirty="0"/>
               <a:t> - Position </a:t>
             </a:r>
             <a:r>
@@ -8238,7 +10356,7 @@
 </p:sld>
 </file>
 
-<file path=ppt/slides/slide18.xml><?xml version="1.0" encoding="utf-8"?>
+<file path=ppt/slides/slide21.xml><?xml version="1.0" encoding="utf-8"?>
 <p:sld xmlns:a="http://schemas.openxmlformats.org/drawingml/2006/main" xmlns:r="http://schemas.openxmlformats.org/officeDocument/2006/relationships" xmlns:p="http://schemas.openxmlformats.org/presentationml/2006/main">
   <p:cSld>
     <p:spTree>
@@ -9038,61 +11156,6 @@
             </a:r>
             <a:endParaRPr lang="de-DE" kern="0" dirty="0"/>
           </a:p>
-          <a:p>
-            <a:pPr lvl="1"/>
-            <a:r>
-              <a:rPr lang="de-DE" kern="0" dirty="0"/>
-              <a:t>Evaluation </a:t>
-            </a:r>
-            <a:r>
-              <a:rPr lang="de-DE" kern="0" dirty="0" err="1"/>
-              <a:t>of</a:t>
-            </a:r>
-            <a:r>
-              <a:rPr lang="de-DE" kern="0" dirty="0"/>
-              <a:t> </a:t>
-            </a:r>
-            <a:r>
-              <a:rPr lang="de-DE" kern="0" dirty="0" err="1"/>
-              <a:t>chess</a:t>
-            </a:r>
-            <a:r>
-              <a:rPr lang="de-DE" kern="0" dirty="0"/>
-              <a:t> </a:t>
-            </a:r>
-            <a:r>
-              <a:rPr lang="de-DE" kern="0" dirty="0" err="1"/>
-              <a:t>games</a:t>
-            </a:r>
-            <a:r>
-              <a:rPr lang="de-DE" kern="0" dirty="0"/>
-              <a:t> possible </a:t>
-            </a:r>
-            <a:r>
-              <a:rPr lang="de-DE" kern="0" dirty="0" err="1"/>
-              <a:t>based</a:t>
-            </a:r>
-            <a:r>
-              <a:rPr lang="de-DE" kern="0" dirty="0"/>
-              <a:t> on </a:t>
-            </a:r>
-            <a:r>
-              <a:rPr lang="de-DE" kern="0" dirty="0" err="1"/>
-              <a:t>those</a:t>
-            </a:r>
-            <a:r>
-              <a:rPr lang="de-DE" kern="0" dirty="0"/>
-              <a:t> </a:t>
-            </a:r>
-            <a:r>
-              <a:rPr lang="de-DE" kern="0" dirty="0" err="1"/>
-              <a:t>symbols</a:t>
-            </a:r>
-            <a:r>
-              <a:rPr lang="de-DE" kern="0" dirty="0"/>
-              <a:t>/NAGs</a:t>
-            </a:r>
-          </a:p>
         </p:txBody>
       </p:sp>
     </p:spTree>
@@ -9108,7 +11171,7 @@
 </p:sld>
 </file>
 
-<file path=ppt/slides/slide19.xml><?xml version="1.0" encoding="utf-8"?>
+<file path=ppt/slides/slide22.xml><?xml version="1.0" encoding="utf-8"?>
 <p:sld xmlns:a="http://schemas.openxmlformats.org/drawingml/2006/main" xmlns:r="http://schemas.openxmlformats.org/officeDocument/2006/relationships" xmlns:p="http://schemas.openxmlformats.org/presentationml/2006/main">
   <p:cSld>
     <p:spTree>
@@ -9984,12 +12047,8 @@
           <a:p>
             <a:pPr lvl="1"/>
             <a:r>
-              <a:rPr lang="de-DE" kern="0" dirty="0"/>
-              <a:t>Evaluation </a:t>
-            </a:r>
-            <a:r>
               <a:rPr lang="de-DE" kern="0" dirty="0" err="1"/>
-              <a:t>of</a:t>
+              <a:t>No</a:t>
             </a:r>
             <a:r>
               <a:rPr lang="de-DE" kern="0" dirty="0"/>
@@ -9997,7 +12056,7 @@
             </a:r>
             <a:r>
               <a:rPr lang="de-DE" kern="0" dirty="0" err="1"/>
-              <a:t>chess</a:t>
+              <a:t>clear</a:t>
             </a:r>
             <a:r>
               <a:rPr lang="de-DE" kern="0" dirty="0"/>
@@ -10005,11 +12064,43 @@
             </a:r>
             <a:r>
               <a:rPr lang="de-DE" kern="0" dirty="0" err="1"/>
-              <a:t>games</a:t>
+              <a:t>trend</a:t>
             </a:r>
             <a:r>
               <a:rPr lang="de-DE" kern="0" dirty="0"/>
-              <a:t> possible </a:t>
+              <a:t> </a:t>
+            </a:r>
+            <a:r>
+              <a:rPr lang="de-DE" kern="0" dirty="0" err="1"/>
+              <a:t>if</a:t>
+            </a:r>
+            <a:r>
+              <a:rPr lang="de-DE" kern="0" dirty="0"/>
+              <a:t> ND </a:t>
+            </a:r>
+            <a:r>
+              <a:rPr lang="de-DE" kern="0" dirty="0" err="1"/>
+              <a:t>is</a:t>
+            </a:r>
+            <a:r>
+              <a:rPr lang="de-DE" kern="0" dirty="0"/>
+              <a:t> </a:t>
+            </a:r>
+            <a:r>
+              <a:rPr lang="de-DE" kern="0" dirty="0" err="1"/>
+              <a:t>better</a:t>
+            </a:r>
+            <a:r>
+              <a:rPr lang="de-DE" kern="0" dirty="0"/>
+              <a:t> </a:t>
+            </a:r>
+            <a:r>
+              <a:rPr lang="de-DE" kern="0" dirty="0" err="1"/>
+              <a:t>or</a:t>
+            </a:r>
+            <a:r>
+              <a:rPr lang="de-DE" kern="0" dirty="0"/>
+              <a:t> MCC </a:t>
             </a:r>
             <a:r>
               <a:rPr lang="de-DE" kern="0" dirty="0" err="1"/>
@@ -10017,24 +12108,14 @@
             </a:r>
             <a:r>
               <a:rPr lang="de-DE" kern="0" dirty="0"/>
-              <a:t> on </a:t>
-            </a:r>
-            <a:r>
-              <a:rPr lang="de-DE" kern="0" dirty="0" err="1"/>
-              <a:t>those</a:t>
-            </a:r>
-            <a:r>
-              <a:rPr lang="de-DE" kern="0" dirty="0"/>
-              <a:t> </a:t>
-            </a:r>
-            <a:r>
-              <a:rPr lang="de-DE" kern="0" dirty="0" err="1"/>
-              <a:t>symbols</a:t>
-            </a:r>
-            <a:r>
-              <a:rPr lang="de-DE" kern="0" dirty="0"/>
-              <a:t>/NAGs</a:t>
-            </a:r>
+              <a:t> on RF</a:t>
+            </a:r>
+          </a:p>
+          <a:p>
+            <a:pPr marL="1588" lvl="1" indent="0">
+              <a:buNone/>
+            </a:pPr>
+            <a:endParaRPr lang="de-DE" kern="0" dirty="0"/>
           </a:p>
         </p:txBody>
       </p:sp>
@@ -10051,7 +12132,7 @@
 </p:sld>
 </file>
 
-<file path=ppt/slides/slide2.xml><?xml version="1.0" encoding="utf-8"?>
+<file path=ppt/slides/slide23.xml><?xml version="1.0" encoding="utf-8"?>
 <p:sld xmlns:a="http://schemas.openxmlformats.org/drawingml/2006/main" xmlns:r="http://schemas.openxmlformats.org/officeDocument/2006/relationships" xmlns:p="http://schemas.openxmlformats.org/presentationml/2006/main">
   <p:cSld>
     <p:spTree>
@@ -10073,7 +12154,7 @@
           <p:cNvPr id="2" name="Titel 1">
             <a:extLst>
               <a:ext uri="{FF2B5EF4-FFF2-40B4-BE49-F238E27FC236}">
-                <a16:creationId xmlns:a16="http://schemas.microsoft.com/office/drawing/2014/main" id="{F3C3CAFF-2171-49D2-8E21-3FF3ABA03109}"/>
+                <a16:creationId xmlns:a16="http://schemas.microsoft.com/office/drawing/2014/main" id="{A67AFED9-60C3-48EA-A81E-0B7A0671FED4}"/>
               </a:ext>
             </a:extLst>
           </p:cNvPr>
@@ -10090,41 +12171,330 @@
           <a:lstStyle/>
           <a:p>
             <a:r>
-              <a:rPr lang="de-DE" dirty="0"/>
-              <a:t>Outline</a:t>
+              <a:rPr lang="de-DE" dirty="0" err="1"/>
+              <a:t>Results</a:t>
+            </a:r>
+            <a:r>
+              <a:rPr lang="de-DE" dirty="0"/>
+              <a:t> - Rule Patterns Move</a:t>
             </a:r>
           </a:p>
         </p:txBody>
       </p:sp>
       <p:sp>
         <p:nvSpPr>
-          <p:cNvPr id="3" name="Inhaltsplatzhalter 2">
+          <p:cNvPr id="3" name="Rechteck 2">
             <a:extLst>
               <a:ext uri="{FF2B5EF4-FFF2-40B4-BE49-F238E27FC236}">
-                <a16:creationId xmlns:a16="http://schemas.microsoft.com/office/drawing/2014/main" id="{D5548C1C-8822-4E36-AAE6-7BEEFC665BAF}"/>
+                <a16:creationId xmlns:a16="http://schemas.microsoft.com/office/drawing/2014/main" id="{4B9D3EF4-0D43-4636-90AC-7C03A77D090B}"/>
               </a:ext>
             </a:extLst>
           </p:cNvPr>
-          <p:cNvSpPr>
-            <a:spLocks noGrp="1"/>
-          </p:cNvSpPr>
-          <p:nvPr>
-            <p:ph idx="1"/>
-          </p:nvPr>
+          <p:cNvSpPr/>
+          <p:nvPr/>
         </p:nvSpPr>
-        <p:spPr/>
+        <p:spPr>
+          <a:xfrm>
+            <a:off x="341151" y="1533334"/>
+            <a:ext cx="8461697" cy="4847994"/>
+          </a:xfrm>
+          <a:prstGeom prst="rect">
+            <a:avLst/>
+          </a:prstGeom>
+        </p:spPr>
         <p:txBody>
-          <a:bodyPr/>
+          <a:bodyPr wrap="square">
+            <a:spAutoFit/>
+          </a:bodyPr>
           <a:lstStyle/>
           <a:p>
-            <a:endParaRPr lang="de-DE"/>
+            <a:pPr>
+              <a:lnSpc>
+                <a:spcPct val="150000"/>
+              </a:lnSpc>
+            </a:pPr>
+            <a:r>
+              <a:rPr lang="en-US" sz="1600" dirty="0"/>
+              <a:t>(count(</a:t>
+            </a:r>
+            <a:r>
+              <a:rPr lang="en-US" sz="1600" b="1" dirty="0"/>
+              <a:t>mistake</a:t>
+            </a:r>
+            <a:r>
+              <a:rPr lang="en-US" sz="1600" dirty="0"/>
+              <a:t>) &gt;= 1) =&gt; class=2 (65.0/2.0)</a:t>
+            </a:r>
+          </a:p>
+          <a:p>
+            <a:pPr>
+              <a:lnSpc>
+                <a:spcPct val="150000"/>
+              </a:lnSpc>
+            </a:pPr>
+            <a:r>
+              <a:rPr lang="en-US" sz="1600" dirty="0"/>
+              <a:t>(</a:t>
+            </a:r>
+            <a:r>
+              <a:rPr lang="en-US" sz="1600" dirty="0" err="1"/>
+              <a:t>number_of_tokens</a:t>
+            </a:r>
+            <a:r>
+              <a:rPr lang="en-US" sz="1600" dirty="0"/>
+              <a:t> &lt;= 5) and (count(</a:t>
+            </a:r>
+            <a:r>
+              <a:rPr lang="en-US" sz="1600" b="1" dirty="0"/>
+              <a:t>.</a:t>
+            </a:r>
+            <a:r>
+              <a:rPr lang="en-US" sz="1600" dirty="0"/>
+              <a:t>) &lt;= 0) and (count(</a:t>
+            </a:r>
+            <a:r>
+              <a:rPr lang="en-US" sz="1600" b="1" dirty="0"/>
+              <a:t>of</a:t>
+            </a:r>
+            <a:r>
+              <a:rPr lang="en-US" sz="1600" dirty="0"/>
+              <a:t>) &gt;= 1) =&gt; class=2 (17.0/2.0)</a:t>
+            </a:r>
+          </a:p>
+          <a:p>
+            <a:pPr>
+              <a:lnSpc>
+                <a:spcPct val="150000"/>
+              </a:lnSpc>
+            </a:pPr>
+            <a:r>
+              <a:rPr lang="en-US" sz="1600" dirty="0"/>
+              <a:t>(count(</a:t>
+            </a:r>
+            <a:r>
+              <a:rPr lang="en-US" sz="1600" b="1" dirty="0"/>
+              <a:t>but</a:t>
+            </a:r>
+            <a:r>
+              <a:rPr lang="en-US" sz="1600" dirty="0"/>
+              <a:t>) &gt;= 1) and (count(</a:t>
+            </a:r>
+            <a:r>
+              <a:rPr lang="en-US" sz="1600" b="1" dirty="0"/>
+              <a:t>this</a:t>
+            </a:r>
+            <a:r>
+              <a:rPr lang="en-US" sz="1600" dirty="0"/>
+              <a:t>) &gt;= 1) and (count(</a:t>
+            </a:r>
+            <a:r>
+              <a:rPr lang="en-US" sz="1600" b="1" dirty="0"/>
+              <a:t>of</a:t>
+            </a:r>
+            <a:r>
+              <a:rPr lang="en-US" sz="1600" dirty="0"/>
+              <a:t>) &lt;= 0) =&gt; class=2 (49.0/16.0)</a:t>
+            </a:r>
+          </a:p>
+          <a:p>
+            <a:pPr>
+              <a:lnSpc>
+                <a:spcPct val="150000"/>
+              </a:lnSpc>
+            </a:pPr>
+            <a:r>
+              <a:rPr lang="en-US" sz="1600" dirty="0"/>
+              <a:t>(count(</a:t>
+            </a:r>
+            <a:r>
+              <a:rPr lang="en-US" sz="1600" b="1" dirty="0"/>
+              <a:t>lose</a:t>
+            </a:r>
+            <a:r>
+              <a:rPr lang="en-US" sz="1600" dirty="0"/>
+              <a:t>) &gt;= 1) and (</a:t>
+            </a:r>
+            <a:r>
+              <a:rPr lang="en-US" sz="1600" dirty="0" err="1"/>
+              <a:t>number_of_tokens</a:t>
+            </a:r>
+            <a:r>
+              <a:rPr lang="en-US" sz="1600" dirty="0"/>
+              <a:t> &lt;= 13) =&gt; class=2 (37.0/7.0)</a:t>
+            </a:r>
+          </a:p>
+          <a:p>
+            <a:pPr>
+              <a:lnSpc>
+                <a:spcPct val="150000"/>
+              </a:lnSpc>
+            </a:pPr>
+            <a:r>
+              <a:rPr lang="en-US" sz="1600" dirty="0"/>
+              <a:t>(</a:t>
+            </a:r>
+            <a:r>
+              <a:rPr lang="en-US" sz="1600" dirty="0" err="1"/>
+              <a:t>number_of_tokens</a:t>
+            </a:r>
+            <a:r>
+              <a:rPr lang="en-US" sz="1600" dirty="0"/>
+              <a:t> &lt;= 5) and (count(</a:t>
+            </a:r>
+            <a:r>
+              <a:rPr lang="en-US" sz="1600" b="1" dirty="0"/>
+              <a:t>by</a:t>
+            </a:r>
+            <a:r>
+              <a:rPr lang="en-US" sz="1600" dirty="0"/>
+              <a:t>) &gt;= 1) =&gt; class=2 (17.0/1.0)</a:t>
+            </a:r>
+          </a:p>
+          <a:p>
+            <a:pPr>
+              <a:lnSpc>
+                <a:spcPct val="150000"/>
+              </a:lnSpc>
+            </a:pPr>
+            <a:r>
+              <a:rPr lang="en-US" sz="1600" dirty="0"/>
+              <a:t>(count(</a:t>
+            </a:r>
+            <a:r>
+              <a:rPr lang="en-US" sz="1600" b="1" dirty="0"/>
+              <a:t>miss</a:t>
+            </a:r>
+            <a:r>
+              <a:rPr lang="en-US" sz="1600" dirty="0"/>
+              <a:t>) &gt;= 1) and (count(</a:t>
+            </a:r>
+            <a:r>
+              <a:rPr lang="en-US" sz="1600" b="1" dirty="0" err="1"/>
+              <a:t>miss_this</a:t>
+            </a:r>
+            <a:r>
+              <a:rPr lang="en-US" sz="1600" dirty="0"/>
+              <a:t>) &lt;= 0) =&gt; class=2 (30.0/4.0)</a:t>
+            </a:r>
+          </a:p>
+          <a:p>
+            <a:pPr>
+              <a:lnSpc>
+                <a:spcPct val="150000"/>
+              </a:lnSpc>
+            </a:pPr>
+            <a:r>
+              <a:rPr lang="en-US" sz="1600" dirty="0"/>
+              <a:t>(count(</a:t>
+            </a:r>
+            <a:r>
+              <a:rPr lang="en-US" sz="1600" b="1" dirty="0" err="1"/>
+              <a:t>wa</a:t>
+            </a:r>
+            <a:r>
+              <a:rPr lang="en-US" sz="1600" dirty="0"/>
+              <a:t>) &gt;= 1) and (</a:t>
+            </a:r>
+            <a:r>
+              <a:rPr lang="en-US" sz="1600" dirty="0" err="1"/>
+              <a:t>number_of_tokens</a:t>
+            </a:r>
+            <a:r>
+              <a:rPr lang="en-US" sz="1600" dirty="0"/>
+              <a:t> &gt;= 10) and (count(_comma_) &lt;= 0) =&gt; class=2 	(48.0/15.0)</a:t>
+            </a:r>
+          </a:p>
+          <a:p>
+            <a:pPr>
+              <a:lnSpc>
+                <a:spcPct val="150000"/>
+              </a:lnSpc>
+            </a:pPr>
+            <a:r>
+              <a:rPr lang="en-US" sz="1600" dirty="0"/>
+              <a:t>(count(</a:t>
+            </a:r>
+            <a:r>
+              <a:rPr lang="en-US" sz="1600" b="1" dirty="0"/>
+              <a:t>blunder</a:t>
+            </a:r>
+            <a:r>
+              <a:rPr lang="en-US" sz="1600" dirty="0"/>
+              <a:t>) &gt;= 1) =&gt; class=2 (21.0/0.0)</a:t>
+            </a:r>
+          </a:p>
+          <a:p>
+            <a:pPr>
+              <a:lnSpc>
+                <a:spcPct val="150000"/>
+              </a:lnSpc>
+            </a:pPr>
+            <a:r>
+              <a:rPr lang="en-US" sz="1600" dirty="0"/>
+              <a:t>(</a:t>
+            </a:r>
+            <a:r>
+              <a:rPr lang="en-US" sz="1600" dirty="0" err="1"/>
+              <a:t>number_of_tokens</a:t>
+            </a:r>
+            <a:r>
+              <a:rPr lang="en-US" sz="1600" dirty="0"/>
+              <a:t> &lt;= 6) and (count(</a:t>
+            </a:r>
+            <a:r>
+              <a:rPr lang="en-US" sz="1600" b="1" dirty="0"/>
+              <a:t>too</a:t>
+            </a:r>
+            <a:r>
+              <a:rPr lang="en-US" sz="1600" dirty="0"/>
+              <a:t>) &gt;= 1) =&gt; class=2 (9.0/0.0)</a:t>
+            </a:r>
+          </a:p>
+          <a:p>
+            <a:pPr>
+              <a:lnSpc>
+                <a:spcPct val="150000"/>
+              </a:lnSpc>
+            </a:pPr>
+            <a:r>
+              <a:rPr lang="en-US" sz="1600" dirty="0"/>
+              <a:t>(count(</a:t>
+            </a:r>
+            <a:r>
+              <a:rPr lang="en-US" sz="1600" b="1" dirty="0"/>
+              <a:t>allow</a:t>
+            </a:r>
+            <a:r>
+              <a:rPr lang="en-US" sz="1600" dirty="0"/>
+              <a:t>) &gt;= 1) =&gt; class=2 (35.0/10.0)</a:t>
+            </a:r>
+          </a:p>
+          <a:p>
+            <a:pPr>
+              <a:lnSpc>
+                <a:spcPct val="150000"/>
+              </a:lnSpc>
+            </a:pPr>
+            <a:endParaRPr lang="en-US" sz="1600" dirty="0"/>
+          </a:p>
+          <a:p>
+            <a:pPr>
+              <a:lnSpc>
+                <a:spcPct val="150000"/>
+              </a:lnSpc>
+            </a:pPr>
+            <a:r>
+              <a:rPr lang="en-US" sz="1600" dirty="0"/>
+              <a:t>=&gt; class=1 (1672.0/413.0)</a:t>
+            </a:r>
+            <a:endParaRPr lang="de-DE" sz="1600" dirty="0"/>
           </a:p>
         </p:txBody>
       </p:sp>
     </p:spTree>
     <p:extLst>
       <p:ext uri="{BB962C8B-B14F-4D97-AF65-F5344CB8AC3E}">
-        <p14:creationId xmlns:p14="http://schemas.microsoft.com/office/powerpoint/2010/main" val="2849847171"/>
+        <p14:creationId xmlns:p14="http://schemas.microsoft.com/office/powerpoint/2010/main" val="999002641"/>
       </p:ext>
     </p:extLst>
   </p:cSld>
@@ -10134,7 +12504,1707 @@
 </p:sld>
 </file>
 
-<file path=ppt/slides/slide20.xml><?xml version="1.0" encoding="utf-8"?>
+<file path=ppt/slides/slide24.xml><?xml version="1.0" encoding="utf-8"?>
+<p:sld xmlns:a="http://schemas.openxmlformats.org/drawingml/2006/main" xmlns:r="http://schemas.openxmlformats.org/officeDocument/2006/relationships" xmlns:p="http://schemas.openxmlformats.org/presentationml/2006/main">
+  <p:cSld>
+    <p:spTree>
+      <p:nvGrpSpPr>
+        <p:cNvPr id="1" name=""/>
+        <p:cNvGrpSpPr/>
+        <p:nvPr/>
+      </p:nvGrpSpPr>
+      <p:grpSpPr>
+        <a:xfrm>
+          <a:off x="0" y="0"/>
+          <a:ext cx="0" cy="0"/>
+          <a:chOff x="0" y="0"/>
+          <a:chExt cx="0" cy="0"/>
+        </a:xfrm>
+      </p:grpSpPr>
+      <p:sp>
+        <p:nvSpPr>
+          <p:cNvPr id="2" name="Titel 1">
+            <a:extLst>
+              <a:ext uri="{FF2B5EF4-FFF2-40B4-BE49-F238E27FC236}">
+                <a16:creationId xmlns:a16="http://schemas.microsoft.com/office/drawing/2014/main" id="{A67AFED9-60C3-48EA-A81E-0B7A0671FED4}"/>
+              </a:ext>
+            </a:extLst>
+          </p:cNvPr>
+          <p:cNvSpPr>
+            <a:spLocks noGrp="1"/>
+          </p:cNvSpPr>
+          <p:nvPr>
+            <p:ph type="title"/>
+          </p:nvPr>
+        </p:nvSpPr>
+        <p:spPr/>
+        <p:txBody>
+          <a:bodyPr/>
+          <a:lstStyle/>
+          <a:p>
+            <a:r>
+              <a:rPr lang="de-DE" dirty="0" err="1"/>
+              <a:t>Results</a:t>
+            </a:r>
+            <a:r>
+              <a:rPr lang="de-DE" dirty="0"/>
+              <a:t> - Rule Patterns Position</a:t>
+            </a:r>
+          </a:p>
+        </p:txBody>
+      </p:sp>
+      <p:sp>
+        <p:nvSpPr>
+          <p:cNvPr id="3" name="Rechteck 2">
+            <a:extLst>
+              <a:ext uri="{FF2B5EF4-FFF2-40B4-BE49-F238E27FC236}">
+                <a16:creationId xmlns:a16="http://schemas.microsoft.com/office/drawing/2014/main" id="{4B9D3EF4-0D43-4636-90AC-7C03A77D090B}"/>
+              </a:ext>
+            </a:extLst>
+          </p:cNvPr>
+          <p:cNvSpPr/>
+          <p:nvPr/>
+        </p:nvSpPr>
+        <p:spPr>
+          <a:xfrm>
+            <a:off x="358775" y="2413338"/>
+            <a:ext cx="8461697" cy="2949525"/>
+          </a:xfrm>
+          <a:prstGeom prst="rect">
+            <a:avLst/>
+          </a:prstGeom>
+        </p:spPr>
+        <p:txBody>
+          <a:bodyPr wrap="square">
+            <a:spAutoFit/>
+          </a:bodyPr>
+          <a:lstStyle/>
+          <a:p>
+            <a:pPr>
+              <a:lnSpc>
+                <a:spcPct val="150000"/>
+              </a:lnSpc>
+            </a:pPr>
+            <a:r>
+              <a:rPr lang="de-DE" dirty="0"/>
+              <a:t>(</a:t>
+            </a:r>
+            <a:r>
+              <a:rPr lang="de-DE" dirty="0" err="1"/>
+              <a:t>count</a:t>
+            </a:r>
+            <a:r>
+              <a:rPr lang="de-DE" dirty="0"/>
+              <a:t>(</a:t>
+            </a:r>
+            <a:r>
+              <a:rPr lang="de-DE" b="1" dirty="0"/>
+              <a:t>0-1</a:t>
+            </a:r>
+            <a:r>
+              <a:rPr lang="de-DE" dirty="0"/>
+              <a:t>) &gt;= 1) and (</a:t>
+            </a:r>
+            <a:r>
+              <a:rPr lang="de-DE" dirty="0" err="1"/>
+              <a:t>number_of_tokens</a:t>
+            </a:r>
+            <a:r>
+              <a:rPr lang="de-DE" dirty="0"/>
+              <a:t> &gt;= 18) =&gt; </a:t>
+            </a:r>
+            <a:r>
+              <a:rPr lang="de-DE" dirty="0" err="1"/>
+              <a:t>class</a:t>
+            </a:r>
+            <a:r>
+              <a:rPr lang="de-DE" dirty="0"/>
+              <a:t>=3 (58.0/26.0)</a:t>
+            </a:r>
+          </a:p>
+          <a:p>
+            <a:pPr>
+              <a:lnSpc>
+                <a:spcPct val="150000"/>
+              </a:lnSpc>
+            </a:pPr>
+            <a:r>
+              <a:rPr lang="de-DE" dirty="0"/>
+              <a:t>(</a:t>
+            </a:r>
+            <a:r>
+              <a:rPr lang="de-DE" dirty="0" err="1"/>
+              <a:t>count</a:t>
+            </a:r>
+            <a:r>
+              <a:rPr lang="de-DE" dirty="0"/>
+              <a:t>(</a:t>
+            </a:r>
+            <a:r>
+              <a:rPr lang="de-DE" b="1" dirty="0"/>
+              <a:t>/</a:t>
+            </a:r>
+            <a:r>
+              <a:rPr lang="de-DE" dirty="0"/>
+              <a:t>) &lt;= 0) and (</a:t>
+            </a:r>
+            <a:r>
+              <a:rPr lang="de-DE" dirty="0" err="1"/>
+              <a:t>count</a:t>
+            </a:r>
+            <a:r>
+              <a:rPr lang="de-DE" dirty="0"/>
+              <a:t>(</a:t>
+            </a:r>
+            <a:r>
+              <a:rPr lang="de-DE" b="1" dirty="0" err="1"/>
+              <a:t>win</a:t>
+            </a:r>
+            <a:r>
+              <a:rPr lang="de-DE" dirty="0"/>
+              <a:t>) &gt;= 1) and (</a:t>
+            </a:r>
+            <a:r>
+              <a:rPr lang="de-DE" dirty="0" err="1"/>
+              <a:t>count</a:t>
+            </a:r>
+            <a:r>
+              <a:rPr lang="de-DE" dirty="0"/>
+              <a:t>(</a:t>
+            </a:r>
+            <a:r>
+              <a:rPr lang="de-DE" b="1" dirty="0" err="1"/>
+              <a:t>white</a:t>
+            </a:r>
+            <a:r>
+              <a:rPr lang="de-DE" dirty="0"/>
+              <a:t>) &lt;= 0) and 	(</a:t>
+            </a:r>
+            <a:r>
+              <a:rPr lang="de-DE" dirty="0" err="1"/>
+              <a:t>number_of_tokens</a:t>
+            </a:r>
+            <a:r>
+              <a:rPr lang="de-DE" dirty="0"/>
+              <a:t> &gt;= 9) =&gt; </a:t>
+            </a:r>
+            <a:r>
+              <a:rPr lang="de-DE" dirty="0" err="1"/>
+              <a:t>class</a:t>
+            </a:r>
+            <a:r>
+              <a:rPr lang="de-DE" dirty="0"/>
+              <a:t>=3 (34.0/11.0)</a:t>
+            </a:r>
+          </a:p>
+          <a:p>
+            <a:pPr>
+              <a:lnSpc>
+                <a:spcPct val="150000"/>
+              </a:lnSpc>
+            </a:pPr>
+            <a:endParaRPr lang="de-DE" dirty="0"/>
+          </a:p>
+          <a:p>
+            <a:pPr>
+              <a:lnSpc>
+                <a:spcPct val="150000"/>
+              </a:lnSpc>
+            </a:pPr>
+            <a:r>
+              <a:rPr lang="de-DE" dirty="0"/>
+              <a:t>(</a:t>
+            </a:r>
+            <a:r>
+              <a:rPr lang="de-DE" dirty="0" err="1"/>
+              <a:t>count</a:t>
+            </a:r>
+            <a:r>
+              <a:rPr lang="de-DE" dirty="0"/>
+              <a:t>(</a:t>
+            </a:r>
+            <a:r>
+              <a:rPr lang="de-DE" b="1" dirty="0"/>
+              <a:t>1/2</a:t>
+            </a:r>
+            <a:r>
+              <a:rPr lang="de-DE" dirty="0"/>
+              <a:t>) &gt;= 1) and (</a:t>
+            </a:r>
+            <a:r>
+              <a:rPr lang="de-DE" dirty="0" err="1"/>
+              <a:t>count</a:t>
+            </a:r>
+            <a:r>
+              <a:rPr lang="de-DE" dirty="0"/>
+              <a:t>(</a:t>
+            </a:r>
+            <a:r>
+              <a:rPr lang="de-DE" b="1" dirty="0"/>
+              <a:t>ext</a:t>
+            </a:r>
+            <a:r>
+              <a:rPr lang="de-DE" dirty="0"/>
+              <a:t>) &lt;= 0) =&gt; </a:t>
+            </a:r>
+            <a:r>
+              <a:rPr lang="de-DE" dirty="0" err="1"/>
+              <a:t>class</a:t>
+            </a:r>
+            <a:r>
+              <a:rPr lang="de-DE" dirty="0"/>
+              <a:t>=2 (136.0/65.0)</a:t>
+            </a:r>
+          </a:p>
+          <a:p>
+            <a:pPr>
+              <a:lnSpc>
+                <a:spcPct val="150000"/>
+              </a:lnSpc>
+            </a:pPr>
+            <a:endParaRPr lang="de-DE" dirty="0"/>
+          </a:p>
+          <a:p>
+            <a:pPr>
+              <a:lnSpc>
+                <a:spcPct val="150000"/>
+              </a:lnSpc>
+            </a:pPr>
+            <a:r>
+              <a:rPr lang="de-DE" dirty="0"/>
+              <a:t>=&gt; </a:t>
+            </a:r>
+            <a:r>
+              <a:rPr lang="de-DE" dirty="0" err="1"/>
+              <a:t>class</a:t>
+            </a:r>
+            <a:r>
+              <a:rPr lang="de-DE" dirty="0"/>
+              <a:t>=1 (1772.0/733.0)</a:t>
+            </a:r>
+          </a:p>
+        </p:txBody>
+      </p:sp>
+    </p:spTree>
+    <p:extLst>
+      <p:ext uri="{BB962C8B-B14F-4D97-AF65-F5344CB8AC3E}">
+        <p14:creationId xmlns:p14="http://schemas.microsoft.com/office/powerpoint/2010/main" val="1217277386"/>
+      </p:ext>
+    </p:extLst>
+  </p:cSld>
+  <p:clrMapOvr>
+    <a:masterClrMapping/>
+  </p:clrMapOvr>
+</p:sld>
+</file>
+
+<file path=ppt/slides/slide25.xml><?xml version="1.0" encoding="utf-8"?>
+<p:sld xmlns:a="http://schemas.openxmlformats.org/drawingml/2006/main" xmlns:r="http://schemas.openxmlformats.org/officeDocument/2006/relationships" xmlns:p="http://schemas.openxmlformats.org/presentationml/2006/main">
+  <p:cSld>
+    <p:spTree>
+      <p:nvGrpSpPr>
+        <p:cNvPr id="1" name=""/>
+        <p:cNvGrpSpPr/>
+        <p:nvPr/>
+      </p:nvGrpSpPr>
+      <p:grpSpPr>
+        <a:xfrm>
+          <a:off x="0" y="0"/>
+          <a:ext cx="0" cy="0"/>
+          <a:chOff x="0" y="0"/>
+          <a:chExt cx="0" cy="0"/>
+        </a:xfrm>
+      </p:grpSpPr>
+      <p:sp>
+        <p:nvSpPr>
+          <p:cNvPr id="2" name="Titel 1">
+            <a:extLst>
+              <a:ext uri="{FF2B5EF4-FFF2-40B4-BE49-F238E27FC236}">
+                <a16:creationId xmlns:a16="http://schemas.microsoft.com/office/drawing/2014/main" id="{A67AFED9-60C3-48EA-A81E-0B7A0671FED4}"/>
+              </a:ext>
+            </a:extLst>
+          </p:cNvPr>
+          <p:cNvSpPr>
+            <a:spLocks noGrp="1"/>
+          </p:cNvSpPr>
+          <p:nvPr>
+            <p:ph type="title"/>
+          </p:nvPr>
+        </p:nvSpPr>
+        <p:spPr/>
+        <p:txBody>
+          <a:bodyPr/>
+          <a:lstStyle/>
+          <a:p>
+            <a:r>
+              <a:rPr lang="de-DE" dirty="0" err="1"/>
+              <a:t>Results</a:t>
+            </a:r>
+            <a:r>
+              <a:rPr lang="de-DE" dirty="0"/>
+              <a:t> - Word Embedding Chess</a:t>
+            </a:r>
+          </a:p>
+        </p:txBody>
+      </p:sp>
+      <p:graphicFrame>
+        <p:nvGraphicFramePr>
+          <p:cNvPr id="4" name="Tabelle 3">
+            <a:extLst>
+              <a:ext uri="{FF2B5EF4-FFF2-40B4-BE49-F238E27FC236}">
+                <a16:creationId xmlns:a16="http://schemas.microsoft.com/office/drawing/2014/main" id="{C95491EA-658B-4510-A18A-75866138DD55}"/>
+              </a:ext>
+            </a:extLst>
+          </p:cNvPr>
+          <p:cNvGraphicFramePr>
+            <a:graphicFrameLocks noGrp="1"/>
+          </p:cNvGraphicFramePr>
+          <p:nvPr/>
+        </p:nvGraphicFramePr>
+        <p:xfrm>
+          <a:off x="4856948" y="2204864"/>
+          <a:ext cx="3671030" cy="3744411"/>
+        </p:xfrm>
+        <a:graphic>
+          <a:graphicData uri="http://schemas.openxmlformats.org/drawingml/2006/table">
+            <a:tbl>
+              <a:tblPr firstRow="1">
+                <a:tableStyleId>{72833802-FEF1-4C79-8D5D-14CF1EAF98D9}</a:tableStyleId>
+              </a:tblPr>
+              <a:tblGrid>
+                <a:gridCol w="1584176">
+                  <a:extLst>
+                    <a:ext uri="{9D8B030D-6E8A-4147-A177-3AD203B41FA5}">
+                      <a16:colId xmlns:a16="http://schemas.microsoft.com/office/drawing/2014/main" val="4183005240"/>
+                    </a:ext>
+                  </a:extLst>
+                </a:gridCol>
+                <a:gridCol w="2086854">
+                  <a:extLst>
+                    <a:ext uri="{9D8B030D-6E8A-4147-A177-3AD203B41FA5}">
+                      <a16:colId xmlns:a16="http://schemas.microsoft.com/office/drawing/2014/main" val="544238253"/>
+                    </a:ext>
+                  </a:extLst>
+                </a:gridCol>
+              </a:tblGrid>
+              <a:tr h="340401">
+                <a:tc>
+                  <a:txBody>
+                    <a:bodyPr/>
+                    <a:lstStyle/>
+                    <a:p>
+                      <a:pPr algn="l" fontAlgn="b"/>
+                      <a:r>
+                        <a:rPr lang="de-DE" sz="1800" u="none" strike="noStrike" dirty="0">
+                          <a:effectLst/>
+                        </a:rPr>
+                        <a:t>Word</a:t>
+                      </a:r>
+                      <a:endParaRPr lang="de-DE" sz="1800" b="0" i="0" u="none" strike="noStrike" dirty="0">
+                        <a:solidFill>
+                          <a:srgbClr val="000000"/>
+                        </a:solidFill>
+                        <a:effectLst/>
+                        <a:latin typeface="Calibri" panose="020F0502020204030204" pitchFamily="34" charset="0"/>
+                      </a:endParaRPr>
+                    </a:p>
+                  </a:txBody>
+                  <a:tcPr marL="6350" marR="6350" marT="6350" marB="0" anchor="b"/>
+                </a:tc>
+                <a:tc>
+                  <a:txBody>
+                    <a:bodyPr/>
+                    <a:lstStyle/>
+                    <a:p>
+                      <a:pPr algn="l" fontAlgn="b"/>
+                      <a:r>
+                        <a:rPr lang="de-DE" sz="1800" u="none" strike="noStrike">
+                          <a:effectLst/>
+                        </a:rPr>
+                        <a:t>Cosine Similarity</a:t>
+                      </a:r>
+                      <a:endParaRPr lang="de-DE" sz="1800" b="0" i="0" u="none" strike="noStrike">
+                        <a:solidFill>
+                          <a:srgbClr val="000000"/>
+                        </a:solidFill>
+                        <a:effectLst/>
+                        <a:latin typeface="Calibri" panose="020F0502020204030204" pitchFamily="34" charset="0"/>
+                      </a:endParaRPr>
+                    </a:p>
+                  </a:txBody>
+                  <a:tcPr marL="6350" marR="6350" marT="6350" marB="0" anchor="b"/>
+                </a:tc>
+                <a:extLst>
+                  <a:ext uri="{0D108BD9-81ED-4DB2-BD59-A6C34878D82A}">
+                    <a16:rowId xmlns:a16="http://schemas.microsoft.com/office/drawing/2014/main" val="4198524088"/>
+                  </a:ext>
+                </a:extLst>
+              </a:tr>
+              <a:tr h="340401">
+                <a:tc>
+                  <a:txBody>
+                    <a:bodyPr/>
+                    <a:lstStyle/>
+                    <a:p>
+                      <a:pPr algn="l" fontAlgn="b"/>
+                      <a:r>
+                        <a:rPr lang="de-DE" sz="1800" u="none" strike="noStrike" dirty="0" err="1">
+                          <a:effectLst/>
+                        </a:rPr>
+                        <a:t>mistake</a:t>
+                      </a:r>
+                      <a:endParaRPr lang="de-DE" sz="1800" b="0" i="0" u="none" strike="noStrike" dirty="0">
+                        <a:solidFill>
+                          <a:srgbClr val="000000"/>
+                        </a:solidFill>
+                        <a:effectLst/>
+                        <a:latin typeface="Calibri" panose="020F0502020204030204" pitchFamily="34" charset="0"/>
+                      </a:endParaRPr>
+                    </a:p>
+                  </a:txBody>
+                  <a:tcPr marL="6350" marR="6350" marT="6350" marB="0" anchor="b"/>
+                </a:tc>
+                <a:tc>
+                  <a:txBody>
+                    <a:bodyPr/>
+                    <a:lstStyle/>
+                    <a:p>
+                      <a:pPr algn="r" fontAlgn="b"/>
+                      <a:r>
+                        <a:rPr lang="de-DE" sz="1800" u="none" strike="noStrike">
+                          <a:effectLst/>
+                        </a:rPr>
+                        <a:t>81,91%</a:t>
+                      </a:r>
+                      <a:endParaRPr lang="de-DE" sz="1800" b="0" i="0" u="none" strike="noStrike">
+                        <a:solidFill>
+                          <a:srgbClr val="000000"/>
+                        </a:solidFill>
+                        <a:effectLst/>
+                        <a:latin typeface="Calibri" panose="020F0502020204030204" pitchFamily="34" charset="0"/>
+                      </a:endParaRPr>
+                    </a:p>
+                  </a:txBody>
+                  <a:tcPr marL="6350" marR="6350" marT="6350" marB="0" anchor="b"/>
+                </a:tc>
+                <a:extLst>
+                  <a:ext uri="{0D108BD9-81ED-4DB2-BD59-A6C34878D82A}">
+                    <a16:rowId xmlns:a16="http://schemas.microsoft.com/office/drawing/2014/main" val="28538831"/>
+                  </a:ext>
+                </a:extLst>
+              </a:tr>
+              <a:tr h="340401">
+                <a:tc>
+                  <a:txBody>
+                    <a:bodyPr/>
+                    <a:lstStyle/>
+                    <a:p>
+                      <a:pPr algn="l" fontAlgn="b"/>
+                      <a:r>
+                        <a:rPr lang="de-DE" sz="1800" u="none" strike="noStrike">
+                          <a:effectLst/>
+                        </a:rPr>
+                        <a:t>error</a:t>
+                      </a:r>
+                      <a:endParaRPr lang="de-DE" sz="1800" b="0" i="0" u="none" strike="noStrike">
+                        <a:solidFill>
+                          <a:srgbClr val="000000"/>
+                        </a:solidFill>
+                        <a:effectLst/>
+                        <a:latin typeface="Calibri" panose="020F0502020204030204" pitchFamily="34" charset="0"/>
+                      </a:endParaRPr>
+                    </a:p>
+                  </a:txBody>
+                  <a:tcPr marL="6350" marR="6350" marT="6350" marB="0" anchor="b"/>
+                </a:tc>
+                <a:tc>
+                  <a:txBody>
+                    <a:bodyPr/>
+                    <a:lstStyle/>
+                    <a:p>
+                      <a:pPr algn="r" fontAlgn="b"/>
+                      <a:r>
+                        <a:rPr lang="de-DE" sz="1800" u="none" strike="noStrike" dirty="0">
+                          <a:effectLst/>
+                        </a:rPr>
+                        <a:t>73,49%</a:t>
+                      </a:r>
+                      <a:endParaRPr lang="de-DE" sz="1800" b="0" i="0" u="none" strike="noStrike" dirty="0">
+                        <a:solidFill>
+                          <a:srgbClr val="000000"/>
+                        </a:solidFill>
+                        <a:effectLst/>
+                        <a:latin typeface="Calibri" panose="020F0502020204030204" pitchFamily="34" charset="0"/>
+                      </a:endParaRPr>
+                    </a:p>
+                  </a:txBody>
+                  <a:tcPr marL="6350" marR="6350" marT="6350" marB="0" anchor="b"/>
+                </a:tc>
+                <a:extLst>
+                  <a:ext uri="{0D108BD9-81ED-4DB2-BD59-A6C34878D82A}">
+                    <a16:rowId xmlns:a16="http://schemas.microsoft.com/office/drawing/2014/main" val="682384844"/>
+                  </a:ext>
+                </a:extLst>
+              </a:tr>
+              <a:tr h="340401">
+                <a:tc>
+                  <a:txBody>
+                    <a:bodyPr/>
+                    <a:lstStyle/>
+                    <a:p>
+                      <a:pPr algn="l" fontAlgn="b"/>
+                      <a:r>
+                        <a:rPr lang="de-DE" sz="1800" u="none" strike="noStrike">
+                          <a:effectLst/>
+                        </a:rPr>
+                        <a:t>oversight</a:t>
+                      </a:r>
+                      <a:endParaRPr lang="de-DE" sz="1800" b="0" i="0" u="none" strike="noStrike">
+                        <a:solidFill>
+                          <a:srgbClr val="000000"/>
+                        </a:solidFill>
+                        <a:effectLst/>
+                        <a:latin typeface="Calibri" panose="020F0502020204030204" pitchFamily="34" charset="0"/>
+                      </a:endParaRPr>
+                    </a:p>
+                  </a:txBody>
+                  <a:tcPr marL="6350" marR="6350" marT="6350" marB="0" anchor="b"/>
+                </a:tc>
+                <a:tc>
+                  <a:txBody>
+                    <a:bodyPr/>
+                    <a:lstStyle/>
+                    <a:p>
+                      <a:pPr algn="r" fontAlgn="b"/>
+                      <a:r>
+                        <a:rPr lang="de-DE" sz="1800" u="none" strike="noStrike">
+                          <a:effectLst/>
+                        </a:rPr>
+                        <a:t>72,88%</a:t>
+                      </a:r>
+                      <a:endParaRPr lang="de-DE" sz="1800" b="0" i="0" u="none" strike="noStrike">
+                        <a:solidFill>
+                          <a:srgbClr val="000000"/>
+                        </a:solidFill>
+                        <a:effectLst/>
+                        <a:latin typeface="Calibri" panose="020F0502020204030204" pitchFamily="34" charset="0"/>
+                      </a:endParaRPr>
+                    </a:p>
+                  </a:txBody>
+                  <a:tcPr marL="6350" marR="6350" marT="6350" marB="0" anchor="b"/>
+                </a:tc>
+                <a:extLst>
+                  <a:ext uri="{0D108BD9-81ED-4DB2-BD59-A6C34878D82A}">
+                    <a16:rowId xmlns:a16="http://schemas.microsoft.com/office/drawing/2014/main" val="2034944137"/>
+                  </a:ext>
+                </a:extLst>
+              </a:tr>
+              <a:tr h="340401">
+                <a:tc>
+                  <a:txBody>
+                    <a:bodyPr/>
+                    <a:lstStyle/>
+                    <a:p>
+                      <a:pPr algn="l" fontAlgn="b"/>
+                      <a:r>
+                        <a:rPr lang="de-DE" sz="1800" u="none" strike="noStrike">
+                          <a:effectLst/>
+                        </a:rPr>
+                        <a:t>miscalculation</a:t>
+                      </a:r>
+                      <a:endParaRPr lang="de-DE" sz="1800" b="0" i="0" u="none" strike="noStrike">
+                        <a:solidFill>
+                          <a:srgbClr val="000000"/>
+                        </a:solidFill>
+                        <a:effectLst/>
+                        <a:latin typeface="Calibri" panose="020F0502020204030204" pitchFamily="34" charset="0"/>
+                      </a:endParaRPr>
+                    </a:p>
+                  </a:txBody>
+                  <a:tcPr marL="6350" marR="6350" marT="6350" marB="0" anchor="b"/>
+                </a:tc>
+                <a:tc>
+                  <a:txBody>
+                    <a:bodyPr/>
+                    <a:lstStyle/>
+                    <a:p>
+                      <a:pPr algn="r" fontAlgn="b"/>
+                      <a:r>
+                        <a:rPr lang="de-DE" sz="1800" u="none" strike="noStrike">
+                          <a:effectLst/>
+                        </a:rPr>
+                        <a:t>64,97%</a:t>
+                      </a:r>
+                      <a:endParaRPr lang="de-DE" sz="1800" b="0" i="0" u="none" strike="noStrike">
+                        <a:solidFill>
+                          <a:srgbClr val="000000"/>
+                        </a:solidFill>
+                        <a:effectLst/>
+                        <a:latin typeface="Calibri" panose="020F0502020204030204" pitchFamily="34" charset="0"/>
+                      </a:endParaRPr>
+                    </a:p>
+                  </a:txBody>
+                  <a:tcPr marL="6350" marR="6350" marT="6350" marB="0" anchor="b"/>
+                </a:tc>
+                <a:extLst>
+                  <a:ext uri="{0D108BD9-81ED-4DB2-BD59-A6C34878D82A}">
+                    <a16:rowId xmlns:a16="http://schemas.microsoft.com/office/drawing/2014/main" val="3149437194"/>
+                  </a:ext>
+                </a:extLst>
+              </a:tr>
+              <a:tr h="340401">
+                <a:tc>
+                  <a:txBody>
+                    <a:bodyPr/>
+                    <a:lstStyle/>
+                    <a:p>
+                      <a:pPr algn="l" fontAlgn="b"/>
+                      <a:r>
+                        <a:rPr lang="de-DE" sz="1800" u="none" strike="noStrike">
+                          <a:effectLst/>
+                        </a:rPr>
+                        <a:t>inaccuracy</a:t>
+                      </a:r>
+                      <a:endParaRPr lang="de-DE" sz="1800" b="0" i="0" u="none" strike="noStrike">
+                        <a:solidFill>
+                          <a:srgbClr val="000000"/>
+                        </a:solidFill>
+                        <a:effectLst/>
+                        <a:latin typeface="Calibri" panose="020F0502020204030204" pitchFamily="34" charset="0"/>
+                      </a:endParaRPr>
+                    </a:p>
+                  </a:txBody>
+                  <a:tcPr marL="6350" marR="6350" marT="6350" marB="0" anchor="b"/>
+                </a:tc>
+                <a:tc>
+                  <a:txBody>
+                    <a:bodyPr/>
+                    <a:lstStyle/>
+                    <a:p>
+                      <a:pPr algn="r" fontAlgn="b"/>
+                      <a:r>
+                        <a:rPr lang="de-DE" sz="1800" u="none" strike="noStrike">
+                          <a:effectLst/>
+                        </a:rPr>
+                        <a:t>61,69%</a:t>
+                      </a:r>
+                      <a:endParaRPr lang="de-DE" sz="1800" b="0" i="0" u="none" strike="noStrike">
+                        <a:solidFill>
+                          <a:srgbClr val="000000"/>
+                        </a:solidFill>
+                        <a:effectLst/>
+                        <a:latin typeface="Calibri" panose="020F0502020204030204" pitchFamily="34" charset="0"/>
+                      </a:endParaRPr>
+                    </a:p>
+                  </a:txBody>
+                  <a:tcPr marL="6350" marR="6350" marT="6350" marB="0" anchor="b"/>
+                </a:tc>
+                <a:extLst>
+                  <a:ext uri="{0D108BD9-81ED-4DB2-BD59-A6C34878D82A}">
+                    <a16:rowId xmlns:a16="http://schemas.microsoft.com/office/drawing/2014/main" val="1876449671"/>
+                  </a:ext>
+                </a:extLst>
+              </a:tr>
+              <a:tr h="340401">
+                <a:tc>
+                  <a:txBody>
+                    <a:bodyPr/>
+                    <a:lstStyle/>
+                    <a:p>
+                      <a:pPr algn="l" fontAlgn="b"/>
+                      <a:r>
+                        <a:rPr lang="de-DE" sz="1800" u="none" strike="noStrike">
+                          <a:effectLst/>
+                        </a:rPr>
+                        <a:t>touch</a:t>
+                      </a:r>
+                      <a:endParaRPr lang="de-DE" sz="1800" b="0" i="0" u="none" strike="noStrike">
+                        <a:solidFill>
+                          <a:srgbClr val="000000"/>
+                        </a:solidFill>
+                        <a:effectLst/>
+                        <a:latin typeface="Calibri" panose="020F0502020204030204" pitchFamily="34" charset="0"/>
+                      </a:endParaRPr>
+                    </a:p>
+                  </a:txBody>
+                  <a:tcPr marL="6350" marR="6350" marT="6350" marB="0" anchor="b"/>
+                </a:tc>
+                <a:tc>
+                  <a:txBody>
+                    <a:bodyPr/>
+                    <a:lstStyle/>
+                    <a:p>
+                      <a:pPr algn="r" fontAlgn="b"/>
+                      <a:r>
+                        <a:rPr lang="de-DE" sz="1800" u="none" strike="noStrike">
+                          <a:effectLst/>
+                        </a:rPr>
+                        <a:t>53,17%</a:t>
+                      </a:r>
+                      <a:endParaRPr lang="de-DE" sz="1800" b="0" i="0" u="none" strike="noStrike">
+                        <a:solidFill>
+                          <a:srgbClr val="000000"/>
+                        </a:solidFill>
+                        <a:effectLst/>
+                        <a:latin typeface="Calibri" panose="020F0502020204030204" pitchFamily="34" charset="0"/>
+                      </a:endParaRPr>
+                    </a:p>
+                  </a:txBody>
+                  <a:tcPr marL="6350" marR="6350" marT="6350" marB="0" anchor="b"/>
+                </a:tc>
+                <a:extLst>
+                  <a:ext uri="{0D108BD9-81ED-4DB2-BD59-A6C34878D82A}">
+                    <a16:rowId xmlns:a16="http://schemas.microsoft.com/office/drawing/2014/main" val="3364311285"/>
+                  </a:ext>
+                </a:extLst>
+              </a:tr>
+              <a:tr h="340401">
+                <a:tc>
+                  <a:txBody>
+                    <a:bodyPr/>
+                    <a:lstStyle/>
+                    <a:p>
+                      <a:pPr algn="l" fontAlgn="b"/>
+                      <a:r>
+                        <a:rPr lang="de-DE" sz="1800" u="none" strike="noStrike">
+                          <a:effectLst/>
+                        </a:rPr>
+                        <a:t>time-trouble</a:t>
+                      </a:r>
+                      <a:endParaRPr lang="de-DE" sz="1800" b="0" i="0" u="none" strike="noStrike">
+                        <a:solidFill>
+                          <a:srgbClr val="000000"/>
+                        </a:solidFill>
+                        <a:effectLst/>
+                        <a:latin typeface="Calibri" panose="020F0502020204030204" pitchFamily="34" charset="0"/>
+                      </a:endParaRPr>
+                    </a:p>
+                  </a:txBody>
+                  <a:tcPr marL="6350" marR="6350" marT="6350" marB="0" anchor="b"/>
+                </a:tc>
+                <a:tc>
+                  <a:txBody>
+                    <a:bodyPr/>
+                    <a:lstStyle/>
+                    <a:p>
+                      <a:pPr algn="r" fontAlgn="b"/>
+                      <a:r>
+                        <a:rPr lang="de-DE" sz="1800" u="none" strike="noStrike">
+                          <a:effectLst/>
+                        </a:rPr>
+                        <a:t>50,77%</a:t>
+                      </a:r>
+                      <a:endParaRPr lang="de-DE" sz="1800" b="0" i="0" u="none" strike="noStrike">
+                        <a:solidFill>
+                          <a:srgbClr val="000000"/>
+                        </a:solidFill>
+                        <a:effectLst/>
+                        <a:latin typeface="Calibri" panose="020F0502020204030204" pitchFamily="34" charset="0"/>
+                      </a:endParaRPr>
+                    </a:p>
+                  </a:txBody>
+                  <a:tcPr marL="6350" marR="6350" marT="6350" marB="0" anchor="b"/>
+                </a:tc>
+                <a:extLst>
+                  <a:ext uri="{0D108BD9-81ED-4DB2-BD59-A6C34878D82A}">
+                    <a16:rowId xmlns:a16="http://schemas.microsoft.com/office/drawing/2014/main" val="3267226852"/>
+                  </a:ext>
+                </a:extLst>
+              </a:tr>
+              <a:tr h="340401">
+                <a:tc>
+                  <a:txBody>
+                    <a:bodyPr/>
+                    <a:lstStyle/>
+                    <a:p>
+                      <a:pPr algn="l" fontAlgn="b"/>
+                      <a:r>
+                        <a:rPr lang="de-DE" sz="1800" u="none" strike="noStrike">
+                          <a:effectLst/>
+                        </a:rPr>
+                        <a:t>blow</a:t>
+                      </a:r>
+                      <a:endParaRPr lang="de-DE" sz="1800" b="0" i="0" u="none" strike="noStrike">
+                        <a:solidFill>
+                          <a:srgbClr val="000000"/>
+                        </a:solidFill>
+                        <a:effectLst/>
+                        <a:latin typeface="Calibri" panose="020F0502020204030204" pitchFamily="34" charset="0"/>
+                      </a:endParaRPr>
+                    </a:p>
+                  </a:txBody>
+                  <a:tcPr marL="6350" marR="6350" marT="6350" marB="0" anchor="b"/>
+                </a:tc>
+                <a:tc>
+                  <a:txBody>
+                    <a:bodyPr/>
+                    <a:lstStyle/>
+                    <a:p>
+                      <a:pPr algn="r" fontAlgn="b"/>
+                      <a:r>
+                        <a:rPr lang="de-DE" sz="1800" u="none" strike="noStrike">
+                          <a:effectLst/>
+                        </a:rPr>
+                        <a:t>49,59%</a:t>
+                      </a:r>
+                      <a:endParaRPr lang="de-DE" sz="1800" b="0" i="0" u="none" strike="noStrike">
+                        <a:solidFill>
+                          <a:srgbClr val="000000"/>
+                        </a:solidFill>
+                        <a:effectLst/>
+                        <a:latin typeface="Calibri" panose="020F0502020204030204" pitchFamily="34" charset="0"/>
+                      </a:endParaRPr>
+                    </a:p>
+                  </a:txBody>
+                  <a:tcPr marL="6350" marR="6350" marT="6350" marB="0" anchor="b"/>
+                </a:tc>
+                <a:extLst>
+                  <a:ext uri="{0D108BD9-81ED-4DB2-BD59-A6C34878D82A}">
+                    <a16:rowId xmlns:a16="http://schemas.microsoft.com/office/drawing/2014/main" val="2719060859"/>
+                  </a:ext>
+                </a:extLst>
+              </a:tr>
+              <a:tr h="340401">
+                <a:tc>
+                  <a:txBody>
+                    <a:bodyPr/>
+                    <a:lstStyle/>
+                    <a:p>
+                      <a:pPr algn="l" fontAlgn="b"/>
+                      <a:r>
+                        <a:rPr lang="de-DE" sz="1800" u="none" strike="noStrike">
+                          <a:effectLst/>
+                        </a:rPr>
+                        <a:t>shoot</a:t>
+                      </a:r>
+                      <a:endParaRPr lang="de-DE" sz="1800" b="0" i="0" u="none" strike="noStrike">
+                        <a:solidFill>
+                          <a:srgbClr val="000000"/>
+                        </a:solidFill>
+                        <a:effectLst/>
+                        <a:latin typeface="Calibri" panose="020F0502020204030204" pitchFamily="34" charset="0"/>
+                      </a:endParaRPr>
+                    </a:p>
+                  </a:txBody>
+                  <a:tcPr marL="6350" marR="6350" marT="6350" marB="0" anchor="b"/>
+                </a:tc>
+                <a:tc>
+                  <a:txBody>
+                    <a:bodyPr/>
+                    <a:lstStyle/>
+                    <a:p>
+                      <a:pPr algn="r" fontAlgn="b"/>
+                      <a:r>
+                        <a:rPr lang="de-DE" sz="1800" u="none" strike="noStrike">
+                          <a:effectLst/>
+                        </a:rPr>
+                        <a:t>49,09%</a:t>
+                      </a:r>
+                      <a:endParaRPr lang="de-DE" sz="1800" b="0" i="0" u="none" strike="noStrike">
+                        <a:solidFill>
+                          <a:srgbClr val="000000"/>
+                        </a:solidFill>
+                        <a:effectLst/>
+                        <a:latin typeface="Calibri" panose="020F0502020204030204" pitchFamily="34" charset="0"/>
+                      </a:endParaRPr>
+                    </a:p>
+                  </a:txBody>
+                  <a:tcPr marL="6350" marR="6350" marT="6350" marB="0" anchor="b"/>
+                </a:tc>
+                <a:extLst>
+                  <a:ext uri="{0D108BD9-81ED-4DB2-BD59-A6C34878D82A}">
+                    <a16:rowId xmlns:a16="http://schemas.microsoft.com/office/drawing/2014/main" val="84173620"/>
+                  </a:ext>
+                </a:extLst>
+              </a:tr>
+              <a:tr h="340401">
+                <a:tc>
+                  <a:txBody>
+                    <a:bodyPr/>
+                    <a:lstStyle/>
+                    <a:p>
+                      <a:pPr algn="l" fontAlgn="b"/>
+                      <a:r>
+                        <a:rPr lang="de-DE" sz="1800" u="none" strike="noStrike">
+                          <a:effectLst/>
+                        </a:rPr>
+                        <a:t>concession</a:t>
+                      </a:r>
+                      <a:endParaRPr lang="de-DE" sz="1800" b="0" i="0" u="none" strike="noStrike">
+                        <a:solidFill>
+                          <a:srgbClr val="000000"/>
+                        </a:solidFill>
+                        <a:effectLst/>
+                        <a:latin typeface="Calibri" panose="020F0502020204030204" pitchFamily="34" charset="0"/>
+                      </a:endParaRPr>
+                    </a:p>
+                  </a:txBody>
+                  <a:tcPr marL="6350" marR="6350" marT="6350" marB="0" anchor="b"/>
+                </a:tc>
+                <a:tc>
+                  <a:txBody>
+                    <a:bodyPr/>
+                    <a:lstStyle/>
+                    <a:p>
+                      <a:pPr algn="r" fontAlgn="b"/>
+                      <a:r>
+                        <a:rPr lang="de-DE" sz="1800" u="none" strike="noStrike" dirty="0">
+                          <a:effectLst/>
+                        </a:rPr>
+                        <a:t>48,49%</a:t>
+                      </a:r>
+                      <a:endParaRPr lang="de-DE" sz="1800" b="0" i="0" u="none" strike="noStrike" dirty="0">
+                        <a:solidFill>
+                          <a:srgbClr val="000000"/>
+                        </a:solidFill>
+                        <a:effectLst/>
+                        <a:latin typeface="Calibri" panose="020F0502020204030204" pitchFamily="34" charset="0"/>
+                      </a:endParaRPr>
+                    </a:p>
+                  </a:txBody>
+                  <a:tcPr marL="6350" marR="6350" marT="6350" marB="0" anchor="b"/>
+                </a:tc>
+                <a:extLst>
+                  <a:ext uri="{0D108BD9-81ED-4DB2-BD59-A6C34878D82A}">
+                    <a16:rowId xmlns:a16="http://schemas.microsoft.com/office/drawing/2014/main" val="1393386257"/>
+                  </a:ext>
+                </a:extLst>
+              </a:tr>
+            </a:tbl>
+          </a:graphicData>
+        </a:graphic>
+      </p:graphicFrame>
+      <p:graphicFrame>
+        <p:nvGraphicFramePr>
+          <p:cNvPr id="8" name="Tabelle 7">
+            <a:extLst>
+              <a:ext uri="{FF2B5EF4-FFF2-40B4-BE49-F238E27FC236}">
+                <a16:creationId xmlns:a16="http://schemas.microsoft.com/office/drawing/2014/main" id="{0D177A9D-65C4-4B6A-910A-A84F753A43BE}"/>
+              </a:ext>
+            </a:extLst>
+          </p:cNvPr>
+          <p:cNvGraphicFramePr>
+            <a:graphicFrameLocks noGrp="1"/>
+          </p:cNvGraphicFramePr>
+          <p:nvPr/>
+        </p:nvGraphicFramePr>
+        <p:xfrm>
+          <a:off x="616022" y="2200248"/>
+          <a:ext cx="3672000" cy="3743993"/>
+        </p:xfrm>
+        <a:graphic>
+          <a:graphicData uri="http://schemas.openxmlformats.org/drawingml/2006/table">
+            <a:tbl>
+              <a:tblPr firstRow="1">
+                <a:tableStyleId>{72833802-FEF1-4C79-8D5D-14CF1EAF98D9}</a:tableStyleId>
+              </a:tblPr>
+              <a:tblGrid>
+                <a:gridCol w="1558621">
+                  <a:extLst>
+                    <a:ext uri="{9D8B030D-6E8A-4147-A177-3AD203B41FA5}">
+                      <a16:colId xmlns:a16="http://schemas.microsoft.com/office/drawing/2014/main" val="3836371918"/>
+                    </a:ext>
+                  </a:extLst>
+                </a:gridCol>
+                <a:gridCol w="2113379">
+                  <a:extLst>
+                    <a:ext uri="{9D8B030D-6E8A-4147-A177-3AD203B41FA5}">
+                      <a16:colId xmlns:a16="http://schemas.microsoft.com/office/drawing/2014/main" val="788396680"/>
+                    </a:ext>
+                  </a:extLst>
+                </a:gridCol>
+              </a:tblGrid>
+              <a:tr h="340363">
+                <a:tc>
+                  <a:txBody>
+                    <a:bodyPr/>
+                    <a:lstStyle/>
+                    <a:p>
+                      <a:pPr algn="l" fontAlgn="b"/>
+                      <a:r>
+                        <a:rPr lang="de-DE" sz="1800" u="none" strike="noStrike" dirty="0">
+                          <a:effectLst/>
+                        </a:rPr>
+                        <a:t>Word</a:t>
+                      </a:r>
+                      <a:endParaRPr lang="de-DE" sz="1800" b="0" i="0" u="none" strike="noStrike" dirty="0">
+                        <a:solidFill>
+                          <a:srgbClr val="000000"/>
+                        </a:solidFill>
+                        <a:effectLst/>
+                        <a:latin typeface="Calibri" panose="020F0502020204030204" pitchFamily="34" charset="0"/>
+                      </a:endParaRPr>
+                    </a:p>
+                  </a:txBody>
+                  <a:tcPr marL="6350" marR="6350" marT="6350" marB="0" anchor="b"/>
+                </a:tc>
+                <a:tc>
+                  <a:txBody>
+                    <a:bodyPr/>
+                    <a:lstStyle/>
+                    <a:p>
+                      <a:pPr algn="l" fontAlgn="b"/>
+                      <a:r>
+                        <a:rPr lang="de-DE" sz="1800" u="none" strike="noStrike" dirty="0" err="1">
+                          <a:effectLst/>
+                        </a:rPr>
+                        <a:t>Cosine</a:t>
+                      </a:r>
+                      <a:r>
+                        <a:rPr lang="de-DE" sz="1800" u="none" strike="noStrike" dirty="0">
+                          <a:effectLst/>
+                        </a:rPr>
+                        <a:t> </a:t>
+                      </a:r>
+                      <a:r>
+                        <a:rPr lang="de-DE" sz="1800" u="none" strike="noStrike" dirty="0" err="1">
+                          <a:effectLst/>
+                        </a:rPr>
+                        <a:t>Similarity</a:t>
+                      </a:r>
+                      <a:endParaRPr lang="de-DE" sz="1800" b="0" i="0" u="none" strike="noStrike" dirty="0">
+                        <a:solidFill>
+                          <a:srgbClr val="000000"/>
+                        </a:solidFill>
+                        <a:effectLst/>
+                        <a:latin typeface="Calibri" panose="020F0502020204030204" pitchFamily="34" charset="0"/>
+                      </a:endParaRPr>
+                    </a:p>
+                  </a:txBody>
+                  <a:tcPr marL="6350" marR="6350" marT="6350" marB="0" anchor="b"/>
+                </a:tc>
+                <a:extLst>
+                  <a:ext uri="{0D108BD9-81ED-4DB2-BD59-A6C34878D82A}">
+                    <a16:rowId xmlns:a16="http://schemas.microsoft.com/office/drawing/2014/main" val="131893248"/>
+                  </a:ext>
+                </a:extLst>
+              </a:tr>
+              <a:tr h="340363">
+                <a:tc>
+                  <a:txBody>
+                    <a:bodyPr/>
+                    <a:lstStyle/>
+                    <a:p>
+                      <a:pPr algn="l" fontAlgn="b"/>
+                      <a:r>
+                        <a:rPr lang="de-DE" sz="1800" u="none" strike="noStrike">
+                          <a:effectLst/>
+                        </a:rPr>
+                        <a:t>mate</a:t>
+                      </a:r>
+                      <a:endParaRPr lang="de-DE" sz="1800" b="0" i="0" u="none" strike="noStrike">
+                        <a:solidFill>
+                          <a:srgbClr val="000000"/>
+                        </a:solidFill>
+                        <a:effectLst/>
+                        <a:latin typeface="Calibri" panose="020F0502020204030204" pitchFamily="34" charset="0"/>
+                      </a:endParaRPr>
+                    </a:p>
+                  </a:txBody>
+                  <a:tcPr marL="6350" marR="6350" marT="6350" marB="0" anchor="b"/>
+                </a:tc>
+                <a:tc>
+                  <a:txBody>
+                    <a:bodyPr/>
+                    <a:lstStyle/>
+                    <a:p>
+                      <a:pPr algn="r" fontAlgn="b"/>
+                      <a:r>
+                        <a:rPr lang="de-DE" sz="1800" u="none" strike="noStrike" dirty="0">
+                          <a:effectLst/>
+                        </a:rPr>
+                        <a:t>51,11%</a:t>
+                      </a:r>
+                      <a:endParaRPr lang="de-DE" sz="1800" b="0" i="0" u="none" strike="noStrike" dirty="0">
+                        <a:solidFill>
+                          <a:srgbClr val="000000"/>
+                        </a:solidFill>
+                        <a:effectLst/>
+                        <a:latin typeface="Calibri" panose="020F0502020204030204" pitchFamily="34" charset="0"/>
+                      </a:endParaRPr>
+                    </a:p>
+                  </a:txBody>
+                  <a:tcPr marL="6350" marR="6350" marT="6350" marB="0" anchor="b"/>
+                </a:tc>
+                <a:extLst>
+                  <a:ext uri="{0D108BD9-81ED-4DB2-BD59-A6C34878D82A}">
+                    <a16:rowId xmlns:a16="http://schemas.microsoft.com/office/drawing/2014/main" val="1859612126"/>
+                  </a:ext>
+                </a:extLst>
+              </a:tr>
+              <a:tr h="340363">
+                <a:tc>
+                  <a:txBody>
+                    <a:bodyPr/>
+                    <a:lstStyle/>
+                    <a:p>
+                      <a:pPr algn="l" fontAlgn="b"/>
+                      <a:r>
+                        <a:rPr lang="de-DE" sz="1800" u="none" strike="noStrike">
+                          <a:effectLst/>
+                        </a:rPr>
+                        <a:t>pin</a:t>
+                      </a:r>
+                      <a:endParaRPr lang="de-DE" sz="1800" b="0" i="0" u="none" strike="noStrike">
+                        <a:solidFill>
+                          <a:srgbClr val="000000"/>
+                        </a:solidFill>
+                        <a:effectLst/>
+                        <a:latin typeface="Calibri" panose="020F0502020204030204" pitchFamily="34" charset="0"/>
+                      </a:endParaRPr>
+                    </a:p>
+                  </a:txBody>
+                  <a:tcPr marL="6350" marR="6350" marT="6350" marB="0" anchor="b"/>
+                </a:tc>
+                <a:tc>
+                  <a:txBody>
+                    <a:bodyPr/>
+                    <a:lstStyle/>
+                    <a:p>
+                      <a:pPr algn="r" fontAlgn="b"/>
+                      <a:r>
+                        <a:rPr lang="de-DE" sz="1800" u="none" strike="noStrike">
+                          <a:effectLst/>
+                        </a:rPr>
+                        <a:t>50,75%</a:t>
+                      </a:r>
+                      <a:endParaRPr lang="de-DE" sz="1800" b="0" i="0" u="none" strike="noStrike">
+                        <a:solidFill>
+                          <a:srgbClr val="000000"/>
+                        </a:solidFill>
+                        <a:effectLst/>
+                        <a:latin typeface="Calibri" panose="020F0502020204030204" pitchFamily="34" charset="0"/>
+                      </a:endParaRPr>
+                    </a:p>
+                  </a:txBody>
+                  <a:tcPr marL="6350" marR="6350" marT="6350" marB="0" anchor="b"/>
+                </a:tc>
+                <a:extLst>
+                  <a:ext uri="{0D108BD9-81ED-4DB2-BD59-A6C34878D82A}">
+                    <a16:rowId xmlns:a16="http://schemas.microsoft.com/office/drawing/2014/main" val="863197529"/>
+                  </a:ext>
+                </a:extLst>
+              </a:tr>
+              <a:tr h="340363">
+                <a:tc>
+                  <a:txBody>
+                    <a:bodyPr/>
+                    <a:lstStyle/>
+                    <a:p>
+                      <a:pPr algn="l" fontAlgn="b"/>
+                      <a:r>
+                        <a:rPr lang="de-DE" sz="1800" u="none" strike="noStrike">
+                          <a:effectLst/>
+                        </a:rPr>
+                        <a:t>capture</a:t>
+                      </a:r>
+                      <a:endParaRPr lang="de-DE" sz="1800" b="0" i="0" u="none" strike="noStrike">
+                        <a:solidFill>
+                          <a:srgbClr val="000000"/>
+                        </a:solidFill>
+                        <a:effectLst/>
+                        <a:latin typeface="Calibri" panose="020F0502020204030204" pitchFamily="34" charset="0"/>
+                      </a:endParaRPr>
+                    </a:p>
+                  </a:txBody>
+                  <a:tcPr marL="6350" marR="6350" marT="6350" marB="0" anchor="b"/>
+                </a:tc>
+                <a:tc>
+                  <a:txBody>
+                    <a:bodyPr/>
+                    <a:lstStyle/>
+                    <a:p>
+                      <a:pPr algn="r" fontAlgn="b"/>
+                      <a:r>
+                        <a:rPr lang="de-DE" sz="1800" u="none" strike="noStrike" dirty="0">
+                          <a:effectLst/>
+                        </a:rPr>
+                        <a:t>45,05%</a:t>
+                      </a:r>
+                      <a:endParaRPr lang="de-DE" sz="1800" b="0" i="0" u="none" strike="noStrike" dirty="0">
+                        <a:solidFill>
+                          <a:srgbClr val="000000"/>
+                        </a:solidFill>
+                        <a:effectLst/>
+                        <a:latin typeface="Calibri" panose="020F0502020204030204" pitchFamily="34" charset="0"/>
+                      </a:endParaRPr>
+                    </a:p>
+                  </a:txBody>
+                  <a:tcPr marL="6350" marR="6350" marT="6350" marB="0" anchor="b"/>
+                </a:tc>
+                <a:extLst>
+                  <a:ext uri="{0D108BD9-81ED-4DB2-BD59-A6C34878D82A}">
+                    <a16:rowId xmlns:a16="http://schemas.microsoft.com/office/drawing/2014/main" val="1163888397"/>
+                  </a:ext>
+                </a:extLst>
+              </a:tr>
+              <a:tr h="340363">
+                <a:tc>
+                  <a:txBody>
+                    <a:bodyPr/>
+                    <a:lstStyle/>
+                    <a:p>
+                      <a:pPr algn="l" fontAlgn="b"/>
+                      <a:r>
+                        <a:rPr lang="de-DE" sz="1800" u="none" strike="noStrike">
+                          <a:effectLst/>
+                        </a:rPr>
+                        <a:t>fork</a:t>
+                      </a:r>
+                      <a:endParaRPr lang="de-DE" sz="1800" b="0" i="0" u="none" strike="noStrike">
+                        <a:solidFill>
+                          <a:srgbClr val="000000"/>
+                        </a:solidFill>
+                        <a:effectLst/>
+                        <a:latin typeface="Calibri" panose="020F0502020204030204" pitchFamily="34" charset="0"/>
+                      </a:endParaRPr>
+                    </a:p>
+                  </a:txBody>
+                  <a:tcPr marL="6350" marR="6350" marT="6350" marB="0" anchor="b"/>
+                </a:tc>
+                <a:tc>
+                  <a:txBody>
+                    <a:bodyPr/>
+                    <a:lstStyle/>
+                    <a:p>
+                      <a:pPr algn="r" fontAlgn="b"/>
+                      <a:r>
+                        <a:rPr lang="de-DE" sz="1800" u="none" strike="noStrike">
+                          <a:effectLst/>
+                        </a:rPr>
+                        <a:t>44,42%</a:t>
+                      </a:r>
+                      <a:endParaRPr lang="de-DE" sz="1800" b="0" i="0" u="none" strike="noStrike">
+                        <a:solidFill>
+                          <a:srgbClr val="000000"/>
+                        </a:solidFill>
+                        <a:effectLst/>
+                        <a:latin typeface="Calibri" panose="020F0502020204030204" pitchFamily="34" charset="0"/>
+                      </a:endParaRPr>
+                    </a:p>
+                  </a:txBody>
+                  <a:tcPr marL="6350" marR="6350" marT="6350" marB="0" anchor="b"/>
+                </a:tc>
+                <a:extLst>
+                  <a:ext uri="{0D108BD9-81ED-4DB2-BD59-A6C34878D82A}">
+                    <a16:rowId xmlns:a16="http://schemas.microsoft.com/office/drawing/2014/main" val="3067879736"/>
+                  </a:ext>
+                </a:extLst>
+              </a:tr>
+              <a:tr h="340363">
+                <a:tc>
+                  <a:txBody>
+                    <a:bodyPr/>
+                    <a:lstStyle/>
+                    <a:p>
+                      <a:pPr algn="l" fontAlgn="b"/>
+                      <a:r>
+                        <a:rPr lang="de-DE" sz="1800" u="none" strike="noStrike">
+                          <a:effectLst/>
+                        </a:rPr>
+                        <a:t>move</a:t>
+                      </a:r>
+                      <a:endParaRPr lang="de-DE" sz="1800" b="0" i="0" u="none" strike="noStrike">
+                        <a:solidFill>
+                          <a:srgbClr val="000000"/>
+                        </a:solidFill>
+                        <a:effectLst/>
+                        <a:latin typeface="Calibri" panose="020F0502020204030204" pitchFamily="34" charset="0"/>
+                      </a:endParaRPr>
+                    </a:p>
+                  </a:txBody>
+                  <a:tcPr marL="6350" marR="6350" marT="6350" marB="0" anchor="b"/>
+                </a:tc>
+                <a:tc>
+                  <a:txBody>
+                    <a:bodyPr/>
+                    <a:lstStyle/>
+                    <a:p>
+                      <a:pPr algn="r" fontAlgn="b"/>
+                      <a:r>
+                        <a:rPr lang="de-DE" sz="1800" u="none" strike="noStrike">
+                          <a:effectLst/>
+                        </a:rPr>
+                        <a:t>41,45%</a:t>
+                      </a:r>
+                      <a:endParaRPr lang="de-DE" sz="1800" b="0" i="0" u="none" strike="noStrike">
+                        <a:solidFill>
+                          <a:srgbClr val="000000"/>
+                        </a:solidFill>
+                        <a:effectLst/>
+                        <a:latin typeface="Calibri" panose="020F0502020204030204" pitchFamily="34" charset="0"/>
+                      </a:endParaRPr>
+                    </a:p>
+                  </a:txBody>
+                  <a:tcPr marL="6350" marR="6350" marT="6350" marB="0" anchor="b"/>
+                </a:tc>
+                <a:extLst>
+                  <a:ext uri="{0D108BD9-81ED-4DB2-BD59-A6C34878D82A}">
+                    <a16:rowId xmlns:a16="http://schemas.microsoft.com/office/drawing/2014/main" val="1102011"/>
+                  </a:ext>
+                </a:extLst>
+              </a:tr>
+              <a:tr h="340363">
+                <a:tc>
+                  <a:txBody>
+                    <a:bodyPr/>
+                    <a:lstStyle/>
+                    <a:p>
+                      <a:pPr algn="l" fontAlgn="b"/>
+                      <a:r>
+                        <a:rPr lang="de-DE" sz="1800" u="none" strike="noStrike">
+                          <a:effectLst/>
+                        </a:rPr>
+                        <a:t>perpetual</a:t>
+                      </a:r>
+                      <a:endParaRPr lang="de-DE" sz="1800" b="0" i="0" u="none" strike="noStrike">
+                        <a:solidFill>
+                          <a:srgbClr val="000000"/>
+                        </a:solidFill>
+                        <a:effectLst/>
+                        <a:latin typeface="Calibri" panose="020F0502020204030204" pitchFamily="34" charset="0"/>
+                      </a:endParaRPr>
+                    </a:p>
+                  </a:txBody>
+                  <a:tcPr marL="6350" marR="6350" marT="6350" marB="0" anchor="b"/>
+                </a:tc>
+                <a:tc>
+                  <a:txBody>
+                    <a:bodyPr/>
+                    <a:lstStyle/>
+                    <a:p>
+                      <a:pPr algn="r" fontAlgn="b"/>
+                      <a:r>
+                        <a:rPr lang="de-DE" sz="1800" u="none" strike="noStrike">
+                          <a:effectLst/>
+                        </a:rPr>
+                        <a:t>41,08%</a:t>
+                      </a:r>
+                      <a:endParaRPr lang="de-DE" sz="1800" b="0" i="0" u="none" strike="noStrike">
+                        <a:solidFill>
+                          <a:srgbClr val="000000"/>
+                        </a:solidFill>
+                        <a:effectLst/>
+                        <a:latin typeface="Calibri" panose="020F0502020204030204" pitchFamily="34" charset="0"/>
+                      </a:endParaRPr>
+                    </a:p>
+                  </a:txBody>
+                  <a:tcPr marL="6350" marR="6350" marT="6350" marB="0" anchor="b"/>
+                </a:tc>
+                <a:extLst>
+                  <a:ext uri="{0D108BD9-81ED-4DB2-BD59-A6C34878D82A}">
+                    <a16:rowId xmlns:a16="http://schemas.microsoft.com/office/drawing/2014/main" val="3702258274"/>
+                  </a:ext>
+                </a:extLst>
+              </a:tr>
+              <a:tr h="340363">
+                <a:tc>
+                  <a:txBody>
+                    <a:bodyPr/>
+                    <a:lstStyle/>
+                    <a:p>
+                      <a:pPr algn="l" fontAlgn="b"/>
+                      <a:r>
+                        <a:rPr lang="de-DE" sz="1800" u="none" strike="noStrike">
+                          <a:effectLst/>
+                        </a:rPr>
+                        <a:t>guard</a:t>
+                      </a:r>
+                      <a:endParaRPr lang="de-DE" sz="1800" b="0" i="0" u="none" strike="noStrike">
+                        <a:solidFill>
+                          <a:srgbClr val="000000"/>
+                        </a:solidFill>
+                        <a:effectLst/>
+                        <a:latin typeface="Calibri" panose="020F0502020204030204" pitchFamily="34" charset="0"/>
+                      </a:endParaRPr>
+                    </a:p>
+                  </a:txBody>
+                  <a:tcPr marL="6350" marR="6350" marT="6350" marB="0" anchor="b"/>
+                </a:tc>
+                <a:tc>
+                  <a:txBody>
+                    <a:bodyPr/>
+                    <a:lstStyle/>
+                    <a:p>
+                      <a:pPr algn="r" fontAlgn="b"/>
+                      <a:r>
+                        <a:rPr lang="de-DE" sz="1800" u="none" strike="noStrike">
+                          <a:effectLst/>
+                        </a:rPr>
+                        <a:t>38,12%</a:t>
+                      </a:r>
+                      <a:endParaRPr lang="de-DE" sz="1800" b="0" i="0" u="none" strike="noStrike">
+                        <a:solidFill>
+                          <a:srgbClr val="000000"/>
+                        </a:solidFill>
+                        <a:effectLst/>
+                        <a:latin typeface="Calibri" panose="020F0502020204030204" pitchFamily="34" charset="0"/>
+                      </a:endParaRPr>
+                    </a:p>
+                  </a:txBody>
+                  <a:tcPr marL="6350" marR="6350" marT="6350" marB="0" anchor="b"/>
+                </a:tc>
+                <a:extLst>
+                  <a:ext uri="{0D108BD9-81ED-4DB2-BD59-A6C34878D82A}">
+                    <a16:rowId xmlns:a16="http://schemas.microsoft.com/office/drawing/2014/main" val="3774486301"/>
+                  </a:ext>
+                </a:extLst>
+              </a:tr>
+              <a:tr h="340363">
+                <a:tc>
+                  <a:txBody>
+                    <a:bodyPr/>
+                    <a:lstStyle/>
+                    <a:p>
+                      <a:pPr algn="l" fontAlgn="b"/>
+                      <a:r>
+                        <a:rPr lang="de-DE" sz="1800" u="none" strike="noStrike">
+                          <a:effectLst/>
+                        </a:rPr>
+                        <a:t>penetration</a:t>
+                      </a:r>
+                      <a:endParaRPr lang="de-DE" sz="1800" b="0" i="0" u="none" strike="noStrike">
+                        <a:solidFill>
+                          <a:srgbClr val="000000"/>
+                        </a:solidFill>
+                        <a:effectLst/>
+                        <a:latin typeface="Calibri" panose="020F0502020204030204" pitchFamily="34" charset="0"/>
+                      </a:endParaRPr>
+                    </a:p>
+                  </a:txBody>
+                  <a:tcPr marL="6350" marR="6350" marT="6350" marB="0" anchor="b"/>
+                </a:tc>
+                <a:tc>
+                  <a:txBody>
+                    <a:bodyPr/>
+                    <a:lstStyle/>
+                    <a:p>
+                      <a:pPr algn="r" fontAlgn="b"/>
+                      <a:r>
+                        <a:rPr lang="de-DE" sz="1800" u="none" strike="noStrike">
+                          <a:effectLst/>
+                        </a:rPr>
+                        <a:t>37,36%</a:t>
+                      </a:r>
+                      <a:endParaRPr lang="de-DE" sz="1800" b="0" i="0" u="none" strike="noStrike">
+                        <a:solidFill>
+                          <a:srgbClr val="000000"/>
+                        </a:solidFill>
+                        <a:effectLst/>
+                        <a:latin typeface="Calibri" panose="020F0502020204030204" pitchFamily="34" charset="0"/>
+                      </a:endParaRPr>
+                    </a:p>
+                  </a:txBody>
+                  <a:tcPr marL="6350" marR="6350" marT="6350" marB="0" anchor="b"/>
+                </a:tc>
+                <a:extLst>
+                  <a:ext uri="{0D108BD9-81ED-4DB2-BD59-A6C34878D82A}">
+                    <a16:rowId xmlns:a16="http://schemas.microsoft.com/office/drawing/2014/main" val="1543045689"/>
+                  </a:ext>
+                </a:extLst>
+              </a:tr>
+              <a:tr h="340363">
+                <a:tc>
+                  <a:txBody>
+                    <a:bodyPr/>
+                    <a:lstStyle/>
+                    <a:p>
+                      <a:pPr algn="l" fontAlgn="b"/>
+                      <a:r>
+                        <a:rPr lang="de-DE" sz="1800" u="none" strike="noStrike">
+                          <a:effectLst/>
+                        </a:rPr>
+                        <a:t>threat</a:t>
+                      </a:r>
+                      <a:endParaRPr lang="de-DE" sz="1800" b="0" i="0" u="none" strike="noStrike">
+                        <a:solidFill>
+                          <a:srgbClr val="000000"/>
+                        </a:solidFill>
+                        <a:effectLst/>
+                        <a:latin typeface="Calibri" panose="020F0502020204030204" pitchFamily="34" charset="0"/>
+                      </a:endParaRPr>
+                    </a:p>
+                  </a:txBody>
+                  <a:tcPr marL="6350" marR="6350" marT="6350" marB="0" anchor="b"/>
+                </a:tc>
+                <a:tc>
+                  <a:txBody>
+                    <a:bodyPr/>
+                    <a:lstStyle/>
+                    <a:p>
+                      <a:pPr algn="r" fontAlgn="b"/>
+                      <a:r>
+                        <a:rPr lang="de-DE" sz="1800" u="none" strike="noStrike">
+                          <a:effectLst/>
+                        </a:rPr>
+                        <a:t>35,91%</a:t>
+                      </a:r>
+                      <a:endParaRPr lang="de-DE" sz="1800" b="0" i="0" u="none" strike="noStrike">
+                        <a:solidFill>
+                          <a:srgbClr val="000000"/>
+                        </a:solidFill>
+                        <a:effectLst/>
+                        <a:latin typeface="Calibri" panose="020F0502020204030204" pitchFamily="34" charset="0"/>
+                      </a:endParaRPr>
+                    </a:p>
+                  </a:txBody>
+                  <a:tcPr marL="6350" marR="6350" marT="6350" marB="0" anchor="b"/>
+                </a:tc>
+                <a:extLst>
+                  <a:ext uri="{0D108BD9-81ED-4DB2-BD59-A6C34878D82A}">
+                    <a16:rowId xmlns:a16="http://schemas.microsoft.com/office/drawing/2014/main" val="3082850512"/>
+                  </a:ext>
+                </a:extLst>
+              </a:tr>
+              <a:tr h="340363">
+                <a:tc>
+                  <a:txBody>
+                    <a:bodyPr/>
+                    <a:lstStyle/>
+                    <a:p>
+                      <a:pPr algn="l" fontAlgn="b"/>
+                      <a:r>
+                        <a:rPr lang="de-DE" sz="1800" u="none" strike="noStrike">
+                          <a:effectLst/>
+                        </a:rPr>
+                        <a:t>attack</a:t>
+                      </a:r>
+                      <a:endParaRPr lang="de-DE" sz="1800" b="0" i="0" u="none" strike="noStrike">
+                        <a:solidFill>
+                          <a:srgbClr val="000000"/>
+                        </a:solidFill>
+                        <a:effectLst/>
+                        <a:latin typeface="Calibri" panose="020F0502020204030204" pitchFamily="34" charset="0"/>
+                      </a:endParaRPr>
+                    </a:p>
+                  </a:txBody>
+                  <a:tcPr marL="6350" marR="6350" marT="6350" marB="0" anchor="b"/>
+                </a:tc>
+                <a:tc>
+                  <a:txBody>
+                    <a:bodyPr/>
+                    <a:lstStyle/>
+                    <a:p>
+                      <a:pPr algn="r" fontAlgn="b"/>
+                      <a:r>
+                        <a:rPr lang="de-DE" sz="1800" u="none" strike="noStrike" dirty="0">
+                          <a:effectLst/>
+                        </a:rPr>
+                        <a:t>34,98%</a:t>
+                      </a:r>
+                      <a:endParaRPr lang="de-DE" sz="1800" b="0" i="0" u="none" strike="noStrike" dirty="0">
+                        <a:solidFill>
+                          <a:srgbClr val="000000"/>
+                        </a:solidFill>
+                        <a:effectLst/>
+                        <a:latin typeface="Calibri" panose="020F0502020204030204" pitchFamily="34" charset="0"/>
+                      </a:endParaRPr>
+                    </a:p>
+                  </a:txBody>
+                  <a:tcPr marL="6350" marR="6350" marT="6350" marB="0" anchor="b"/>
+                </a:tc>
+                <a:extLst>
+                  <a:ext uri="{0D108BD9-81ED-4DB2-BD59-A6C34878D82A}">
+                    <a16:rowId xmlns:a16="http://schemas.microsoft.com/office/drawing/2014/main" val="715192983"/>
+                  </a:ext>
+                </a:extLst>
+              </a:tr>
+            </a:tbl>
+          </a:graphicData>
+        </a:graphic>
+      </p:graphicFrame>
+      <p:sp>
+        <p:nvSpPr>
+          <p:cNvPr id="9" name="Textfeld 8">
+            <a:extLst>
+              <a:ext uri="{FF2B5EF4-FFF2-40B4-BE49-F238E27FC236}">
+                <a16:creationId xmlns:a16="http://schemas.microsoft.com/office/drawing/2014/main" id="{29DF9120-5F0A-4766-9887-2E358020BAD8}"/>
+              </a:ext>
+            </a:extLst>
+          </p:cNvPr>
+          <p:cNvSpPr txBox="1"/>
+          <p:nvPr/>
+        </p:nvSpPr>
+        <p:spPr>
+          <a:xfrm>
+            <a:off x="1835507" y="1628800"/>
+            <a:ext cx="1233030" cy="400110"/>
+          </a:xfrm>
+          <a:prstGeom prst="rect">
+            <a:avLst/>
+          </a:prstGeom>
+          <a:noFill/>
+        </p:spPr>
+        <p:txBody>
+          <a:bodyPr wrap="none" rtlCol="0">
+            <a:spAutoFit/>
+          </a:bodyPr>
+          <a:lstStyle/>
+          <a:p>
+            <a:r>
+              <a:rPr lang="de-DE" sz="2000" b="1" dirty="0"/>
+              <a:t>„check“ </a:t>
+            </a:r>
+          </a:p>
+        </p:txBody>
+      </p:sp>
+      <p:sp>
+        <p:nvSpPr>
+          <p:cNvPr id="10" name="Textfeld 9">
+            <a:extLst>
+              <a:ext uri="{FF2B5EF4-FFF2-40B4-BE49-F238E27FC236}">
+                <a16:creationId xmlns:a16="http://schemas.microsoft.com/office/drawing/2014/main" id="{68454500-CAEC-42ED-94C9-8B865DD083FE}"/>
+              </a:ext>
+            </a:extLst>
+          </p:cNvPr>
+          <p:cNvSpPr txBox="1"/>
+          <p:nvPr/>
+        </p:nvSpPr>
+        <p:spPr>
+          <a:xfrm>
+            <a:off x="6004614" y="1628800"/>
+            <a:ext cx="1375698" cy="400110"/>
+          </a:xfrm>
+          <a:prstGeom prst="rect">
+            <a:avLst/>
+          </a:prstGeom>
+          <a:noFill/>
+        </p:spPr>
+        <p:txBody>
+          <a:bodyPr wrap="none" rtlCol="0">
+            <a:spAutoFit/>
+          </a:bodyPr>
+          <a:lstStyle/>
+          <a:p>
+            <a:r>
+              <a:rPr lang="de-DE" sz="2000" b="1" dirty="0"/>
+              <a:t>„</a:t>
+            </a:r>
+            <a:r>
+              <a:rPr lang="de-DE" sz="2000" b="1" dirty="0" err="1"/>
+              <a:t>blunder</a:t>
+            </a:r>
+            <a:r>
+              <a:rPr lang="de-DE" sz="2000" b="1" dirty="0"/>
+              <a:t>“</a:t>
+            </a:r>
+          </a:p>
+        </p:txBody>
+      </p:sp>
+    </p:spTree>
+    <p:extLst>
+      <p:ext uri="{BB962C8B-B14F-4D97-AF65-F5344CB8AC3E}">
+        <p14:creationId xmlns:p14="http://schemas.microsoft.com/office/powerpoint/2010/main" val="2846135083"/>
+      </p:ext>
+    </p:extLst>
+  </p:cSld>
+  <p:clrMapOvr>
+    <a:masterClrMapping/>
+  </p:clrMapOvr>
+</p:sld>
+</file>
+
+<file path=ppt/slides/slide26.xml><?xml version="1.0" encoding="utf-8"?>
 <p:sld xmlns:a="http://schemas.openxmlformats.org/drawingml/2006/main" xmlns:r="http://schemas.openxmlformats.org/officeDocument/2006/relationships" xmlns:p="http://schemas.openxmlformats.org/presentationml/2006/main">
   <p:cSld>
     <p:spTree>
@@ -11369,9 +15439,12 @@
           </a:xfrm>
         </p:spPr>
         <p:txBody>
-          <a:bodyPr/>
+          <a:bodyPr>
+            <a:normAutofit lnSpcReduction="10000"/>
+          </a:bodyPr>
           <a:lstStyle/>
           <a:p>
+            <a:pPr lvl="1"/>
             <a:r>
               <a:rPr lang="de-DE" dirty="0"/>
               <a:t>Classification </a:t>
@@ -11438,6 +15511,13 @@
             </a:r>
           </a:p>
           <a:p>
+            <a:pPr marL="350838" lvl="2" indent="0">
+              <a:buNone/>
+            </a:pPr>
+            <a:endParaRPr lang="de-DE" dirty="0"/>
+          </a:p>
+          <a:p>
+            <a:pPr lvl="1"/>
             <a:r>
               <a:rPr lang="de-DE" dirty="0"/>
               <a:t>Classification </a:t>
@@ -11543,6 +15623,11 @@
             </a:r>
           </a:p>
           <a:p>
+            <a:pPr lvl="2"/>
+            <a:endParaRPr lang="de-DE" dirty="0"/>
+          </a:p>
+          <a:p>
+            <a:pPr lvl="1"/>
             <a:r>
               <a:rPr lang="de-DE" dirty="0"/>
               <a:t>Classification </a:t>
@@ -11788,6 +15873,7 @@
           <a:bodyPr/>
           <a:lstStyle/>
           <a:p>
+            <a:pPr lvl="1"/>
             <a:r>
               <a:rPr lang="de-DE" dirty="0" err="1"/>
               <a:t>Three</a:t>
@@ -11839,6 +15925,10 @@
           </a:p>
           <a:p>
             <a:pPr lvl="2"/>
+            <a:endParaRPr lang="de-DE" dirty="0"/>
+          </a:p>
+          <a:p>
+            <a:pPr lvl="2"/>
             <a:r>
               <a:rPr lang="de-DE" dirty="0" err="1"/>
               <a:t>Decomposition</a:t>
@@ -11896,8 +15986,52 @@
             </a:r>
             <a:r>
               <a:rPr lang="de-DE" dirty="0"/>
+              <a:t> (</a:t>
+            </a:r>
+            <a:r>
+              <a:rPr lang="de-DE" dirty="0" err="1"/>
+              <a:t>with</a:t>
+            </a:r>
+            <a:r>
+              <a:rPr lang="de-DE" dirty="0"/>
               <a:t> </a:t>
             </a:r>
+            <a:r>
+              <a:rPr lang="de-DE" dirty="0" err="1"/>
+              <a:t>or</a:t>
+            </a:r>
+            <a:r>
+              <a:rPr lang="de-DE" dirty="0"/>
+              <a:t> </a:t>
+            </a:r>
+            <a:r>
+              <a:rPr lang="de-DE" dirty="0" err="1"/>
+              <a:t>without</a:t>
+            </a:r>
+            <a:r>
+              <a:rPr lang="de-DE" dirty="0"/>
+              <a:t> </a:t>
+            </a:r>
+            <a:r>
+              <a:rPr lang="de-DE" dirty="0" err="1"/>
+              <a:t>pairwise</a:t>
+            </a:r>
+            <a:r>
+              <a:rPr lang="de-DE" dirty="0"/>
+              <a:t> </a:t>
+            </a:r>
+            <a:r>
+              <a:rPr lang="de-DE" dirty="0" err="1"/>
+              <a:t>coupling</a:t>
+            </a:r>
+            <a:r>
+              <a:rPr lang="de-DE" dirty="0"/>
+              <a:t>)</a:t>
+            </a:r>
+          </a:p>
+          <a:p>
+            <a:pPr lvl="3"/>
+            <a:endParaRPr lang="de-DE" dirty="0"/>
           </a:p>
           <a:p>
             <a:pPr lvl="2"/>
@@ -11969,6 +16103,10 @@
               <a:rPr lang="de-DE" dirty="0" err="1"/>
               <a:t>Dichotomies</a:t>
             </a:r>
+            <a:endParaRPr lang="de-DE" dirty="0"/>
+          </a:p>
+          <a:p>
+            <a:pPr lvl="3"/>
             <a:endParaRPr lang="de-DE" dirty="0"/>
           </a:p>
           <a:p>
@@ -12031,7 +16169,7 @@
           <p:cNvPr id="2" name="Titel 1">
             <a:extLst>
               <a:ext uri="{FF2B5EF4-FFF2-40B4-BE49-F238E27FC236}">
-                <a16:creationId xmlns:a16="http://schemas.microsoft.com/office/drawing/2014/main" id="{27E7F44A-9CA7-4473-B8B2-575587306C66}"/>
+                <a16:creationId xmlns:a16="http://schemas.microsoft.com/office/drawing/2014/main" id="{7F38975C-3506-4F7F-BBEF-26EDE7D43C73}"/>
               </a:ext>
             </a:extLst>
           </p:cNvPr>
@@ -12048,12 +16186,360 @@
           <a:lstStyle/>
           <a:p>
             <a:r>
-              <a:rPr lang="de-DE" dirty="0"/>
-              <a:t>Word </a:t>
-            </a:r>
-            <a:r>
-              <a:rPr lang="de-DE" dirty="0" err="1"/>
-              <a:t>Embeddings</a:t>
+              <a:rPr lang="de-DE" dirty="0" err="1"/>
+              <a:t>Nested</a:t>
+            </a:r>
+            <a:r>
+              <a:rPr lang="de-DE" dirty="0"/>
+              <a:t> </a:t>
+            </a:r>
+            <a:r>
+              <a:rPr lang="de-DE" dirty="0" err="1"/>
+              <a:t>Dichotomies</a:t>
+            </a:r>
+            <a:endParaRPr lang="de-DE" dirty="0"/>
+          </a:p>
+        </p:txBody>
+      </p:sp>
+      <p:sp>
+        <p:nvSpPr>
+          <p:cNvPr id="3" name="Inhaltsplatzhalter 2">
+            <a:extLst>
+              <a:ext uri="{FF2B5EF4-FFF2-40B4-BE49-F238E27FC236}">
+                <a16:creationId xmlns:a16="http://schemas.microsoft.com/office/drawing/2014/main" id="{20B25FFD-CFFD-4757-917F-4B0103818DD9}"/>
+              </a:ext>
+            </a:extLst>
+          </p:cNvPr>
+          <p:cNvSpPr>
+            <a:spLocks noGrp="1"/>
+          </p:cNvSpPr>
+          <p:nvPr>
+            <p:ph sz="half" idx="1"/>
+          </p:nvPr>
+        </p:nvSpPr>
+        <p:spPr>
+          <a:xfrm>
+            <a:off x="358775" y="1592263"/>
+            <a:ext cx="4135438" cy="4551381"/>
+          </a:xfrm>
+        </p:spPr>
+        <p:txBody>
+          <a:bodyPr>
+            <a:normAutofit fontScale="92500" lnSpcReduction="20000"/>
+          </a:bodyPr>
+          <a:lstStyle/>
+          <a:p>
+            <a:r>
+              <a:rPr lang="de-DE" dirty="0" err="1"/>
+              <a:t>Idea</a:t>
+            </a:r>
+            <a:r>
+              <a:rPr lang="de-DE" dirty="0"/>
+              <a:t>:</a:t>
+            </a:r>
+          </a:p>
+          <a:p>
+            <a:pPr marL="457200" indent="-457200">
+              <a:buAutoNum type="arabicParenR"/>
+            </a:pPr>
+            <a:r>
+              <a:rPr lang="de-DE" dirty="0"/>
+              <a:t>Split </a:t>
+            </a:r>
+            <a:r>
+              <a:rPr lang="de-DE" dirty="0" err="1"/>
+              <a:t>data</a:t>
+            </a:r>
+            <a:r>
+              <a:rPr lang="de-DE" dirty="0"/>
+              <a:t> </a:t>
+            </a:r>
+            <a:r>
+              <a:rPr lang="de-DE" dirty="0" err="1"/>
+              <a:t>set</a:t>
+            </a:r>
+            <a:r>
+              <a:rPr lang="de-DE" dirty="0"/>
+              <a:t> in </a:t>
+            </a:r>
+            <a:r>
+              <a:rPr lang="de-DE" dirty="0" err="1"/>
+              <a:t>two</a:t>
+            </a:r>
+            <a:r>
+              <a:rPr lang="de-DE" dirty="0"/>
+              <a:t> </a:t>
+            </a:r>
+            <a:r>
+              <a:rPr lang="de-DE" dirty="0" err="1"/>
+              <a:t>subsets</a:t>
+            </a:r>
+            <a:r>
+              <a:rPr lang="de-DE" dirty="0"/>
+              <a:t> and </a:t>
+            </a:r>
+            <a:r>
+              <a:rPr lang="de-DE" dirty="0" err="1"/>
+              <a:t>solve</a:t>
+            </a:r>
+            <a:r>
+              <a:rPr lang="de-DE" dirty="0"/>
+              <a:t> </a:t>
+            </a:r>
+            <a:r>
+              <a:rPr lang="de-DE" dirty="0" err="1"/>
+              <a:t>binary</a:t>
+            </a:r>
+            <a:r>
+              <a:rPr lang="de-DE" dirty="0"/>
+              <a:t> </a:t>
+            </a:r>
+            <a:r>
+              <a:rPr lang="de-DE" dirty="0" err="1"/>
+              <a:t>classification</a:t>
+            </a:r>
+            <a:r>
+              <a:rPr lang="de-DE" dirty="0"/>
+              <a:t> </a:t>
+            </a:r>
+            <a:r>
+              <a:rPr lang="de-DE" dirty="0" err="1"/>
+              <a:t>problem</a:t>
+            </a:r>
+            <a:endParaRPr lang="de-DE" dirty="0"/>
+          </a:p>
+          <a:p>
+            <a:pPr marL="457200" indent="-457200">
+              <a:buAutoNum type="arabicParenR"/>
+            </a:pPr>
+            <a:r>
+              <a:rPr lang="de-DE" dirty="0" err="1"/>
+              <a:t>Apply</a:t>
+            </a:r>
+            <a:r>
+              <a:rPr lang="de-DE" dirty="0"/>
+              <a:t> </a:t>
+            </a:r>
+            <a:r>
+              <a:rPr lang="de-DE" dirty="0" err="1"/>
+              <a:t>step</a:t>
+            </a:r>
+            <a:r>
+              <a:rPr lang="de-DE" dirty="0"/>
+              <a:t> 1 </a:t>
+            </a:r>
+            <a:r>
+              <a:rPr lang="de-DE" dirty="0" err="1"/>
+              <a:t>recursively</a:t>
+            </a:r>
+            <a:r>
+              <a:rPr lang="de-DE" dirty="0"/>
+              <a:t> </a:t>
+            </a:r>
+            <a:r>
+              <a:rPr lang="de-DE" dirty="0" err="1"/>
+              <a:t>for</a:t>
+            </a:r>
+            <a:r>
+              <a:rPr lang="de-DE" dirty="0"/>
+              <a:t> all </a:t>
+            </a:r>
+            <a:r>
+              <a:rPr lang="de-DE" dirty="0" err="1"/>
+              <a:t>subsets</a:t>
+            </a:r>
+            <a:r>
+              <a:rPr lang="de-DE" dirty="0"/>
+              <a:t> </a:t>
+            </a:r>
+            <a:r>
+              <a:rPr lang="de-DE" dirty="0" err="1"/>
+              <a:t>until</a:t>
+            </a:r>
+            <a:r>
+              <a:rPr lang="de-DE" dirty="0"/>
+              <a:t> </a:t>
+            </a:r>
+            <a:r>
+              <a:rPr lang="de-DE" dirty="0" err="1"/>
+              <a:t>it</a:t>
+            </a:r>
+            <a:r>
+              <a:rPr lang="de-DE" dirty="0"/>
+              <a:t> </a:t>
+            </a:r>
+            <a:r>
+              <a:rPr lang="de-DE" dirty="0" err="1"/>
+              <a:t>contains</a:t>
+            </a:r>
+            <a:r>
+              <a:rPr lang="de-DE" dirty="0"/>
+              <a:t> </a:t>
+            </a:r>
+            <a:r>
+              <a:rPr lang="de-DE" dirty="0" err="1"/>
+              <a:t>only</a:t>
+            </a:r>
+            <a:r>
+              <a:rPr lang="de-DE" dirty="0"/>
+              <a:t> </a:t>
+            </a:r>
+            <a:r>
+              <a:rPr lang="de-DE" dirty="0" err="1"/>
+              <a:t>one</a:t>
+            </a:r>
+            <a:r>
+              <a:rPr lang="de-DE" dirty="0"/>
+              <a:t> </a:t>
+            </a:r>
+            <a:r>
+              <a:rPr lang="de-DE" dirty="0" err="1"/>
+              <a:t>class</a:t>
+            </a:r>
+            <a:endParaRPr lang="de-DE" dirty="0"/>
+          </a:p>
+          <a:p>
+            <a:endParaRPr lang="de-DE" dirty="0"/>
+          </a:p>
+          <a:p>
+            <a:r>
+              <a:rPr lang="de-DE" dirty="0" err="1"/>
+              <a:t>Variants</a:t>
+            </a:r>
+            <a:r>
+              <a:rPr lang="de-DE" dirty="0"/>
+              <a:t>:</a:t>
+            </a:r>
+          </a:p>
+          <a:p>
+            <a:pPr lvl="1"/>
+            <a:r>
+              <a:rPr lang="de-DE" dirty="0"/>
+              <a:t>Split </a:t>
+            </a:r>
+            <a:r>
+              <a:rPr lang="de-DE" dirty="0" err="1"/>
+              <a:t>by</a:t>
+            </a:r>
+            <a:r>
+              <a:rPr lang="de-DE" dirty="0"/>
+              <a:t> </a:t>
+            </a:r>
+            <a:r>
+              <a:rPr lang="de-DE" dirty="0" err="1"/>
+              <a:t>equal</a:t>
+            </a:r>
+            <a:r>
+              <a:rPr lang="de-DE" dirty="0"/>
+              <a:t> </a:t>
+            </a:r>
+            <a:r>
+              <a:rPr lang="de-DE" dirty="0" err="1"/>
+              <a:t>number</a:t>
+            </a:r>
+            <a:r>
+              <a:rPr lang="de-DE" dirty="0"/>
+              <a:t> </a:t>
+            </a:r>
+            <a:r>
+              <a:rPr lang="de-DE" dirty="0" err="1"/>
+              <a:t>of</a:t>
+            </a:r>
+            <a:r>
+              <a:rPr lang="de-DE" dirty="0"/>
+              <a:t> </a:t>
+            </a:r>
+            <a:r>
+              <a:rPr lang="de-DE" dirty="0" err="1"/>
+              <a:t>classes</a:t>
+            </a:r>
+            <a:endParaRPr lang="de-DE" dirty="0"/>
+          </a:p>
+          <a:p>
+            <a:pPr marL="1588" lvl="1" indent="0">
+              <a:buNone/>
+            </a:pPr>
+            <a:r>
+              <a:rPr lang="de-DE" dirty="0">
+                <a:sym typeface="Wingdings" panose="05000000000000000000" pitchFamily="2" charset="2"/>
+              </a:rPr>
+              <a:t>	 </a:t>
+            </a:r>
+            <a:r>
+              <a:rPr lang="de-DE" dirty="0"/>
+              <a:t>Class-</a:t>
+            </a:r>
+            <a:r>
+              <a:rPr lang="de-DE" dirty="0" err="1"/>
+              <a:t>Balanced</a:t>
+            </a:r>
+            <a:endParaRPr lang="de-DE" dirty="0"/>
+          </a:p>
+          <a:p>
+            <a:pPr lvl="1"/>
+            <a:r>
+              <a:rPr lang="de-DE" dirty="0"/>
+              <a:t>Split </a:t>
+            </a:r>
+            <a:r>
+              <a:rPr lang="de-DE" dirty="0" err="1"/>
+              <a:t>by</a:t>
+            </a:r>
+            <a:r>
+              <a:rPr lang="de-DE" dirty="0"/>
+              <a:t> </a:t>
+            </a:r>
+            <a:r>
+              <a:rPr lang="de-DE" dirty="0" err="1"/>
+              <a:t>equal</a:t>
+            </a:r>
+            <a:r>
+              <a:rPr lang="de-DE" dirty="0"/>
+              <a:t> </a:t>
+            </a:r>
+            <a:r>
+              <a:rPr lang="de-DE" dirty="0" err="1"/>
+              <a:t>number</a:t>
+            </a:r>
+            <a:r>
+              <a:rPr lang="de-DE" dirty="0"/>
+              <a:t> </a:t>
+            </a:r>
+            <a:r>
+              <a:rPr lang="de-DE" dirty="0" err="1"/>
+              <a:t>of</a:t>
+            </a:r>
+            <a:r>
+              <a:rPr lang="de-DE" dirty="0"/>
+              <a:t> </a:t>
+            </a:r>
+            <a:r>
+              <a:rPr lang="de-DE" dirty="0" err="1"/>
+              <a:t>instances</a:t>
+            </a:r>
+            <a:endParaRPr lang="de-DE" dirty="0"/>
+          </a:p>
+          <a:p>
+            <a:pPr marL="1588" lvl="1" indent="0">
+              <a:buNone/>
+            </a:pPr>
+            <a:r>
+              <a:rPr lang="de-DE" dirty="0"/>
+              <a:t>	</a:t>
+            </a:r>
+            <a:r>
+              <a:rPr lang="de-DE" dirty="0">
+                <a:sym typeface="Wingdings" panose="05000000000000000000" pitchFamily="2" charset="2"/>
+              </a:rPr>
+              <a:t> </a:t>
+            </a:r>
+            <a:r>
+              <a:rPr lang="de-DE" dirty="0"/>
+              <a:t>Data-</a:t>
+            </a:r>
+            <a:r>
+              <a:rPr lang="de-DE" dirty="0" err="1"/>
+              <a:t>Balanced</a:t>
             </a:r>
             <a:endParaRPr lang="de-DE" dirty="0"/>
           </a:p>
@@ -12064,7 +16550,7 @@
           <p:cNvPr id="5" name="Inhaltsplatzhalter 4">
             <a:extLst>
               <a:ext uri="{FF2B5EF4-FFF2-40B4-BE49-F238E27FC236}">
-                <a16:creationId xmlns:a16="http://schemas.microsoft.com/office/drawing/2014/main" id="{734B5D30-6293-43B4-AF83-8AD05C0261FF}"/>
+                <a16:creationId xmlns:a16="http://schemas.microsoft.com/office/drawing/2014/main" id="{EEC49244-4AF9-411F-BFFC-DE6E03635279}"/>
               </a:ext>
             </a:extLst>
           </p:cNvPr>
@@ -12083,43 +16569,48 @@
         </p:blipFill>
         <p:spPr>
           <a:xfrm>
-            <a:off x="5076332" y="1592263"/>
-            <a:ext cx="3525236" cy="4551362"/>
+            <a:off x="4786313" y="2378296"/>
+            <a:ext cx="4105275" cy="2979296"/>
           </a:xfrm>
           <a:prstGeom prst="rect">
             <a:avLst/>
           </a:prstGeom>
         </p:spPr>
       </p:pic>
-      <p:sp>
-        <p:nvSpPr>
-          <p:cNvPr id="7" name="Inhaltsplatzhalter 6">
+      <p:pic>
+        <p:nvPicPr>
+          <p:cNvPr id="6" name="Grafik 5">
             <a:extLst>
               <a:ext uri="{FF2B5EF4-FFF2-40B4-BE49-F238E27FC236}">
-                <a16:creationId xmlns:a16="http://schemas.microsoft.com/office/drawing/2014/main" id="{987C01EB-483A-44DB-8A2C-E250ED8E5F15}"/>
+                <a16:creationId xmlns:a16="http://schemas.microsoft.com/office/drawing/2014/main" id="{02A4689B-569F-45E1-A78B-E292458C9A89}"/>
               </a:ext>
             </a:extLst>
           </p:cNvPr>
-          <p:cNvSpPr>
-            <a:spLocks noGrp="1"/>
-          </p:cNvSpPr>
-          <p:nvPr>
-            <p:ph sz="half" idx="1"/>
-          </p:nvPr>
-        </p:nvSpPr>
-        <p:spPr/>
-        <p:txBody>
-          <a:bodyPr/>
-          <a:lstStyle/>
-          <a:p>
-            <a:endParaRPr lang="de-DE"/>
-          </a:p>
-        </p:txBody>
-      </p:sp>
+          <p:cNvPicPr>
+            <a:picLocks noChangeAspect="1"/>
+          </p:cNvPicPr>
+          <p:nvPr/>
+        </p:nvPicPr>
+        <p:blipFill>
+          <a:blip r:embed="rId3"/>
+          <a:stretch>
+            <a:fillRect/>
+          </a:stretch>
+        </p:blipFill>
+        <p:spPr>
+          <a:xfrm>
+            <a:off x="4649788" y="5771011"/>
+            <a:ext cx="4386708" cy="375307"/>
+          </a:xfrm>
+          <a:prstGeom prst="rect">
+            <a:avLst/>
+          </a:prstGeom>
+        </p:spPr>
+      </p:pic>
     </p:spTree>
     <p:extLst>
       <p:ext uri="{BB962C8B-B14F-4D97-AF65-F5344CB8AC3E}">
-        <p14:creationId xmlns:p14="http://schemas.microsoft.com/office/powerpoint/2010/main" val="2506149614"/>
+        <p14:creationId xmlns:p14="http://schemas.microsoft.com/office/powerpoint/2010/main" val="1028534516"/>
       </p:ext>
     </p:extLst>
   </p:cSld>
@@ -12151,7 +16642,7 @@
           <p:cNvPr id="2" name="Titel 1">
             <a:extLst>
               <a:ext uri="{FF2B5EF4-FFF2-40B4-BE49-F238E27FC236}">
-                <a16:creationId xmlns:a16="http://schemas.microsoft.com/office/drawing/2014/main" id="{27E7F44A-9CA7-4473-B8B2-575587306C66}"/>
+                <a16:creationId xmlns:a16="http://schemas.microsoft.com/office/drawing/2014/main" id="{7F38975C-3506-4F7F-BBEF-26EDE7D43C73}"/>
               </a:ext>
             </a:extLst>
           </p:cNvPr>
@@ -12169,40 +16660,789 @@
           <a:p>
             <a:r>
               <a:rPr lang="de-DE" dirty="0"/>
-              <a:t>Ordinal Classification Problems</a:t>
+              <a:t>Ordinal Classification</a:t>
             </a:r>
           </a:p>
         </p:txBody>
       </p:sp>
-      <p:sp>
-        <p:nvSpPr>
-          <p:cNvPr id="6" name="Inhaltsplatzhalter 5">
-            <a:extLst>
-              <a:ext uri="{FF2B5EF4-FFF2-40B4-BE49-F238E27FC236}">
-                <a16:creationId xmlns:a16="http://schemas.microsoft.com/office/drawing/2014/main" id="{B96821CA-CD44-4883-9EB8-BFEDB20CACAB}"/>
-              </a:ext>
-            </a:extLst>
-          </p:cNvPr>
-          <p:cNvSpPr>
-            <a:spLocks noGrp="1"/>
-          </p:cNvSpPr>
-          <p:nvPr>
-            <p:ph idx="1"/>
-          </p:nvPr>
-        </p:nvSpPr>
-        <p:spPr/>
-        <p:txBody>
-          <a:bodyPr/>
-          <a:lstStyle/>
-          <a:p>
-            <a:endParaRPr lang="de-DE"/>
-          </a:p>
-        </p:txBody>
-      </p:sp>
+      <mc:AlternateContent xmlns:mc="http://schemas.openxmlformats.org/markup-compatibility/2006" xmlns:a14="http://schemas.microsoft.com/office/drawing/2010/main">
+        <mc:Choice Requires="a14">
+          <p:sp>
+            <p:nvSpPr>
+              <p:cNvPr id="3" name="Inhaltsplatzhalter 2">
+                <a:extLst>
+                  <a:ext uri="{FF2B5EF4-FFF2-40B4-BE49-F238E27FC236}">
+                    <a16:creationId xmlns:a16="http://schemas.microsoft.com/office/drawing/2014/main" id="{20B25FFD-CFFD-4757-917F-4B0103818DD9}"/>
+                  </a:ext>
+                </a:extLst>
+              </p:cNvPr>
+              <p:cNvSpPr>
+                <a:spLocks noGrp="1"/>
+              </p:cNvSpPr>
+              <p:nvPr>
+                <p:ph sz="half" idx="1"/>
+              </p:nvPr>
+            </p:nvSpPr>
+            <p:spPr>
+              <a:xfrm>
+                <a:off x="358774" y="1592263"/>
+                <a:ext cx="8461697" cy="4551381"/>
+              </a:xfrm>
+            </p:spPr>
+            <p:txBody>
+              <a:bodyPr>
+                <a:normAutofit/>
+              </a:bodyPr>
+              <a:lstStyle/>
+              <a:p>
+                <a:r>
+                  <a:rPr lang="de-DE" dirty="0"/>
+                  <a:t>Problem:</a:t>
+                </a:r>
+              </a:p>
+              <a:p>
+                <a:r>
+                  <a:rPr lang="de-DE" dirty="0" err="1"/>
+                  <a:t>Approaches</a:t>
+                </a:r>
+                <a:r>
+                  <a:rPr lang="de-DE" dirty="0"/>
+                  <a:t> </a:t>
+                </a:r>
+                <a:r>
+                  <a:rPr lang="de-DE" dirty="0" err="1"/>
+                  <a:t>for</a:t>
+                </a:r>
+                <a:r>
+                  <a:rPr lang="de-DE" dirty="0"/>
+                  <a:t> </a:t>
+                </a:r>
+                <a:r>
+                  <a:rPr lang="de-DE" dirty="0" err="1"/>
+                  <a:t>Multiclass</a:t>
+                </a:r>
+                <a:r>
+                  <a:rPr lang="de-DE" dirty="0"/>
+                  <a:t> Classification </a:t>
+                </a:r>
+                <a:r>
+                  <a:rPr lang="de-DE" dirty="0" err="1"/>
+                  <a:t>ignore</a:t>
+                </a:r>
+                <a:r>
+                  <a:rPr lang="de-DE" dirty="0"/>
+                  <a:t> </a:t>
+                </a:r>
+                <a:r>
+                  <a:rPr lang="de-DE" dirty="0" err="1"/>
+                  <a:t>order</a:t>
+                </a:r>
+                <a:r>
+                  <a:rPr lang="de-DE" dirty="0"/>
+                  <a:t> </a:t>
+                </a:r>
+                <a:r>
+                  <a:rPr lang="de-DE" dirty="0" err="1"/>
+                  <a:t>of</a:t>
+                </a:r>
+                <a:r>
+                  <a:rPr lang="de-DE" dirty="0"/>
+                  <a:t> </a:t>
+                </a:r>
+                <a:r>
+                  <a:rPr lang="de-DE" dirty="0" err="1"/>
+                  <a:t>classes</a:t>
+                </a:r>
+                <a:endParaRPr lang="de-DE" dirty="0"/>
+              </a:p>
+              <a:p>
+                <a:endParaRPr lang="de-DE" dirty="0"/>
+              </a:p>
+              <a:p>
+                <a:r>
+                  <a:rPr lang="de-DE" dirty="0" err="1"/>
+                  <a:t>Idea</a:t>
+                </a:r>
+                <a:r>
+                  <a:rPr lang="de-DE" dirty="0"/>
+                  <a:t>:</a:t>
+                </a:r>
+              </a:p>
+              <a:p>
+                <a:pPr marL="457200" indent="-457200">
+                  <a:buAutoNum type="arabicParenR"/>
+                </a:pPr>
+                <a:r>
+                  <a:rPr lang="de-DE" dirty="0"/>
+                  <a:t>Split </a:t>
+                </a:r>
+                <a:r>
+                  <a:rPr lang="de-DE" dirty="0" err="1"/>
+                  <a:t>problem</a:t>
+                </a:r>
+                <a:r>
+                  <a:rPr lang="de-DE" dirty="0"/>
+                  <a:t> </a:t>
+                </a:r>
+                <a:r>
+                  <a:rPr lang="de-DE" dirty="0" err="1"/>
+                  <a:t>into</a:t>
+                </a:r>
+                <a:r>
+                  <a:rPr lang="de-DE" dirty="0"/>
+                  <a:t> </a:t>
+                </a:r>
+                <a14:m>
+                  <m:oMath xmlns:m="http://schemas.openxmlformats.org/officeDocument/2006/math">
+                    <m:r>
+                      <a:rPr lang="de-DE" i="1" dirty="0" smtClean="0">
+                        <a:latin typeface="Cambria Math" panose="02040503050406030204" pitchFamily="18" charset="0"/>
+                      </a:rPr>
+                      <m:t>𝑘</m:t>
+                    </m:r>
+                    <m:r>
+                      <a:rPr lang="de-DE" i="1" dirty="0" smtClean="0">
+                        <a:latin typeface="Cambria Math" panose="02040503050406030204" pitchFamily="18" charset="0"/>
+                      </a:rPr>
+                      <m:t> −1 </m:t>
+                    </m:r>
+                  </m:oMath>
+                </a14:m>
+                <a:r>
+                  <a:rPr lang="de-DE" dirty="0" err="1"/>
+                  <a:t>binary</a:t>
+                </a:r>
+                <a:r>
+                  <a:rPr lang="de-DE" dirty="0"/>
+                  <a:t> </a:t>
+                </a:r>
+                <a:r>
+                  <a:rPr lang="de-DE" dirty="0" err="1"/>
+                  <a:t>subproblems</a:t>
+                </a:r>
+                <a:endParaRPr lang="de-DE" dirty="0"/>
+              </a:p>
+              <a:p>
+                <a:pPr marL="457200" indent="-457200">
+                  <a:buAutoNum type="arabicParenR"/>
+                </a:pPr>
+                <a:r>
+                  <a:rPr lang="de-DE" dirty="0"/>
+                  <a:t>The </a:t>
+                </a:r>
+                <a14:m>
+                  <m:oMath xmlns:m="http://schemas.openxmlformats.org/officeDocument/2006/math">
+                    <m:r>
+                      <a:rPr lang="de-DE" b="0" i="1" smtClean="0">
+                        <a:latin typeface="Cambria Math" panose="02040503050406030204" pitchFamily="18" charset="0"/>
+                      </a:rPr>
+                      <m:t>𝑖</m:t>
+                    </m:r>
+                  </m:oMath>
+                </a14:m>
+                <a:r>
+                  <a:rPr lang="de-DE" dirty="0"/>
+                  <a:t>-</a:t>
+                </a:r>
+                <a:r>
+                  <a:rPr lang="de-DE" dirty="0" err="1"/>
+                  <a:t>th</a:t>
+                </a:r>
+                <a:r>
+                  <a:rPr lang="de-DE" dirty="0"/>
+                  <a:t> </a:t>
+                </a:r>
+                <a:r>
+                  <a:rPr lang="de-DE" dirty="0" err="1"/>
+                  <a:t>subproblem</a:t>
+                </a:r>
+                <a:r>
+                  <a:rPr lang="de-DE" dirty="0"/>
+                  <a:t> separates </a:t>
+                </a:r>
+                <a14:m>
+                  <m:oMath xmlns:m="http://schemas.openxmlformats.org/officeDocument/2006/math">
+                    <m:r>
+                      <a:rPr lang="de-DE" i="1" dirty="0" smtClean="0">
+                        <a:latin typeface="Cambria Math" panose="02040503050406030204" pitchFamily="18" charset="0"/>
+                      </a:rPr>
+                      <m:t>{1,…,</m:t>
+                    </m:r>
+                    <m:r>
+                      <a:rPr lang="de-DE" i="1" dirty="0" smtClean="0">
+                        <a:latin typeface="Cambria Math" panose="02040503050406030204" pitchFamily="18" charset="0"/>
+                      </a:rPr>
+                      <m:t>𝑖</m:t>
+                    </m:r>
+                    <m:r>
+                      <a:rPr lang="de-DE" i="1" dirty="0" smtClean="0">
+                        <a:latin typeface="Cambria Math" panose="02040503050406030204" pitchFamily="18" charset="0"/>
+                      </a:rPr>
+                      <m:t>}</m:t>
+                    </m:r>
+                  </m:oMath>
+                </a14:m>
+                <a:r>
+                  <a:rPr lang="de-DE" dirty="0"/>
+                  <a:t> </a:t>
+                </a:r>
+                <a:r>
+                  <a:rPr lang="de-DE" dirty="0" err="1"/>
+                  <a:t>from</a:t>
+                </a:r>
+                <a:r>
+                  <a:rPr lang="de-DE" dirty="0"/>
+                  <a:t> </a:t>
+                </a:r>
+                <a14:m>
+                  <m:oMath xmlns:m="http://schemas.openxmlformats.org/officeDocument/2006/math">
+                    <m:r>
+                      <a:rPr lang="de-DE" i="1" dirty="0" smtClean="0">
+                        <a:latin typeface="Cambria Math" panose="02040503050406030204" pitchFamily="18" charset="0"/>
+                      </a:rPr>
+                      <m:t>{</m:t>
+                    </m:r>
+                    <m:r>
+                      <a:rPr lang="de-DE" i="1" dirty="0" smtClean="0">
+                        <a:latin typeface="Cambria Math" panose="02040503050406030204" pitchFamily="18" charset="0"/>
+                      </a:rPr>
+                      <m:t>𝑖</m:t>
+                    </m:r>
+                    <m:r>
+                      <a:rPr lang="de-DE" i="1" dirty="0" smtClean="0">
+                        <a:latin typeface="Cambria Math" panose="02040503050406030204" pitchFamily="18" charset="0"/>
+                      </a:rPr>
+                      <m:t>+1,</m:t>
+                    </m:r>
+                    <m:r>
+                      <a:rPr lang="de-DE" i="1" dirty="0" smtClean="0">
+                        <a:latin typeface="Cambria Math" panose="02040503050406030204" pitchFamily="18" charset="0"/>
+                      </a:rPr>
+                      <m:t>𝑘</m:t>
+                    </m:r>
+                    <m:r>
+                      <a:rPr lang="de-DE" i="1" dirty="0" smtClean="0">
+                        <a:latin typeface="Cambria Math" panose="02040503050406030204" pitchFamily="18" charset="0"/>
+                      </a:rPr>
+                      <m:t>}</m:t>
+                    </m:r>
+                  </m:oMath>
+                </a14:m>
+                <a:endParaRPr lang="de-DE" dirty="0"/>
+              </a:p>
+              <a:p>
+                <a:pPr marL="457200" indent="-457200">
+                  <a:buAutoNum type="arabicParenR"/>
+                </a:pPr>
+                <a:r>
+                  <a:rPr lang="de-DE" dirty="0"/>
+                  <a:t>The </a:t>
+                </a:r>
+                <a:r>
+                  <a:rPr lang="de-DE" dirty="0" err="1"/>
+                  <a:t>probability</a:t>
+                </a:r>
+                <a:r>
+                  <a:rPr lang="de-DE" dirty="0"/>
+                  <a:t> </a:t>
+                </a:r>
+                <a:r>
+                  <a:rPr lang="de-DE" dirty="0" err="1"/>
+                  <a:t>of</a:t>
+                </a:r>
+                <a:r>
+                  <a:rPr lang="de-DE" dirty="0"/>
+                  <a:t> </a:t>
+                </a:r>
+                <a:r>
+                  <a:rPr lang="de-DE" dirty="0" err="1"/>
+                  <a:t>class</a:t>
+                </a:r>
+                <a:r>
+                  <a:rPr lang="de-DE" dirty="0"/>
+                  <a:t> </a:t>
+                </a:r>
+                <a14:m>
+                  <m:oMath xmlns:m="http://schemas.openxmlformats.org/officeDocument/2006/math">
+                    <m:r>
+                      <a:rPr lang="de-DE" i="1" dirty="0" smtClean="0">
+                        <a:latin typeface="Cambria Math" panose="02040503050406030204" pitchFamily="18" charset="0"/>
+                      </a:rPr>
+                      <m:t>𝑖</m:t>
+                    </m:r>
+                  </m:oMath>
+                </a14:m>
+                <a:r>
+                  <a:rPr lang="de-DE" dirty="0"/>
+                  <a:t> </a:t>
+                </a:r>
+                <a:r>
+                  <a:rPr lang="de-DE" dirty="0" err="1"/>
+                  <a:t>for</a:t>
+                </a:r>
+                <a:r>
+                  <a:rPr lang="de-DE" dirty="0"/>
+                  <a:t> an </a:t>
+                </a:r>
+                <a:r>
+                  <a:rPr lang="de-DE" dirty="0" err="1"/>
+                  <a:t>instance</a:t>
+                </a:r>
+                <a:r>
+                  <a:rPr lang="de-DE" dirty="0"/>
+                  <a:t> </a:t>
+                </a:r>
+                <a14:m>
+                  <m:oMath xmlns:m="http://schemas.openxmlformats.org/officeDocument/2006/math">
+                    <m:r>
+                      <a:rPr lang="de-DE" i="1" dirty="0" smtClean="0">
+                        <a:latin typeface="Cambria Math" panose="02040503050406030204" pitchFamily="18" charset="0"/>
+                      </a:rPr>
+                      <m:t>𝑥</m:t>
+                    </m:r>
+                  </m:oMath>
+                </a14:m>
+                <a:r>
+                  <a:rPr lang="de-DE" dirty="0"/>
+                  <a:t> </a:t>
+                </a:r>
+                <a:r>
+                  <a:rPr lang="de-DE" dirty="0" err="1"/>
+                  <a:t>is</a:t>
+                </a:r>
+                <a:r>
+                  <a:rPr lang="de-DE" dirty="0"/>
+                  <a:t> </a:t>
+                </a:r>
+                <a:r>
+                  <a:rPr lang="de-DE" dirty="0" err="1"/>
+                  <a:t>given</a:t>
+                </a:r>
+                <a:r>
+                  <a:rPr lang="de-DE" dirty="0"/>
+                  <a:t> </a:t>
+                </a:r>
+                <a:r>
+                  <a:rPr lang="de-DE" dirty="0" err="1"/>
+                  <a:t>by</a:t>
+                </a:r>
+                <a:r>
+                  <a:rPr lang="de-DE" dirty="0"/>
+                  <a:t>:</a:t>
+                </a:r>
+              </a:p>
+              <a:p>
+                <a:pPr marL="995363" lvl="2" indent="-457200"/>
+                <a14:m>
+                  <m:oMath xmlns:m="http://schemas.openxmlformats.org/officeDocument/2006/math">
+                    <m:r>
+                      <a:rPr lang="de-DE" i="1" dirty="0" smtClean="0">
+                        <a:latin typeface="Cambria Math" panose="02040503050406030204" pitchFamily="18" charset="0"/>
+                      </a:rPr>
+                      <m:t>𝑃</m:t>
+                    </m:r>
+                    <m:r>
+                      <a:rPr lang="de-DE" i="1" dirty="0" smtClean="0">
+                        <a:latin typeface="Cambria Math" panose="02040503050406030204" pitchFamily="18" charset="0"/>
+                      </a:rPr>
+                      <m:t>(</m:t>
+                    </m:r>
+                    <m:r>
+                      <a:rPr lang="de-DE" i="1" dirty="0" smtClean="0">
+                        <a:latin typeface="Cambria Math" panose="02040503050406030204" pitchFamily="18" charset="0"/>
+                      </a:rPr>
+                      <m:t>𝑖</m:t>
+                    </m:r>
+                    <m:r>
+                      <a:rPr lang="de-DE" i="1" dirty="0" smtClean="0">
+                        <a:latin typeface="Cambria Math" panose="02040503050406030204" pitchFamily="18" charset="0"/>
+                      </a:rPr>
+                      <m:t>)=1−</m:t>
+                    </m:r>
+                    <m:r>
+                      <a:rPr lang="de-DE" i="1" dirty="0" smtClean="0">
+                        <a:latin typeface="Cambria Math" panose="02040503050406030204" pitchFamily="18" charset="0"/>
+                      </a:rPr>
+                      <m:t>𝑃</m:t>
+                    </m:r>
+                    <m:r>
+                      <a:rPr lang="de-DE" i="1" dirty="0" smtClean="0">
+                        <a:latin typeface="Cambria Math" panose="02040503050406030204" pitchFamily="18" charset="0"/>
+                      </a:rPr>
+                      <m:t>(</m:t>
+                    </m:r>
+                    <m:r>
+                      <a:rPr lang="de-DE" i="1" dirty="0" smtClean="0">
+                        <a:latin typeface="Cambria Math" panose="02040503050406030204" pitchFamily="18" charset="0"/>
+                      </a:rPr>
+                      <m:t>𝑥</m:t>
+                    </m:r>
+                    <m:r>
+                      <a:rPr lang="de-DE" i="1" dirty="0" smtClean="0">
+                        <a:latin typeface="Cambria Math" panose="02040503050406030204" pitchFamily="18" charset="0"/>
+                      </a:rPr>
+                      <m:t>&gt;</m:t>
+                    </m:r>
+                    <m:r>
+                      <a:rPr lang="de-DE" i="1" dirty="0" smtClean="0">
+                        <a:latin typeface="Cambria Math" panose="02040503050406030204" pitchFamily="18" charset="0"/>
+                      </a:rPr>
+                      <m:t>𝑖</m:t>
+                    </m:r>
+                    <m:r>
+                      <a:rPr lang="de-DE" i="1" dirty="0" smtClean="0">
+                        <a:latin typeface="Cambria Math" panose="02040503050406030204" pitchFamily="18" charset="0"/>
+                      </a:rPr>
+                      <m:t>)</m:t>
+                    </m:r>
+                  </m:oMath>
+                </a14:m>
+                <a:r>
+                  <a:rPr lang="de-DE" dirty="0"/>
+                  <a:t>		</a:t>
+                </a:r>
+                <a:r>
+                  <a:rPr lang="de-DE" dirty="0" err="1"/>
+                  <a:t>if</a:t>
+                </a:r>
+                <a:r>
+                  <a:rPr lang="de-DE" dirty="0"/>
+                  <a:t> </a:t>
+                </a:r>
+                <a14:m>
+                  <m:oMath xmlns:m="http://schemas.openxmlformats.org/officeDocument/2006/math">
+                    <m:r>
+                      <a:rPr lang="de-DE" i="1" dirty="0" smtClean="0">
+                        <a:latin typeface="Cambria Math" panose="02040503050406030204" pitchFamily="18" charset="0"/>
+                      </a:rPr>
+                      <m:t>𝑖</m:t>
+                    </m:r>
+                    <m:r>
+                      <a:rPr lang="de-DE" i="1" dirty="0" smtClean="0">
+                        <a:latin typeface="Cambria Math" panose="02040503050406030204" pitchFamily="18" charset="0"/>
+                      </a:rPr>
+                      <m:t>=1</m:t>
+                    </m:r>
+                  </m:oMath>
+                </a14:m>
+                <a:endParaRPr lang="de-DE" dirty="0"/>
+              </a:p>
+              <a:p>
+                <a:pPr marL="995363" lvl="2" indent="-457200"/>
+                <a14:m>
+                  <m:oMath xmlns:m="http://schemas.openxmlformats.org/officeDocument/2006/math">
+                    <m:r>
+                      <a:rPr lang="de-DE" i="1" dirty="0" smtClean="0">
+                        <a:latin typeface="Cambria Math" panose="02040503050406030204" pitchFamily="18" charset="0"/>
+                      </a:rPr>
+                      <m:t>𝑃</m:t>
+                    </m:r>
+                    <m:r>
+                      <a:rPr lang="de-DE" i="1" dirty="0" smtClean="0">
+                        <a:latin typeface="Cambria Math" panose="02040503050406030204" pitchFamily="18" charset="0"/>
+                      </a:rPr>
+                      <m:t>(</m:t>
+                    </m:r>
+                    <m:r>
+                      <a:rPr lang="de-DE" i="1" dirty="0" smtClean="0">
+                        <a:latin typeface="Cambria Math" panose="02040503050406030204" pitchFamily="18" charset="0"/>
+                      </a:rPr>
+                      <m:t>𝑖</m:t>
+                    </m:r>
+                    <m:r>
+                      <a:rPr lang="de-DE" i="1" dirty="0" smtClean="0">
+                        <a:latin typeface="Cambria Math" panose="02040503050406030204" pitchFamily="18" charset="0"/>
+                      </a:rPr>
+                      <m:t>)=</m:t>
+                    </m:r>
+                    <m:r>
+                      <a:rPr lang="de-DE" i="1" dirty="0" smtClean="0">
+                        <a:latin typeface="Cambria Math" panose="02040503050406030204" pitchFamily="18" charset="0"/>
+                      </a:rPr>
+                      <m:t>𝑃</m:t>
+                    </m:r>
+                    <m:r>
+                      <a:rPr lang="de-DE" i="1" dirty="0" smtClean="0">
+                        <a:latin typeface="Cambria Math" panose="02040503050406030204" pitchFamily="18" charset="0"/>
+                      </a:rPr>
+                      <m:t>(</m:t>
+                    </m:r>
+                    <m:r>
+                      <a:rPr lang="de-DE" i="1" dirty="0" smtClean="0">
+                        <a:latin typeface="Cambria Math" panose="02040503050406030204" pitchFamily="18" charset="0"/>
+                      </a:rPr>
+                      <m:t>𝑥</m:t>
+                    </m:r>
+                    <m:r>
+                      <a:rPr lang="de-DE" i="1" dirty="0" smtClean="0">
+                        <a:latin typeface="Cambria Math" panose="02040503050406030204" pitchFamily="18" charset="0"/>
+                      </a:rPr>
+                      <m:t>&gt;</m:t>
+                    </m:r>
+                    <m:r>
+                      <a:rPr lang="de-DE" i="1" dirty="0" smtClean="0">
+                        <a:latin typeface="Cambria Math" panose="02040503050406030204" pitchFamily="18" charset="0"/>
+                      </a:rPr>
+                      <m:t>𝑖</m:t>
+                    </m:r>
+                    <m:r>
+                      <a:rPr lang="de-DE" i="1" dirty="0" smtClean="0">
+                        <a:latin typeface="Cambria Math" panose="02040503050406030204" pitchFamily="18" charset="0"/>
+                      </a:rPr>
+                      <m:t>−1)−</m:t>
+                    </m:r>
+                    <m:r>
+                      <a:rPr lang="de-DE" i="1" dirty="0" smtClean="0">
+                        <a:latin typeface="Cambria Math" panose="02040503050406030204" pitchFamily="18" charset="0"/>
+                      </a:rPr>
+                      <m:t>𝑃</m:t>
+                    </m:r>
+                    <m:r>
+                      <a:rPr lang="de-DE" i="1" dirty="0" smtClean="0">
+                        <a:latin typeface="Cambria Math" panose="02040503050406030204" pitchFamily="18" charset="0"/>
+                      </a:rPr>
+                      <m:t>(</m:t>
+                    </m:r>
+                    <m:r>
+                      <a:rPr lang="de-DE" i="1" dirty="0" smtClean="0">
+                        <a:latin typeface="Cambria Math" panose="02040503050406030204" pitchFamily="18" charset="0"/>
+                      </a:rPr>
+                      <m:t>𝑥</m:t>
+                    </m:r>
+                    <m:r>
+                      <a:rPr lang="de-DE" i="1" dirty="0" smtClean="0">
+                        <a:latin typeface="Cambria Math" panose="02040503050406030204" pitchFamily="18" charset="0"/>
+                      </a:rPr>
+                      <m:t>&gt;</m:t>
+                    </m:r>
+                    <m:r>
+                      <a:rPr lang="de-DE" i="1" dirty="0" smtClean="0">
+                        <a:latin typeface="Cambria Math" panose="02040503050406030204" pitchFamily="18" charset="0"/>
+                      </a:rPr>
+                      <m:t>𝑖</m:t>
+                    </m:r>
+                    <m:r>
+                      <a:rPr lang="de-DE" i="1" dirty="0" smtClean="0">
+                        <a:latin typeface="Cambria Math" panose="02040503050406030204" pitchFamily="18" charset="0"/>
+                      </a:rPr>
+                      <m:t>)</m:t>
+                    </m:r>
+                  </m:oMath>
+                </a14:m>
+                <a:r>
+                  <a:rPr lang="de-DE" dirty="0"/>
+                  <a:t>	</a:t>
+                </a:r>
+                <a:r>
+                  <a:rPr lang="de-DE" dirty="0" err="1"/>
+                  <a:t>if</a:t>
+                </a:r>
+                <a:r>
+                  <a:rPr lang="de-DE" dirty="0"/>
+                  <a:t> </a:t>
+                </a:r>
+                <a14:m>
+                  <m:oMath xmlns:m="http://schemas.openxmlformats.org/officeDocument/2006/math">
+                    <m:r>
+                      <a:rPr lang="de-DE" i="1" dirty="0" smtClean="0">
+                        <a:latin typeface="Cambria Math" panose="02040503050406030204" pitchFamily="18" charset="0"/>
+                      </a:rPr>
+                      <m:t>𝑖</m:t>
+                    </m:r>
+                    <m:r>
+                      <a:rPr lang="de-DE" i="1" smtClean="0">
+                        <a:latin typeface="Cambria Math" panose="02040503050406030204" pitchFamily="18" charset="0"/>
+                        <a:ea typeface="Cambria Math" panose="02040503050406030204" pitchFamily="18" charset="0"/>
+                      </a:rPr>
+                      <m:t>∈</m:t>
+                    </m:r>
+                    <m:r>
+                      <a:rPr lang="de-DE" b="0" i="1" smtClean="0">
+                        <a:latin typeface="Cambria Math" panose="02040503050406030204" pitchFamily="18" charset="0"/>
+                        <a:ea typeface="Cambria Math" panose="02040503050406030204" pitchFamily="18" charset="0"/>
+                      </a:rPr>
+                      <m:t>{2,…,</m:t>
+                    </m:r>
+                    <m:r>
+                      <a:rPr lang="de-DE" b="0" i="1" smtClean="0">
+                        <a:latin typeface="Cambria Math" panose="02040503050406030204" pitchFamily="18" charset="0"/>
+                        <a:ea typeface="Cambria Math" panose="02040503050406030204" pitchFamily="18" charset="0"/>
+                      </a:rPr>
+                      <m:t>𝑘</m:t>
+                    </m:r>
+                    <m:r>
+                      <a:rPr lang="de-DE" b="0" i="1" smtClean="0">
+                        <a:latin typeface="Cambria Math" panose="02040503050406030204" pitchFamily="18" charset="0"/>
+                        <a:ea typeface="Cambria Math" panose="02040503050406030204" pitchFamily="18" charset="0"/>
+                      </a:rPr>
+                      <m:t>−1}</m:t>
+                    </m:r>
+                  </m:oMath>
+                </a14:m>
+                <a:endParaRPr lang="de-DE" dirty="0"/>
+              </a:p>
+              <a:p>
+                <a:pPr marL="995363" lvl="2" indent="-457200"/>
+                <a14:m>
+                  <m:oMath xmlns:m="http://schemas.openxmlformats.org/officeDocument/2006/math">
+                    <m:r>
+                      <a:rPr lang="de-DE" i="1" dirty="0" smtClean="0">
+                        <a:latin typeface="Cambria Math" panose="02040503050406030204" pitchFamily="18" charset="0"/>
+                      </a:rPr>
+                      <m:t>𝑃</m:t>
+                    </m:r>
+                    <m:r>
+                      <a:rPr lang="de-DE" i="1" dirty="0" smtClean="0">
+                        <a:latin typeface="Cambria Math" panose="02040503050406030204" pitchFamily="18" charset="0"/>
+                      </a:rPr>
+                      <m:t>(</m:t>
+                    </m:r>
+                    <m:r>
+                      <a:rPr lang="de-DE" i="1" dirty="0" smtClean="0">
+                        <a:latin typeface="Cambria Math" panose="02040503050406030204" pitchFamily="18" charset="0"/>
+                      </a:rPr>
+                      <m:t>𝑖</m:t>
+                    </m:r>
+                    <m:r>
+                      <a:rPr lang="de-DE" i="1" dirty="0" smtClean="0">
+                        <a:latin typeface="Cambria Math" panose="02040503050406030204" pitchFamily="18" charset="0"/>
+                      </a:rPr>
+                      <m:t>)=</m:t>
+                    </m:r>
+                    <m:r>
+                      <a:rPr lang="de-DE" i="1" dirty="0" smtClean="0">
+                        <a:latin typeface="Cambria Math" panose="02040503050406030204" pitchFamily="18" charset="0"/>
+                      </a:rPr>
+                      <m:t>𝑃</m:t>
+                    </m:r>
+                    <m:r>
+                      <a:rPr lang="de-DE" i="1" dirty="0" smtClean="0">
+                        <a:latin typeface="Cambria Math" panose="02040503050406030204" pitchFamily="18" charset="0"/>
+                      </a:rPr>
+                      <m:t>(</m:t>
+                    </m:r>
+                    <m:r>
+                      <a:rPr lang="de-DE" i="1" dirty="0" smtClean="0">
+                        <a:latin typeface="Cambria Math" panose="02040503050406030204" pitchFamily="18" charset="0"/>
+                      </a:rPr>
+                      <m:t>𝑥</m:t>
+                    </m:r>
+                    <m:r>
+                      <a:rPr lang="de-DE" i="1" dirty="0" smtClean="0">
+                        <a:latin typeface="Cambria Math" panose="02040503050406030204" pitchFamily="18" charset="0"/>
+                      </a:rPr>
+                      <m:t>&gt;</m:t>
+                    </m:r>
+                    <m:r>
+                      <a:rPr lang="de-DE" i="1" dirty="0" smtClean="0">
+                        <a:latin typeface="Cambria Math" panose="02040503050406030204" pitchFamily="18" charset="0"/>
+                      </a:rPr>
+                      <m:t>𝑘</m:t>
+                    </m:r>
+                    <m:r>
+                      <a:rPr lang="de-DE" i="1" dirty="0" smtClean="0">
+                        <a:latin typeface="Cambria Math" panose="02040503050406030204" pitchFamily="18" charset="0"/>
+                      </a:rPr>
+                      <m:t>−1)</m:t>
+                    </m:r>
+                  </m:oMath>
+                </a14:m>
+                <a:r>
+                  <a:rPr lang="de-DE" dirty="0"/>
+                  <a:t>		</a:t>
+                </a:r>
+                <a:r>
+                  <a:rPr lang="de-DE" dirty="0" err="1"/>
+                  <a:t>if</a:t>
+                </a:r>
+                <a:r>
+                  <a:rPr lang="de-DE" dirty="0"/>
+                  <a:t> </a:t>
+                </a:r>
+                <a14:m>
+                  <m:oMath xmlns:m="http://schemas.openxmlformats.org/officeDocument/2006/math">
+                    <m:r>
+                      <a:rPr lang="de-DE" i="1" dirty="0" smtClean="0">
+                        <a:latin typeface="Cambria Math" panose="02040503050406030204" pitchFamily="18" charset="0"/>
+                      </a:rPr>
+                      <m:t>𝑖</m:t>
+                    </m:r>
+                    <m:r>
+                      <a:rPr lang="de-DE" i="1" dirty="0" smtClean="0">
+                        <a:latin typeface="Cambria Math" panose="02040503050406030204" pitchFamily="18" charset="0"/>
+                      </a:rPr>
+                      <m:t>=</m:t>
+                    </m:r>
+                    <m:r>
+                      <a:rPr lang="de-DE" i="1" dirty="0" smtClean="0">
+                        <a:latin typeface="Cambria Math" panose="02040503050406030204" pitchFamily="18" charset="0"/>
+                      </a:rPr>
+                      <m:t>𝑘</m:t>
+                    </m:r>
+                  </m:oMath>
+                </a14:m>
+                <a:endParaRPr lang="de-DE" dirty="0"/>
+              </a:p>
+              <a:p>
+                <a:pPr marL="457200" indent="-457200">
+                  <a:buAutoNum type="arabicParenR"/>
+                </a:pPr>
+                <a:endParaRPr lang="de-DE" dirty="0"/>
+              </a:p>
+              <a:p>
+                <a:endParaRPr lang="de-DE" dirty="0"/>
+              </a:p>
+            </p:txBody>
+          </p:sp>
+        </mc:Choice>
+        <mc:Fallback xmlns="">
+          <p:sp>
+            <p:nvSpPr>
+              <p:cNvPr id="3" name="Inhaltsplatzhalter 2">
+                <a:extLst>
+                  <a:ext uri="{FF2B5EF4-FFF2-40B4-BE49-F238E27FC236}">
+                    <a16:creationId xmlns:a16="http://schemas.microsoft.com/office/drawing/2014/main" id="{20B25FFD-CFFD-4757-917F-4B0103818DD9}"/>
+                  </a:ext>
+                </a:extLst>
+              </p:cNvPr>
+              <p:cNvSpPr>
+                <a:spLocks noGrp="1" noRot="1" noChangeAspect="1" noMove="1" noResize="1" noEditPoints="1" noAdjustHandles="1" noChangeArrowheads="1" noChangeShapeType="1" noTextEdit="1"/>
+              </p:cNvSpPr>
+              <p:nvPr>
+                <p:ph sz="half" idx="1"/>
+              </p:nvPr>
+            </p:nvSpPr>
+            <p:spPr>
+              <a:xfrm>
+                <a:off x="358774" y="1592263"/>
+                <a:ext cx="8461697" cy="4551381"/>
+              </a:xfrm>
+              <a:blipFill>
+                <a:blip r:embed="rId2"/>
+                <a:stretch>
+                  <a:fillRect l="-1873" b="-669"/>
+                </a:stretch>
+              </a:blipFill>
+            </p:spPr>
+            <p:txBody>
+              <a:bodyPr/>
+              <a:lstStyle/>
+              <a:p>
+                <a:r>
+                  <a:rPr lang="de-DE">
+                    <a:noFill/>
+                  </a:rPr>
+                  <a:t> </a:t>
+                </a:r>
+              </a:p>
+            </p:txBody>
+          </p:sp>
+        </mc:Fallback>
+      </mc:AlternateContent>
     </p:spTree>
     <p:extLst>
       <p:ext uri="{BB962C8B-B14F-4D97-AF65-F5344CB8AC3E}">
-        <p14:creationId xmlns:p14="http://schemas.microsoft.com/office/powerpoint/2010/main" val="1779272252"/>
+        <p14:creationId xmlns:p14="http://schemas.microsoft.com/office/powerpoint/2010/main" val="4212693327"/>
       </p:ext>
     </p:extLst>
   </p:cSld>
